--- a/LectureFiles/cbw/2016/GenomeAnalysisPlatforms.pptx
+++ b/LectureFiles/cbw/2016/GenomeAnalysisPlatforms.pptx
@@ -5,30 +5,32 @@
     <p:sldMasterId id="2147483648" r:id="rId1"/>
   </p:sldMasterIdLst>
   <p:notesMasterIdLst>
-    <p:notesMasterId r:id="rId20"/>
+    <p:notesMasterId r:id="rId22"/>
   </p:notesMasterIdLst>
   <p:handoutMasterIdLst>
-    <p:handoutMasterId r:id="rId21"/>
+    <p:handoutMasterId r:id="rId23"/>
   </p:handoutMasterIdLst>
   <p:sldIdLst>
-    <p:sldId id="341" r:id="rId2"/>
-    <p:sldId id="513" r:id="rId3"/>
-    <p:sldId id="514" r:id="rId4"/>
-    <p:sldId id="517" r:id="rId5"/>
-    <p:sldId id="515" r:id="rId6"/>
-    <p:sldId id="518" r:id="rId7"/>
-    <p:sldId id="516" r:id="rId8"/>
-    <p:sldId id="519" r:id="rId9"/>
-    <p:sldId id="520" r:id="rId10"/>
-    <p:sldId id="521" r:id="rId11"/>
-    <p:sldId id="522" r:id="rId12"/>
-    <p:sldId id="525" r:id="rId13"/>
-    <p:sldId id="530" r:id="rId14"/>
-    <p:sldId id="523" r:id="rId15"/>
-    <p:sldId id="526" r:id="rId16"/>
-    <p:sldId id="527" r:id="rId17"/>
-    <p:sldId id="528" r:id="rId18"/>
-    <p:sldId id="529" r:id="rId19"/>
+    <p:sldId id="531" r:id="rId2"/>
+    <p:sldId id="532" r:id="rId3"/>
+    <p:sldId id="513" r:id="rId4"/>
+    <p:sldId id="514" r:id="rId5"/>
+    <p:sldId id="517" r:id="rId6"/>
+    <p:sldId id="515" r:id="rId7"/>
+    <p:sldId id="518" r:id="rId8"/>
+    <p:sldId id="516" r:id="rId9"/>
+    <p:sldId id="519" r:id="rId10"/>
+    <p:sldId id="520" r:id="rId11"/>
+    <p:sldId id="521" r:id="rId12"/>
+    <p:sldId id="522" r:id="rId13"/>
+    <p:sldId id="525" r:id="rId14"/>
+    <p:sldId id="530" r:id="rId15"/>
+    <p:sldId id="523" r:id="rId16"/>
+    <p:sldId id="526" r:id="rId17"/>
+    <p:sldId id="527" r:id="rId18"/>
+    <p:sldId id="528" r:id="rId19"/>
+    <p:sldId id="529" r:id="rId20"/>
+    <p:sldId id="533" r:id="rId21"/>
   </p:sldIdLst>
   <p:sldSz cx="9144000" cy="6858000" type="screen4x3"/>
   <p:notesSz cx="7315200" cy="9601200"/>
@@ -263,7 +265,7 @@
               <a:pPr>
                 <a:defRPr/>
               </a:pPr>
-              <a:t>11/15/15</a:t>
+              <a:t>6/16/16</a:t>
             </a:fld>
             <a:endParaRPr lang="en-US"/>
           </a:p>
@@ -470,7 +472,7 @@
               <a:pPr>
                 <a:defRPr/>
               </a:pPr>
-              <a:t>11/15/15</a:t>
+              <a:t>6/16/16</a:t>
             </a:fld>
             <a:endParaRPr lang="en-US"/>
           </a:p>
@@ -888,7 +890,7 @@
               <a:pPr>
                 <a:defRPr/>
               </a:pPr>
-              <a:t>5</a:t>
+              <a:t>6</a:t>
             </a:fld>
             <a:endParaRPr lang="en-US"/>
           </a:p>
@@ -994,7 +996,7 @@
               <a:pPr>
                 <a:defRPr/>
               </a:pPr>
-              <a:t>6</a:t>
+              <a:t>7</a:t>
             </a:fld>
             <a:endParaRPr lang="en-US"/>
           </a:p>
@@ -1104,7 +1106,7 @@
               <a:pPr>
                 <a:defRPr/>
               </a:pPr>
-              <a:t>7</a:t>
+              <a:t>8</a:t>
             </a:fld>
             <a:endParaRPr lang="en-US"/>
           </a:p>
@@ -1210,7 +1212,7 @@
               <a:pPr>
                 <a:defRPr/>
               </a:pPr>
-              <a:t>8</a:t>
+              <a:t>9</a:t>
             </a:fld>
             <a:endParaRPr lang="en-US"/>
           </a:p>
@@ -1316,7 +1318,7 @@
               <a:pPr>
                 <a:defRPr/>
               </a:pPr>
-              <a:t>9</a:t>
+              <a:t>10</a:t>
             </a:fld>
             <a:endParaRPr lang="en-US"/>
           </a:p>
@@ -1422,7 +1424,7 @@
               <a:pPr>
                 <a:defRPr/>
               </a:pPr>
-              <a:t>10</a:t>
+              <a:t>11</a:t>
             </a:fld>
             <a:endParaRPr lang="en-US"/>
           </a:p>
@@ -1528,7 +1530,7 @@
               <a:pPr>
                 <a:defRPr/>
               </a:pPr>
-              <a:t>11</a:t>
+              <a:t>12</a:t>
             </a:fld>
             <a:endParaRPr lang="en-US"/>
           </a:p>
@@ -1619,60 +1621,6 @@
           </a:p>
         </p:txBody>
       </p:sp>
-      <p:pic>
-        <p:nvPicPr>
-          <p:cNvPr id="3" name="Picture 7" descr="cshl_logo_alternate rgb.png"/>
-          <p:cNvPicPr>
-            <a:picLocks noChangeAspect="1"/>
-          </p:cNvPicPr>
-          <p:nvPr userDrawn="1"/>
-        </p:nvPicPr>
-        <p:blipFill>
-          <a:blip r:embed="rId2">
-            <a:extLst>
-              <a:ext uri="{28A0092B-C50C-407E-A947-70E740481C1C}">
-                <a14:useLocalDpi xmlns:a14="http://schemas.microsoft.com/office/drawing/2010/main" val="0"/>
-              </a:ext>
-            </a:extLst>
-          </a:blip>
-          <a:srcRect/>
-          <a:stretch>
-            <a:fillRect/>
-          </a:stretch>
-        </p:blipFill>
-        <p:spPr bwMode="auto">
-          <a:xfrm>
-            <a:off x="300038" y="381000"/>
-            <a:ext cx="3509962" cy="1676400"/>
-          </a:xfrm>
-          <a:prstGeom prst="rect">
-            <a:avLst/>
-          </a:prstGeom>
-          <a:noFill/>
-          <a:ln>
-            <a:noFill/>
-          </a:ln>
-          <a:extLst>
-            <a:ext uri="{909E8E84-426E-40dd-AFC4-6F175D3DCCD1}">
-              <a14:hiddenFill xmlns:a14="http://schemas.microsoft.com/office/drawing/2010/main">
-                <a:solidFill>
-                  <a:srgbClr val="FFFFFF"/>
-                </a:solidFill>
-              </a14:hiddenFill>
-            </a:ext>
-            <a:ext uri="{91240B29-F687-4f45-9708-019B960494DF}">
-              <a14:hiddenLine xmlns:a14="http://schemas.microsoft.com/office/drawing/2010/main" w="9525">
-                <a:solidFill>
-                  <a:srgbClr val="000000"/>
-                </a:solidFill>
-                <a:miter lim="800000"/>
-                <a:headEnd/>
-                <a:tailEnd/>
-              </a14:hiddenLine>
-            </a:ext>
-          </a:extLst>
-        </p:spPr>
-      </p:pic>
     </p:spTree>
     <p:extLst>
       <p:ext uri="{BB962C8B-B14F-4D97-AF65-F5344CB8AC3E}">
@@ -1760,312 +1708,6 @@
       </p:sp>
       <p:sp>
         <p:nvSpPr>
-          <p:cNvPr id="5" name="TextBox 4"/>
-          <p:cNvSpPr txBox="1"/>
-          <p:nvPr userDrawn="1"/>
-        </p:nvSpPr>
-        <p:spPr>
-          <a:xfrm>
-            <a:off x="76200" y="6429375"/>
-            <a:ext cx="6705600" cy="396875"/>
-          </a:xfrm>
-          <a:prstGeom prst="rect">
-            <a:avLst/>
-          </a:prstGeom>
-          <a:noFill/>
-        </p:spPr>
-        <p:txBody>
-          <a:bodyPr>
-            <a:spAutoFit/>
-          </a:bodyPr>
-          <a:lstStyle>
-            <a:lvl1pPr eaLnBrk="0" hangingPunct="0">
-              <a:defRPr sz="2400">
-                <a:solidFill>
-                  <a:schemeClr val="tx1"/>
-                </a:solidFill>
-                <a:latin typeface="Arial" charset="0"/>
-                <a:ea typeface="ＭＳ Ｐゴシック" charset="0"/>
-                <a:cs typeface="ＭＳ Ｐゴシック" charset="0"/>
-              </a:defRPr>
-            </a:lvl1pPr>
-            <a:lvl2pPr marL="37931725" indent="-37474525" eaLnBrk="0" hangingPunct="0">
-              <a:defRPr sz="2400">
-                <a:solidFill>
-                  <a:schemeClr val="tx1"/>
-                </a:solidFill>
-                <a:latin typeface="Arial" charset="0"/>
-                <a:ea typeface="ＭＳ Ｐゴシック" charset="0"/>
-              </a:defRPr>
-            </a:lvl2pPr>
-            <a:lvl3pPr eaLnBrk="0" hangingPunct="0">
-              <a:defRPr sz="2400">
-                <a:solidFill>
-                  <a:schemeClr val="tx1"/>
-                </a:solidFill>
-                <a:latin typeface="Arial" charset="0"/>
-                <a:ea typeface="ＭＳ Ｐゴシック" charset="0"/>
-              </a:defRPr>
-            </a:lvl3pPr>
-            <a:lvl4pPr eaLnBrk="0" hangingPunct="0">
-              <a:defRPr sz="2400">
-                <a:solidFill>
-                  <a:schemeClr val="tx1"/>
-                </a:solidFill>
-                <a:latin typeface="Arial" charset="0"/>
-                <a:ea typeface="ＭＳ Ｐゴシック" charset="0"/>
-              </a:defRPr>
-            </a:lvl4pPr>
-            <a:lvl5pPr eaLnBrk="0" hangingPunct="0">
-              <a:defRPr sz="2400">
-                <a:solidFill>
-                  <a:schemeClr val="tx1"/>
-                </a:solidFill>
-                <a:latin typeface="Arial" charset="0"/>
-                <a:ea typeface="ＭＳ Ｐゴシック" charset="0"/>
-              </a:defRPr>
-            </a:lvl5pPr>
-            <a:lvl6pPr marL="457200" eaLnBrk="0" fontAlgn="base" hangingPunct="0">
-              <a:spcBef>
-                <a:spcPct val="0"/>
-              </a:spcBef>
-              <a:spcAft>
-                <a:spcPct val="0"/>
-              </a:spcAft>
-              <a:defRPr sz="2400">
-                <a:solidFill>
-                  <a:schemeClr val="tx1"/>
-                </a:solidFill>
-                <a:latin typeface="Arial" charset="0"/>
-                <a:ea typeface="ＭＳ Ｐゴシック" charset="0"/>
-              </a:defRPr>
-            </a:lvl6pPr>
-            <a:lvl7pPr marL="914400" eaLnBrk="0" fontAlgn="base" hangingPunct="0">
-              <a:spcBef>
-                <a:spcPct val="0"/>
-              </a:spcBef>
-              <a:spcAft>
-                <a:spcPct val="0"/>
-              </a:spcAft>
-              <a:defRPr sz="2400">
-                <a:solidFill>
-                  <a:schemeClr val="tx1"/>
-                </a:solidFill>
-                <a:latin typeface="Arial" charset="0"/>
-                <a:ea typeface="ＭＳ Ｐゴシック" charset="0"/>
-              </a:defRPr>
-            </a:lvl7pPr>
-            <a:lvl8pPr marL="1371600" eaLnBrk="0" fontAlgn="base" hangingPunct="0">
-              <a:spcBef>
-                <a:spcPct val="0"/>
-              </a:spcBef>
-              <a:spcAft>
-                <a:spcPct val="0"/>
-              </a:spcAft>
-              <a:defRPr sz="2400">
-                <a:solidFill>
-                  <a:schemeClr val="tx1"/>
-                </a:solidFill>
-                <a:latin typeface="Arial" charset="0"/>
-                <a:ea typeface="ＭＳ Ｐゴシック" charset="0"/>
-              </a:defRPr>
-            </a:lvl8pPr>
-            <a:lvl9pPr marL="1828800" eaLnBrk="0" fontAlgn="base" hangingPunct="0">
-              <a:spcBef>
-                <a:spcPct val="0"/>
-              </a:spcBef>
-              <a:spcAft>
-                <a:spcPct val="0"/>
-              </a:spcAft>
-              <a:defRPr sz="2400">
-                <a:solidFill>
-                  <a:schemeClr val="tx1"/>
-                </a:solidFill>
-                <a:latin typeface="Arial" charset="0"/>
-                <a:ea typeface="ＭＳ Ｐゴシック" charset="0"/>
-              </a:defRPr>
-            </a:lvl9pPr>
-          </a:lstStyle>
-          <a:p>
-            <a:pPr eaLnBrk="1" hangingPunct="1">
-              <a:defRPr/>
-            </a:pPr>
-            <a:r>
-              <a:rPr lang="en-US" sz="2000" b="1" dirty="0" smtClean="0">
-                <a:solidFill>
-                  <a:schemeClr val="bg1"/>
-                </a:solidFill>
-                <a:latin typeface="Calibri" charset="0"/>
-                <a:cs typeface="Calibri" charset="0"/>
-              </a:rPr>
-              <a:t>Genome Analysis</a:t>
-            </a:r>
-            <a:r>
-              <a:rPr lang="en-US" sz="2000" b="1" baseline="0" dirty="0" smtClean="0">
-                <a:solidFill>
-                  <a:schemeClr val="bg1"/>
-                </a:solidFill>
-                <a:latin typeface="Calibri" charset="0"/>
-                <a:cs typeface="Calibri" charset="0"/>
-              </a:rPr>
-              <a:t> Platforms</a:t>
-            </a:r>
-            <a:endParaRPr lang="en-US" sz="2000" b="1" dirty="0" smtClean="0">
-              <a:solidFill>
-                <a:schemeClr val="bg1"/>
-              </a:solidFill>
-              <a:latin typeface="Calibri" charset="0"/>
-              <a:cs typeface="Calibri" charset="0"/>
-            </a:endParaRPr>
-          </a:p>
-        </p:txBody>
-      </p:sp>
-      <p:sp>
-        <p:nvSpPr>
-          <p:cNvPr id="6" name="TextBox 5"/>
-          <p:cNvSpPr txBox="1"/>
-          <p:nvPr userDrawn="1"/>
-        </p:nvSpPr>
-        <p:spPr>
-          <a:xfrm>
-            <a:off x="6172200" y="6477000"/>
-            <a:ext cx="2895600" cy="338138"/>
-          </a:xfrm>
-          <a:prstGeom prst="rect">
-            <a:avLst/>
-          </a:prstGeom>
-          <a:noFill/>
-        </p:spPr>
-        <p:txBody>
-          <a:bodyPr>
-            <a:spAutoFit/>
-          </a:bodyPr>
-          <a:lstStyle>
-            <a:lvl1pPr eaLnBrk="0" hangingPunct="0">
-              <a:defRPr sz="2400">
-                <a:solidFill>
-                  <a:schemeClr val="tx1"/>
-                </a:solidFill>
-                <a:latin typeface="Arial" charset="0"/>
-                <a:ea typeface="ＭＳ Ｐゴシック" charset="0"/>
-                <a:cs typeface="ＭＳ Ｐゴシック" charset="0"/>
-              </a:defRPr>
-            </a:lvl1pPr>
-            <a:lvl2pPr marL="37931725" indent="-37474525" eaLnBrk="0" hangingPunct="0">
-              <a:defRPr sz="2400">
-                <a:solidFill>
-                  <a:schemeClr val="tx1"/>
-                </a:solidFill>
-                <a:latin typeface="Arial" charset="0"/>
-                <a:ea typeface="ＭＳ Ｐゴシック" charset="0"/>
-              </a:defRPr>
-            </a:lvl2pPr>
-            <a:lvl3pPr eaLnBrk="0" hangingPunct="0">
-              <a:defRPr sz="2400">
-                <a:solidFill>
-                  <a:schemeClr val="tx1"/>
-                </a:solidFill>
-                <a:latin typeface="Arial" charset="0"/>
-                <a:ea typeface="ＭＳ Ｐゴシック" charset="0"/>
-              </a:defRPr>
-            </a:lvl3pPr>
-            <a:lvl4pPr eaLnBrk="0" hangingPunct="0">
-              <a:defRPr sz="2400">
-                <a:solidFill>
-                  <a:schemeClr val="tx1"/>
-                </a:solidFill>
-                <a:latin typeface="Arial" charset="0"/>
-                <a:ea typeface="ＭＳ Ｐゴシック" charset="0"/>
-              </a:defRPr>
-            </a:lvl4pPr>
-            <a:lvl5pPr eaLnBrk="0" hangingPunct="0">
-              <a:defRPr sz="2400">
-                <a:solidFill>
-                  <a:schemeClr val="tx1"/>
-                </a:solidFill>
-                <a:latin typeface="Arial" charset="0"/>
-                <a:ea typeface="ＭＳ Ｐゴシック" charset="0"/>
-              </a:defRPr>
-            </a:lvl5pPr>
-            <a:lvl6pPr marL="457200" eaLnBrk="0" fontAlgn="base" hangingPunct="0">
-              <a:spcBef>
-                <a:spcPct val="0"/>
-              </a:spcBef>
-              <a:spcAft>
-                <a:spcPct val="0"/>
-              </a:spcAft>
-              <a:defRPr sz="2400">
-                <a:solidFill>
-                  <a:schemeClr val="tx1"/>
-                </a:solidFill>
-                <a:latin typeface="Arial" charset="0"/>
-                <a:ea typeface="ＭＳ Ｐゴシック" charset="0"/>
-              </a:defRPr>
-            </a:lvl6pPr>
-            <a:lvl7pPr marL="914400" eaLnBrk="0" fontAlgn="base" hangingPunct="0">
-              <a:spcBef>
-                <a:spcPct val="0"/>
-              </a:spcBef>
-              <a:spcAft>
-                <a:spcPct val="0"/>
-              </a:spcAft>
-              <a:defRPr sz="2400">
-                <a:solidFill>
-                  <a:schemeClr val="tx1"/>
-                </a:solidFill>
-                <a:latin typeface="Arial" charset="0"/>
-                <a:ea typeface="ＭＳ Ｐゴシック" charset="0"/>
-              </a:defRPr>
-            </a:lvl7pPr>
-            <a:lvl8pPr marL="1371600" eaLnBrk="0" fontAlgn="base" hangingPunct="0">
-              <a:spcBef>
-                <a:spcPct val="0"/>
-              </a:spcBef>
-              <a:spcAft>
-                <a:spcPct val="0"/>
-              </a:spcAft>
-              <a:defRPr sz="2400">
-                <a:solidFill>
-                  <a:schemeClr val="tx1"/>
-                </a:solidFill>
-                <a:latin typeface="Arial" charset="0"/>
-                <a:ea typeface="ＭＳ Ｐゴシック" charset="0"/>
-              </a:defRPr>
-            </a:lvl8pPr>
-            <a:lvl9pPr marL="1828800" eaLnBrk="0" fontAlgn="base" hangingPunct="0">
-              <a:spcBef>
-                <a:spcPct val="0"/>
-              </a:spcBef>
-              <a:spcAft>
-                <a:spcPct val="0"/>
-              </a:spcAft>
-              <a:defRPr sz="2400">
-                <a:solidFill>
-                  <a:schemeClr val="tx1"/>
-                </a:solidFill>
-                <a:latin typeface="Arial" charset="0"/>
-                <a:ea typeface="ＭＳ Ｐゴシック" charset="0"/>
-              </a:defRPr>
-            </a:lvl9pPr>
-          </a:lstStyle>
-          <a:p>
-            <a:pPr algn="r" eaLnBrk="1" hangingPunct="1">
-              <a:defRPr/>
-            </a:pPr>
-            <a:r>
-              <a:rPr lang="en-US" sz="1600" b="1" smtClean="0">
-                <a:cs typeface="Arial" charset="0"/>
-              </a:rPr>
-              <a:t>http://meetings.cshl.edu/</a:t>
-            </a:r>
-            <a:endParaRPr lang="en-US" sz="1600" smtClean="0">
-              <a:cs typeface="Arial" charset="0"/>
-            </a:endParaRPr>
-          </a:p>
-        </p:txBody>
-      </p:sp>
-      <p:sp>
-        <p:nvSpPr>
           <p:cNvPr id="2" name="Title 1"/>
           <p:cNvSpPr>
             <a:spLocks noGrp="1"/>
@@ -2184,6 +1826,331 @@
               <a:t>Fifth level</a:t>
             </a:r>
             <a:endParaRPr lang="en-US" dirty="0"/>
+          </a:p>
+        </p:txBody>
+      </p:sp>
+      <p:sp>
+        <p:nvSpPr>
+          <p:cNvPr id="7" name="TextBox 6"/>
+          <p:cNvSpPr txBox="1"/>
+          <p:nvPr userDrawn="1"/>
+        </p:nvSpPr>
+        <p:spPr>
+          <a:xfrm>
+            <a:off x="6705600" y="6396038"/>
+            <a:ext cx="2362200" cy="457200"/>
+          </a:xfrm>
+          <a:prstGeom prst="rect">
+            <a:avLst/>
+          </a:prstGeom>
+          <a:noFill/>
+        </p:spPr>
+        <p:txBody>
+          <a:bodyPr>
+            <a:spAutoFit/>
+          </a:bodyPr>
+          <a:lstStyle>
+            <a:lvl1pPr eaLnBrk="0" hangingPunct="0">
+              <a:defRPr sz="2400">
+                <a:solidFill>
+                  <a:schemeClr val="tx1"/>
+                </a:solidFill>
+                <a:latin typeface="Arial" charset="0"/>
+                <a:ea typeface="ＭＳ Ｐゴシック" charset="0"/>
+                <a:cs typeface="ＭＳ Ｐゴシック" charset="0"/>
+              </a:defRPr>
+            </a:lvl1pPr>
+            <a:lvl2pPr marL="37931725" indent="-37474525" eaLnBrk="0" hangingPunct="0">
+              <a:defRPr sz="2400">
+                <a:solidFill>
+                  <a:schemeClr val="tx1"/>
+                </a:solidFill>
+                <a:latin typeface="Arial" charset="0"/>
+                <a:ea typeface="ＭＳ Ｐゴシック" charset="0"/>
+              </a:defRPr>
+            </a:lvl2pPr>
+            <a:lvl3pPr eaLnBrk="0" hangingPunct="0">
+              <a:defRPr sz="2400">
+                <a:solidFill>
+                  <a:schemeClr val="tx1"/>
+                </a:solidFill>
+                <a:latin typeface="Arial" charset="0"/>
+                <a:ea typeface="ＭＳ Ｐゴシック" charset="0"/>
+              </a:defRPr>
+            </a:lvl3pPr>
+            <a:lvl4pPr eaLnBrk="0" hangingPunct="0">
+              <a:defRPr sz="2400">
+                <a:solidFill>
+                  <a:schemeClr val="tx1"/>
+                </a:solidFill>
+                <a:latin typeface="Arial" charset="0"/>
+                <a:ea typeface="ＭＳ Ｐゴシック" charset="0"/>
+              </a:defRPr>
+            </a:lvl4pPr>
+            <a:lvl5pPr eaLnBrk="0" hangingPunct="0">
+              <a:defRPr sz="2400">
+                <a:solidFill>
+                  <a:schemeClr val="tx1"/>
+                </a:solidFill>
+                <a:latin typeface="Arial" charset="0"/>
+                <a:ea typeface="ＭＳ Ｐゴシック" charset="0"/>
+              </a:defRPr>
+            </a:lvl5pPr>
+            <a:lvl6pPr marL="457200" eaLnBrk="0" fontAlgn="base" hangingPunct="0">
+              <a:spcBef>
+                <a:spcPct val="0"/>
+              </a:spcBef>
+              <a:spcAft>
+                <a:spcPct val="0"/>
+              </a:spcAft>
+              <a:defRPr sz="2400">
+                <a:solidFill>
+                  <a:schemeClr val="tx1"/>
+                </a:solidFill>
+                <a:latin typeface="Arial" charset="0"/>
+                <a:ea typeface="ＭＳ Ｐゴシック" charset="0"/>
+              </a:defRPr>
+            </a:lvl6pPr>
+            <a:lvl7pPr marL="914400" eaLnBrk="0" fontAlgn="base" hangingPunct="0">
+              <a:spcBef>
+                <a:spcPct val="0"/>
+              </a:spcBef>
+              <a:spcAft>
+                <a:spcPct val="0"/>
+              </a:spcAft>
+              <a:defRPr sz="2400">
+                <a:solidFill>
+                  <a:schemeClr val="tx1"/>
+                </a:solidFill>
+                <a:latin typeface="Arial" charset="0"/>
+                <a:ea typeface="ＭＳ Ｐゴシック" charset="0"/>
+              </a:defRPr>
+            </a:lvl7pPr>
+            <a:lvl8pPr marL="1371600" eaLnBrk="0" fontAlgn="base" hangingPunct="0">
+              <a:spcBef>
+                <a:spcPct val="0"/>
+              </a:spcBef>
+              <a:spcAft>
+                <a:spcPct val="0"/>
+              </a:spcAft>
+              <a:defRPr sz="2400">
+                <a:solidFill>
+                  <a:schemeClr val="tx1"/>
+                </a:solidFill>
+                <a:latin typeface="Arial" charset="0"/>
+                <a:ea typeface="ＭＳ Ｐゴシック" charset="0"/>
+              </a:defRPr>
+            </a:lvl8pPr>
+            <a:lvl9pPr marL="1828800" eaLnBrk="0" fontAlgn="base" hangingPunct="0">
+              <a:spcBef>
+                <a:spcPct val="0"/>
+              </a:spcBef>
+              <a:spcAft>
+                <a:spcPct val="0"/>
+              </a:spcAft>
+              <a:defRPr sz="2400">
+                <a:solidFill>
+                  <a:schemeClr val="tx1"/>
+                </a:solidFill>
+                <a:latin typeface="Arial" charset="0"/>
+                <a:ea typeface="ＭＳ Ｐゴシック" charset="0"/>
+              </a:defRPr>
+            </a:lvl9pPr>
+          </a:lstStyle>
+          <a:p>
+            <a:pPr algn="r" eaLnBrk="1" hangingPunct="1">
+              <a:defRPr/>
+            </a:pPr>
+            <a:r>
+              <a:rPr lang="en-US" b="1" dirty="0" err="1" smtClean="0">
+                <a:cs typeface="Arial" charset="0"/>
+              </a:rPr>
+              <a:t>bio</a:t>
+            </a:r>
+            <a:r>
+              <a:rPr lang="en-US" dirty="0" err="1" smtClean="0">
+                <a:cs typeface="Arial" charset="0"/>
+              </a:rPr>
+              <a:t>informatics</a:t>
+            </a:r>
+            <a:r>
+              <a:rPr lang="en-US" sz="1400" dirty="0" err="1" smtClean="0">
+                <a:cs typeface="Arial" charset="0"/>
+              </a:rPr>
+              <a:t>.ca</a:t>
+            </a:r>
+            <a:endParaRPr lang="en-US" dirty="0" smtClean="0">
+              <a:cs typeface="Arial" charset="0"/>
+            </a:endParaRPr>
+          </a:p>
+        </p:txBody>
+      </p:sp>
+      <p:sp>
+        <p:nvSpPr>
+          <p:cNvPr id="8" name="TextBox 7"/>
+          <p:cNvSpPr txBox="1">
+            <a:spLocks noChangeArrowheads="1"/>
+          </p:cNvSpPr>
+          <p:nvPr userDrawn="1"/>
+        </p:nvSpPr>
+        <p:spPr bwMode="auto">
+          <a:xfrm>
+            <a:off x="76200" y="6429375"/>
+            <a:ext cx="6705600" cy="396875"/>
+          </a:xfrm>
+          <a:prstGeom prst="rect">
+            <a:avLst/>
+          </a:prstGeom>
+          <a:noFill/>
+          <a:ln>
+            <a:noFill/>
+          </a:ln>
+          <a:extLst>
+            <a:ext uri="{909E8E84-426E-40dd-AFC4-6F175D3DCCD1}">
+              <a14:hiddenFill xmlns:a14="http://schemas.microsoft.com/office/drawing/2010/main">
+                <a:solidFill>
+                  <a:srgbClr val="FFFFFF"/>
+                </a:solidFill>
+              </a14:hiddenFill>
+            </a:ext>
+            <a:ext uri="{91240B29-F687-4f45-9708-019B960494DF}">
+              <a14:hiddenLine xmlns:a14="http://schemas.microsoft.com/office/drawing/2010/main" w="9525">
+                <a:solidFill>
+                  <a:srgbClr val="000000"/>
+                </a:solidFill>
+                <a:miter lim="800000"/>
+                <a:headEnd/>
+                <a:tailEnd/>
+              </a14:hiddenLine>
+            </a:ext>
+          </a:extLst>
+        </p:spPr>
+        <p:txBody>
+          <a:bodyPr>
+            <a:spAutoFit/>
+          </a:bodyPr>
+          <a:lstStyle>
+            <a:lvl1pPr eaLnBrk="0" hangingPunct="0">
+              <a:defRPr sz="2400">
+                <a:solidFill>
+                  <a:schemeClr val="tx1"/>
+                </a:solidFill>
+                <a:latin typeface="Arial" charset="0"/>
+                <a:ea typeface="ＭＳ Ｐゴシック" charset="0"/>
+                <a:cs typeface="ＭＳ Ｐゴシック" charset="0"/>
+              </a:defRPr>
+            </a:lvl1pPr>
+            <a:lvl2pPr marL="742950" indent="-285750" eaLnBrk="0" hangingPunct="0">
+              <a:defRPr sz="2400">
+                <a:solidFill>
+                  <a:schemeClr val="tx1"/>
+                </a:solidFill>
+                <a:latin typeface="Arial" charset="0"/>
+                <a:ea typeface="ＭＳ Ｐゴシック" charset="0"/>
+              </a:defRPr>
+            </a:lvl2pPr>
+            <a:lvl3pPr marL="1143000" indent="-228600" eaLnBrk="0" hangingPunct="0">
+              <a:defRPr sz="2400">
+                <a:solidFill>
+                  <a:schemeClr val="tx1"/>
+                </a:solidFill>
+                <a:latin typeface="Arial" charset="0"/>
+                <a:ea typeface="ＭＳ Ｐゴシック" charset="0"/>
+              </a:defRPr>
+            </a:lvl3pPr>
+            <a:lvl4pPr marL="1600200" indent="-228600" eaLnBrk="0" hangingPunct="0">
+              <a:defRPr sz="2400">
+                <a:solidFill>
+                  <a:schemeClr val="tx1"/>
+                </a:solidFill>
+                <a:latin typeface="Arial" charset="0"/>
+                <a:ea typeface="ＭＳ Ｐゴシック" charset="0"/>
+              </a:defRPr>
+            </a:lvl4pPr>
+            <a:lvl5pPr marL="2057400" indent="-228600" eaLnBrk="0" hangingPunct="0">
+              <a:defRPr sz="2400">
+                <a:solidFill>
+                  <a:schemeClr val="tx1"/>
+                </a:solidFill>
+                <a:latin typeface="Arial" charset="0"/>
+                <a:ea typeface="ＭＳ Ｐゴシック" charset="0"/>
+              </a:defRPr>
+            </a:lvl5pPr>
+            <a:lvl6pPr marL="2514600" indent="-228600" eaLnBrk="0" fontAlgn="base" hangingPunct="0">
+              <a:spcBef>
+                <a:spcPct val="0"/>
+              </a:spcBef>
+              <a:spcAft>
+                <a:spcPct val="0"/>
+              </a:spcAft>
+              <a:defRPr sz="2400">
+                <a:solidFill>
+                  <a:schemeClr val="tx1"/>
+                </a:solidFill>
+                <a:latin typeface="Arial" charset="0"/>
+                <a:ea typeface="ＭＳ Ｐゴシック" charset="0"/>
+              </a:defRPr>
+            </a:lvl6pPr>
+            <a:lvl7pPr marL="2971800" indent="-228600" eaLnBrk="0" fontAlgn="base" hangingPunct="0">
+              <a:spcBef>
+                <a:spcPct val="0"/>
+              </a:spcBef>
+              <a:spcAft>
+                <a:spcPct val="0"/>
+              </a:spcAft>
+              <a:defRPr sz="2400">
+                <a:solidFill>
+                  <a:schemeClr val="tx1"/>
+                </a:solidFill>
+                <a:latin typeface="Arial" charset="0"/>
+                <a:ea typeface="ＭＳ Ｐゴシック" charset="0"/>
+              </a:defRPr>
+            </a:lvl7pPr>
+            <a:lvl8pPr marL="3429000" indent="-228600" eaLnBrk="0" fontAlgn="base" hangingPunct="0">
+              <a:spcBef>
+                <a:spcPct val="0"/>
+              </a:spcBef>
+              <a:spcAft>
+                <a:spcPct val="0"/>
+              </a:spcAft>
+              <a:defRPr sz="2400">
+                <a:solidFill>
+                  <a:schemeClr val="tx1"/>
+                </a:solidFill>
+                <a:latin typeface="Arial" charset="0"/>
+                <a:ea typeface="ＭＳ Ｐゴシック" charset="0"/>
+              </a:defRPr>
+            </a:lvl8pPr>
+            <a:lvl9pPr marL="3886200" indent="-228600" eaLnBrk="0" fontAlgn="base" hangingPunct="0">
+              <a:spcBef>
+                <a:spcPct val="0"/>
+              </a:spcBef>
+              <a:spcAft>
+                <a:spcPct val="0"/>
+              </a:spcAft>
+              <a:defRPr sz="2400">
+                <a:solidFill>
+                  <a:schemeClr val="tx1"/>
+                </a:solidFill>
+                <a:latin typeface="Arial" charset="0"/>
+                <a:ea typeface="ＭＳ Ｐゴシック" charset="0"/>
+              </a:defRPr>
+            </a:lvl9pPr>
+          </a:lstStyle>
+          <a:p>
+            <a:pPr eaLnBrk="1" hangingPunct="1">
+              <a:defRPr/>
+            </a:pPr>
+            <a:r>
+              <a:rPr lang="en-US" sz="2000" b="1" dirty="0" smtClean="0">
+                <a:solidFill>
+                  <a:schemeClr val="bg1"/>
+                </a:solidFill>
+                <a:latin typeface="Calibri" charset="0"/>
+                <a:cs typeface="Calibri" charset="0"/>
+              </a:rPr>
+              <a:t>RNA sequencing and analysis</a:t>
+            </a:r>
           </a:p>
         </p:txBody>
       </p:sp>
@@ -2274,312 +2241,6 @@
       </p:sp>
       <p:sp>
         <p:nvSpPr>
-          <p:cNvPr id="4" name="TextBox 3"/>
-          <p:cNvSpPr txBox="1"/>
-          <p:nvPr userDrawn="1"/>
-        </p:nvSpPr>
-        <p:spPr>
-          <a:xfrm>
-            <a:off x="76200" y="6429375"/>
-            <a:ext cx="6705600" cy="396875"/>
-          </a:xfrm>
-          <a:prstGeom prst="rect">
-            <a:avLst/>
-          </a:prstGeom>
-          <a:noFill/>
-        </p:spPr>
-        <p:txBody>
-          <a:bodyPr>
-            <a:spAutoFit/>
-          </a:bodyPr>
-          <a:lstStyle>
-            <a:lvl1pPr eaLnBrk="0" hangingPunct="0">
-              <a:defRPr sz="2400">
-                <a:solidFill>
-                  <a:schemeClr val="tx1"/>
-                </a:solidFill>
-                <a:latin typeface="Arial" charset="0"/>
-                <a:ea typeface="ＭＳ Ｐゴシック" charset="0"/>
-                <a:cs typeface="ＭＳ Ｐゴシック" charset="0"/>
-              </a:defRPr>
-            </a:lvl1pPr>
-            <a:lvl2pPr marL="37931725" indent="-37474525" eaLnBrk="0" hangingPunct="0">
-              <a:defRPr sz="2400">
-                <a:solidFill>
-                  <a:schemeClr val="tx1"/>
-                </a:solidFill>
-                <a:latin typeface="Arial" charset="0"/>
-                <a:ea typeface="ＭＳ Ｐゴシック" charset="0"/>
-              </a:defRPr>
-            </a:lvl2pPr>
-            <a:lvl3pPr eaLnBrk="0" hangingPunct="0">
-              <a:defRPr sz="2400">
-                <a:solidFill>
-                  <a:schemeClr val="tx1"/>
-                </a:solidFill>
-                <a:latin typeface="Arial" charset="0"/>
-                <a:ea typeface="ＭＳ Ｐゴシック" charset="0"/>
-              </a:defRPr>
-            </a:lvl3pPr>
-            <a:lvl4pPr eaLnBrk="0" hangingPunct="0">
-              <a:defRPr sz="2400">
-                <a:solidFill>
-                  <a:schemeClr val="tx1"/>
-                </a:solidFill>
-                <a:latin typeface="Arial" charset="0"/>
-                <a:ea typeface="ＭＳ Ｐゴシック" charset="0"/>
-              </a:defRPr>
-            </a:lvl4pPr>
-            <a:lvl5pPr eaLnBrk="0" hangingPunct="0">
-              <a:defRPr sz="2400">
-                <a:solidFill>
-                  <a:schemeClr val="tx1"/>
-                </a:solidFill>
-                <a:latin typeface="Arial" charset="0"/>
-                <a:ea typeface="ＭＳ Ｐゴシック" charset="0"/>
-              </a:defRPr>
-            </a:lvl5pPr>
-            <a:lvl6pPr marL="457200" eaLnBrk="0" fontAlgn="base" hangingPunct="0">
-              <a:spcBef>
-                <a:spcPct val="0"/>
-              </a:spcBef>
-              <a:spcAft>
-                <a:spcPct val="0"/>
-              </a:spcAft>
-              <a:defRPr sz="2400">
-                <a:solidFill>
-                  <a:schemeClr val="tx1"/>
-                </a:solidFill>
-                <a:latin typeface="Arial" charset="0"/>
-                <a:ea typeface="ＭＳ Ｐゴシック" charset="0"/>
-              </a:defRPr>
-            </a:lvl6pPr>
-            <a:lvl7pPr marL="914400" eaLnBrk="0" fontAlgn="base" hangingPunct="0">
-              <a:spcBef>
-                <a:spcPct val="0"/>
-              </a:spcBef>
-              <a:spcAft>
-                <a:spcPct val="0"/>
-              </a:spcAft>
-              <a:defRPr sz="2400">
-                <a:solidFill>
-                  <a:schemeClr val="tx1"/>
-                </a:solidFill>
-                <a:latin typeface="Arial" charset="0"/>
-                <a:ea typeface="ＭＳ Ｐゴシック" charset="0"/>
-              </a:defRPr>
-            </a:lvl7pPr>
-            <a:lvl8pPr marL="1371600" eaLnBrk="0" fontAlgn="base" hangingPunct="0">
-              <a:spcBef>
-                <a:spcPct val="0"/>
-              </a:spcBef>
-              <a:spcAft>
-                <a:spcPct val="0"/>
-              </a:spcAft>
-              <a:defRPr sz="2400">
-                <a:solidFill>
-                  <a:schemeClr val="tx1"/>
-                </a:solidFill>
-                <a:latin typeface="Arial" charset="0"/>
-                <a:ea typeface="ＭＳ Ｐゴシック" charset="0"/>
-              </a:defRPr>
-            </a:lvl8pPr>
-            <a:lvl9pPr marL="1828800" eaLnBrk="0" fontAlgn="base" hangingPunct="0">
-              <a:spcBef>
-                <a:spcPct val="0"/>
-              </a:spcBef>
-              <a:spcAft>
-                <a:spcPct val="0"/>
-              </a:spcAft>
-              <a:defRPr sz="2400">
-                <a:solidFill>
-                  <a:schemeClr val="tx1"/>
-                </a:solidFill>
-                <a:latin typeface="Arial" charset="0"/>
-                <a:ea typeface="ＭＳ Ｐゴシック" charset="0"/>
-              </a:defRPr>
-            </a:lvl9pPr>
-          </a:lstStyle>
-          <a:p>
-            <a:pPr eaLnBrk="1" hangingPunct="1">
-              <a:defRPr/>
-            </a:pPr>
-            <a:r>
-              <a:rPr lang="en-US" sz="2000" b="1" dirty="0" smtClean="0">
-                <a:solidFill>
-                  <a:schemeClr val="bg1"/>
-                </a:solidFill>
-                <a:latin typeface="Calibri" charset="0"/>
-                <a:cs typeface="Calibri" charset="0"/>
-              </a:rPr>
-              <a:t>Genome Analysis</a:t>
-            </a:r>
-            <a:r>
-              <a:rPr lang="en-US" sz="2000" b="1" baseline="0" dirty="0" smtClean="0">
-                <a:solidFill>
-                  <a:schemeClr val="bg1"/>
-                </a:solidFill>
-                <a:latin typeface="Calibri" charset="0"/>
-                <a:cs typeface="Calibri" charset="0"/>
-              </a:rPr>
-              <a:t> Platforms</a:t>
-            </a:r>
-            <a:endParaRPr lang="en-US" sz="2000" b="1" dirty="0" smtClean="0">
-              <a:solidFill>
-                <a:schemeClr val="bg1"/>
-              </a:solidFill>
-              <a:latin typeface="Calibri" charset="0"/>
-              <a:cs typeface="Calibri" charset="0"/>
-            </a:endParaRPr>
-          </a:p>
-        </p:txBody>
-      </p:sp>
-      <p:sp>
-        <p:nvSpPr>
-          <p:cNvPr id="5" name="TextBox 4"/>
-          <p:cNvSpPr txBox="1"/>
-          <p:nvPr userDrawn="1"/>
-        </p:nvSpPr>
-        <p:spPr>
-          <a:xfrm>
-            <a:off x="6172200" y="6477000"/>
-            <a:ext cx="2895600" cy="338138"/>
-          </a:xfrm>
-          <a:prstGeom prst="rect">
-            <a:avLst/>
-          </a:prstGeom>
-          <a:noFill/>
-        </p:spPr>
-        <p:txBody>
-          <a:bodyPr>
-            <a:spAutoFit/>
-          </a:bodyPr>
-          <a:lstStyle>
-            <a:lvl1pPr eaLnBrk="0" hangingPunct="0">
-              <a:defRPr sz="2400">
-                <a:solidFill>
-                  <a:schemeClr val="tx1"/>
-                </a:solidFill>
-                <a:latin typeface="Arial" charset="0"/>
-                <a:ea typeface="ＭＳ Ｐゴシック" charset="0"/>
-                <a:cs typeface="ＭＳ Ｐゴシック" charset="0"/>
-              </a:defRPr>
-            </a:lvl1pPr>
-            <a:lvl2pPr marL="37931725" indent="-37474525" eaLnBrk="0" hangingPunct="0">
-              <a:defRPr sz="2400">
-                <a:solidFill>
-                  <a:schemeClr val="tx1"/>
-                </a:solidFill>
-                <a:latin typeface="Arial" charset="0"/>
-                <a:ea typeface="ＭＳ Ｐゴシック" charset="0"/>
-              </a:defRPr>
-            </a:lvl2pPr>
-            <a:lvl3pPr eaLnBrk="0" hangingPunct="0">
-              <a:defRPr sz="2400">
-                <a:solidFill>
-                  <a:schemeClr val="tx1"/>
-                </a:solidFill>
-                <a:latin typeface="Arial" charset="0"/>
-                <a:ea typeface="ＭＳ Ｐゴシック" charset="0"/>
-              </a:defRPr>
-            </a:lvl3pPr>
-            <a:lvl4pPr eaLnBrk="0" hangingPunct="0">
-              <a:defRPr sz="2400">
-                <a:solidFill>
-                  <a:schemeClr val="tx1"/>
-                </a:solidFill>
-                <a:latin typeface="Arial" charset="0"/>
-                <a:ea typeface="ＭＳ Ｐゴシック" charset="0"/>
-              </a:defRPr>
-            </a:lvl4pPr>
-            <a:lvl5pPr eaLnBrk="0" hangingPunct="0">
-              <a:defRPr sz="2400">
-                <a:solidFill>
-                  <a:schemeClr val="tx1"/>
-                </a:solidFill>
-                <a:latin typeface="Arial" charset="0"/>
-                <a:ea typeface="ＭＳ Ｐゴシック" charset="0"/>
-              </a:defRPr>
-            </a:lvl5pPr>
-            <a:lvl6pPr marL="457200" eaLnBrk="0" fontAlgn="base" hangingPunct="0">
-              <a:spcBef>
-                <a:spcPct val="0"/>
-              </a:spcBef>
-              <a:spcAft>
-                <a:spcPct val="0"/>
-              </a:spcAft>
-              <a:defRPr sz="2400">
-                <a:solidFill>
-                  <a:schemeClr val="tx1"/>
-                </a:solidFill>
-                <a:latin typeface="Arial" charset="0"/>
-                <a:ea typeface="ＭＳ Ｐゴシック" charset="0"/>
-              </a:defRPr>
-            </a:lvl6pPr>
-            <a:lvl7pPr marL="914400" eaLnBrk="0" fontAlgn="base" hangingPunct="0">
-              <a:spcBef>
-                <a:spcPct val="0"/>
-              </a:spcBef>
-              <a:spcAft>
-                <a:spcPct val="0"/>
-              </a:spcAft>
-              <a:defRPr sz="2400">
-                <a:solidFill>
-                  <a:schemeClr val="tx1"/>
-                </a:solidFill>
-                <a:latin typeface="Arial" charset="0"/>
-                <a:ea typeface="ＭＳ Ｐゴシック" charset="0"/>
-              </a:defRPr>
-            </a:lvl7pPr>
-            <a:lvl8pPr marL="1371600" eaLnBrk="0" fontAlgn="base" hangingPunct="0">
-              <a:spcBef>
-                <a:spcPct val="0"/>
-              </a:spcBef>
-              <a:spcAft>
-                <a:spcPct val="0"/>
-              </a:spcAft>
-              <a:defRPr sz="2400">
-                <a:solidFill>
-                  <a:schemeClr val="tx1"/>
-                </a:solidFill>
-                <a:latin typeface="Arial" charset="0"/>
-                <a:ea typeface="ＭＳ Ｐゴシック" charset="0"/>
-              </a:defRPr>
-            </a:lvl8pPr>
-            <a:lvl9pPr marL="1828800" eaLnBrk="0" fontAlgn="base" hangingPunct="0">
-              <a:spcBef>
-                <a:spcPct val="0"/>
-              </a:spcBef>
-              <a:spcAft>
-                <a:spcPct val="0"/>
-              </a:spcAft>
-              <a:defRPr sz="2400">
-                <a:solidFill>
-                  <a:schemeClr val="tx1"/>
-                </a:solidFill>
-                <a:latin typeface="Arial" charset="0"/>
-                <a:ea typeface="ＭＳ Ｐゴシック" charset="0"/>
-              </a:defRPr>
-            </a:lvl9pPr>
-          </a:lstStyle>
-          <a:p>
-            <a:pPr algn="r" eaLnBrk="1" hangingPunct="1">
-              <a:defRPr/>
-            </a:pPr>
-            <a:r>
-              <a:rPr lang="en-US" sz="1600" b="1" smtClean="0">
-                <a:cs typeface="Arial" charset="0"/>
-              </a:rPr>
-              <a:t>http://meetings.cshl.edu/</a:t>
-            </a:r>
-            <a:endParaRPr lang="en-US" sz="1600" smtClean="0">
-              <a:cs typeface="Arial" charset="0"/>
-            </a:endParaRPr>
-          </a:p>
-        </p:txBody>
-      </p:sp>
-      <p:sp>
-        <p:nvSpPr>
           <p:cNvPr id="2" name="Title 1"/>
           <p:cNvSpPr>
             <a:spLocks noGrp="1"/>
@@ -2610,6 +2271,331 @@
               <a:t>Click to edit Master title style</a:t>
             </a:r>
             <a:endParaRPr lang="en-US" dirty="0"/>
+          </a:p>
+        </p:txBody>
+      </p:sp>
+      <p:sp>
+        <p:nvSpPr>
+          <p:cNvPr id="6" name="TextBox 5"/>
+          <p:cNvSpPr txBox="1"/>
+          <p:nvPr userDrawn="1"/>
+        </p:nvSpPr>
+        <p:spPr>
+          <a:xfrm>
+            <a:off x="6705600" y="6396038"/>
+            <a:ext cx="2362200" cy="457200"/>
+          </a:xfrm>
+          <a:prstGeom prst="rect">
+            <a:avLst/>
+          </a:prstGeom>
+          <a:noFill/>
+        </p:spPr>
+        <p:txBody>
+          <a:bodyPr>
+            <a:spAutoFit/>
+          </a:bodyPr>
+          <a:lstStyle>
+            <a:lvl1pPr eaLnBrk="0" hangingPunct="0">
+              <a:defRPr sz="2400">
+                <a:solidFill>
+                  <a:schemeClr val="tx1"/>
+                </a:solidFill>
+                <a:latin typeface="Arial" charset="0"/>
+                <a:ea typeface="ＭＳ Ｐゴシック" charset="0"/>
+                <a:cs typeface="ＭＳ Ｐゴシック" charset="0"/>
+              </a:defRPr>
+            </a:lvl1pPr>
+            <a:lvl2pPr marL="37931725" indent="-37474525" eaLnBrk="0" hangingPunct="0">
+              <a:defRPr sz="2400">
+                <a:solidFill>
+                  <a:schemeClr val="tx1"/>
+                </a:solidFill>
+                <a:latin typeface="Arial" charset="0"/>
+                <a:ea typeface="ＭＳ Ｐゴシック" charset="0"/>
+              </a:defRPr>
+            </a:lvl2pPr>
+            <a:lvl3pPr eaLnBrk="0" hangingPunct="0">
+              <a:defRPr sz="2400">
+                <a:solidFill>
+                  <a:schemeClr val="tx1"/>
+                </a:solidFill>
+                <a:latin typeface="Arial" charset="0"/>
+                <a:ea typeface="ＭＳ Ｐゴシック" charset="0"/>
+              </a:defRPr>
+            </a:lvl3pPr>
+            <a:lvl4pPr eaLnBrk="0" hangingPunct="0">
+              <a:defRPr sz="2400">
+                <a:solidFill>
+                  <a:schemeClr val="tx1"/>
+                </a:solidFill>
+                <a:latin typeface="Arial" charset="0"/>
+                <a:ea typeface="ＭＳ Ｐゴシック" charset="0"/>
+              </a:defRPr>
+            </a:lvl4pPr>
+            <a:lvl5pPr eaLnBrk="0" hangingPunct="0">
+              <a:defRPr sz="2400">
+                <a:solidFill>
+                  <a:schemeClr val="tx1"/>
+                </a:solidFill>
+                <a:latin typeface="Arial" charset="0"/>
+                <a:ea typeface="ＭＳ Ｐゴシック" charset="0"/>
+              </a:defRPr>
+            </a:lvl5pPr>
+            <a:lvl6pPr marL="457200" eaLnBrk="0" fontAlgn="base" hangingPunct="0">
+              <a:spcBef>
+                <a:spcPct val="0"/>
+              </a:spcBef>
+              <a:spcAft>
+                <a:spcPct val="0"/>
+              </a:spcAft>
+              <a:defRPr sz="2400">
+                <a:solidFill>
+                  <a:schemeClr val="tx1"/>
+                </a:solidFill>
+                <a:latin typeface="Arial" charset="0"/>
+                <a:ea typeface="ＭＳ Ｐゴシック" charset="0"/>
+              </a:defRPr>
+            </a:lvl6pPr>
+            <a:lvl7pPr marL="914400" eaLnBrk="0" fontAlgn="base" hangingPunct="0">
+              <a:spcBef>
+                <a:spcPct val="0"/>
+              </a:spcBef>
+              <a:spcAft>
+                <a:spcPct val="0"/>
+              </a:spcAft>
+              <a:defRPr sz="2400">
+                <a:solidFill>
+                  <a:schemeClr val="tx1"/>
+                </a:solidFill>
+                <a:latin typeface="Arial" charset="0"/>
+                <a:ea typeface="ＭＳ Ｐゴシック" charset="0"/>
+              </a:defRPr>
+            </a:lvl7pPr>
+            <a:lvl8pPr marL="1371600" eaLnBrk="0" fontAlgn="base" hangingPunct="0">
+              <a:spcBef>
+                <a:spcPct val="0"/>
+              </a:spcBef>
+              <a:spcAft>
+                <a:spcPct val="0"/>
+              </a:spcAft>
+              <a:defRPr sz="2400">
+                <a:solidFill>
+                  <a:schemeClr val="tx1"/>
+                </a:solidFill>
+                <a:latin typeface="Arial" charset="0"/>
+                <a:ea typeface="ＭＳ Ｐゴシック" charset="0"/>
+              </a:defRPr>
+            </a:lvl8pPr>
+            <a:lvl9pPr marL="1828800" eaLnBrk="0" fontAlgn="base" hangingPunct="0">
+              <a:spcBef>
+                <a:spcPct val="0"/>
+              </a:spcBef>
+              <a:spcAft>
+                <a:spcPct val="0"/>
+              </a:spcAft>
+              <a:defRPr sz="2400">
+                <a:solidFill>
+                  <a:schemeClr val="tx1"/>
+                </a:solidFill>
+                <a:latin typeface="Arial" charset="0"/>
+                <a:ea typeface="ＭＳ Ｐゴシック" charset="0"/>
+              </a:defRPr>
+            </a:lvl9pPr>
+          </a:lstStyle>
+          <a:p>
+            <a:pPr algn="r" eaLnBrk="1" hangingPunct="1">
+              <a:defRPr/>
+            </a:pPr>
+            <a:r>
+              <a:rPr lang="en-US" b="1" dirty="0" err="1" smtClean="0">
+                <a:cs typeface="Arial" charset="0"/>
+              </a:rPr>
+              <a:t>bio</a:t>
+            </a:r>
+            <a:r>
+              <a:rPr lang="en-US" dirty="0" err="1" smtClean="0">
+                <a:cs typeface="Arial" charset="0"/>
+              </a:rPr>
+              <a:t>informatics</a:t>
+            </a:r>
+            <a:r>
+              <a:rPr lang="en-US" sz="1400" dirty="0" err="1" smtClean="0">
+                <a:cs typeface="Arial" charset="0"/>
+              </a:rPr>
+              <a:t>.ca</a:t>
+            </a:r>
+            <a:endParaRPr lang="en-US" dirty="0" smtClean="0">
+              <a:cs typeface="Arial" charset="0"/>
+            </a:endParaRPr>
+          </a:p>
+        </p:txBody>
+      </p:sp>
+      <p:sp>
+        <p:nvSpPr>
+          <p:cNvPr id="7" name="TextBox 6"/>
+          <p:cNvSpPr txBox="1">
+            <a:spLocks noChangeArrowheads="1"/>
+          </p:cNvSpPr>
+          <p:nvPr userDrawn="1"/>
+        </p:nvSpPr>
+        <p:spPr bwMode="auto">
+          <a:xfrm>
+            <a:off x="76200" y="6429375"/>
+            <a:ext cx="6705600" cy="396875"/>
+          </a:xfrm>
+          <a:prstGeom prst="rect">
+            <a:avLst/>
+          </a:prstGeom>
+          <a:noFill/>
+          <a:ln>
+            <a:noFill/>
+          </a:ln>
+          <a:extLst>
+            <a:ext uri="{909E8E84-426E-40dd-AFC4-6F175D3DCCD1}">
+              <a14:hiddenFill xmlns:a14="http://schemas.microsoft.com/office/drawing/2010/main">
+                <a:solidFill>
+                  <a:srgbClr val="FFFFFF"/>
+                </a:solidFill>
+              </a14:hiddenFill>
+            </a:ext>
+            <a:ext uri="{91240B29-F687-4f45-9708-019B960494DF}">
+              <a14:hiddenLine xmlns:a14="http://schemas.microsoft.com/office/drawing/2010/main" w="9525">
+                <a:solidFill>
+                  <a:srgbClr val="000000"/>
+                </a:solidFill>
+                <a:miter lim="800000"/>
+                <a:headEnd/>
+                <a:tailEnd/>
+              </a14:hiddenLine>
+            </a:ext>
+          </a:extLst>
+        </p:spPr>
+        <p:txBody>
+          <a:bodyPr>
+            <a:spAutoFit/>
+          </a:bodyPr>
+          <a:lstStyle>
+            <a:lvl1pPr eaLnBrk="0" hangingPunct="0">
+              <a:defRPr sz="2400">
+                <a:solidFill>
+                  <a:schemeClr val="tx1"/>
+                </a:solidFill>
+                <a:latin typeface="Arial" charset="0"/>
+                <a:ea typeface="ＭＳ Ｐゴシック" charset="0"/>
+                <a:cs typeface="ＭＳ Ｐゴシック" charset="0"/>
+              </a:defRPr>
+            </a:lvl1pPr>
+            <a:lvl2pPr marL="742950" indent="-285750" eaLnBrk="0" hangingPunct="0">
+              <a:defRPr sz="2400">
+                <a:solidFill>
+                  <a:schemeClr val="tx1"/>
+                </a:solidFill>
+                <a:latin typeface="Arial" charset="0"/>
+                <a:ea typeface="ＭＳ Ｐゴシック" charset="0"/>
+              </a:defRPr>
+            </a:lvl2pPr>
+            <a:lvl3pPr marL="1143000" indent="-228600" eaLnBrk="0" hangingPunct="0">
+              <a:defRPr sz="2400">
+                <a:solidFill>
+                  <a:schemeClr val="tx1"/>
+                </a:solidFill>
+                <a:latin typeface="Arial" charset="0"/>
+                <a:ea typeface="ＭＳ Ｐゴシック" charset="0"/>
+              </a:defRPr>
+            </a:lvl3pPr>
+            <a:lvl4pPr marL="1600200" indent="-228600" eaLnBrk="0" hangingPunct="0">
+              <a:defRPr sz="2400">
+                <a:solidFill>
+                  <a:schemeClr val="tx1"/>
+                </a:solidFill>
+                <a:latin typeface="Arial" charset="0"/>
+                <a:ea typeface="ＭＳ Ｐゴシック" charset="0"/>
+              </a:defRPr>
+            </a:lvl4pPr>
+            <a:lvl5pPr marL="2057400" indent="-228600" eaLnBrk="0" hangingPunct="0">
+              <a:defRPr sz="2400">
+                <a:solidFill>
+                  <a:schemeClr val="tx1"/>
+                </a:solidFill>
+                <a:latin typeface="Arial" charset="0"/>
+                <a:ea typeface="ＭＳ Ｐゴシック" charset="0"/>
+              </a:defRPr>
+            </a:lvl5pPr>
+            <a:lvl6pPr marL="2514600" indent="-228600" eaLnBrk="0" fontAlgn="base" hangingPunct="0">
+              <a:spcBef>
+                <a:spcPct val="0"/>
+              </a:spcBef>
+              <a:spcAft>
+                <a:spcPct val="0"/>
+              </a:spcAft>
+              <a:defRPr sz="2400">
+                <a:solidFill>
+                  <a:schemeClr val="tx1"/>
+                </a:solidFill>
+                <a:latin typeface="Arial" charset="0"/>
+                <a:ea typeface="ＭＳ Ｐゴシック" charset="0"/>
+              </a:defRPr>
+            </a:lvl6pPr>
+            <a:lvl7pPr marL="2971800" indent="-228600" eaLnBrk="0" fontAlgn="base" hangingPunct="0">
+              <a:spcBef>
+                <a:spcPct val="0"/>
+              </a:spcBef>
+              <a:spcAft>
+                <a:spcPct val="0"/>
+              </a:spcAft>
+              <a:defRPr sz="2400">
+                <a:solidFill>
+                  <a:schemeClr val="tx1"/>
+                </a:solidFill>
+                <a:latin typeface="Arial" charset="0"/>
+                <a:ea typeface="ＭＳ Ｐゴシック" charset="0"/>
+              </a:defRPr>
+            </a:lvl7pPr>
+            <a:lvl8pPr marL="3429000" indent="-228600" eaLnBrk="0" fontAlgn="base" hangingPunct="0">
+              <a:spcBef>
+                <a:spcPct val="0"/>
+              </a:spcBef>
+              <a:spcAft>
+                <a:spcPct val="0"/>
+              </a:spcAft>
+              <a:defRPr sz="2400">
+                <a:solidFill>
+                  <a:schemeClr val="tx1"/>
+                </a:solidFill>
+                <a:latin typeface="Arial" charset="0"/>
+                <a:ea typeface="ＭＳ Ｐゴシック" charset="0"/>
+              </a:defRPr>
+            </a:lvl8pPr>
+            <a:lvl9pPr marL="3886200" indent="-228600" eaLnBrk="0" fontAlgn="base" hangingPunct="0">
+              <a:spcBef>
+                <a:spcPct val="0"/>
+              </a:spcBef>
+              <a:spcAft>
+                <a:spcPct val="0"/>
+              </a:spcAft>
+              <a:defRPr sz="2400">
+                <a:solidFill>
+                  <a:schemeClr val="tx1"/>
+                </a:solidFill>
+                <a:latin typeface="Arial" charset="0"/>
+                <a:ea typeface="ＭＳ Ｐゴシック" charset="0"/>
+              </a:defRPr>
+            </a:lvl9pPr>
+          </a:lstStyle>
+          <a:p>
+            <a:pPr eaLnBrk="1" hangingPunct="1">
+              <a:defRPr/>
+            </a:pPr>
+            <a:r>
+              <a:rPr lang="en-US" sz="2000" b="1" dirty="0" smtClean="0">
+                <a:solidFill>
+                  <a:schemeClr val="bg1"/>
+                </a:solidFill>
+                <a:latin typeface="Calibri" charset="0"/>
+                <a:cs typeface="Calibri" charset="0"/>
+              </a:rPr>
+              <a:t>RNA sequencing and analysis</a:t>
+            </a:r>
           </a:p>
         </p:txBody>
       </p:sp>
@@ -2700,312 +2686,6 @@
       </p:sp>
       <p:sp>
         <p:nvSpPr>
-          <p:cNvPr id="7" name="TextBox 6"/>
-          <p:cNvSpPr txBox="1"/>
-          <p:nvPr userDrawn="1"/>
-        </p:nvSpPr>
-        <p:spPr>
-          <a:xfrm>
-            <a:off x="76200" y="6429375"/>
-            <a:ext cx="6705600" cy="400050"/>
-          </a:xfrm>
-          <a:prstGeom prst="rect">
-            <a:avLst/>
-          </a:prstGeom>
-          <a:noFill/>
-        </p:spPr>
-        <p:txBody>
-          <a:bodyPr>
-            <a:spAutoFit/>
-          </a:bodyPr>
-          <a:lstStyle>
-            <a:lvl1pPr eaLnBrk="0" hangingPunct="0">
-              <a:defRPr sz="2400">
-                <a:solidFill>
-                  <a:schemeClr val="tx1"/>
-                </a:solidFill>
-                <a:latin typeface="Arial" charset="0"/>
-                <a:ea typeface="ＭＳ Ｐゴシック" charset="0"/>
-                <a:cs typeface="ＭＳ Ｐゴシック" charset="0"/>
-              </a:defRPr>
-            </a:lvl1pPr>
-            <a:lvl2pPr marL="37931725" indent="-37474525" eaLnBrk="0" hangingPunct="0">
-              <a:defRPr sz="2400">
-                <a:solidFill>
-                  <a:schemeClr val="tx1"/>
-                </a:solidFill>
-                <a:latin typeface="Arial" charset="0"/>
-                <a:ea typeface="ＭＳ Ｐゴシック" charset="0"/>
-              </a:defRPr>
-            </a:lvl2pPr>
-            <a:lvl3pPr eaLnBrk="0" hangingPunct="0">
-              <a:defRPr sz="2400">
-                <a:solidFill>
-                  <a:schemeClr val="tx1"/>
-                </a:solidFill>
-                <a:latin typeface="Arial" charset="0"/>
-                <a:ea typeface="ＭＳ Ｐゴシック" charset="0"/>
-              </a:defRPr>
-            </a:lvl3pPr>
-            <a:lvl4pPr eaLnBrk="0" hangingPunct="0">
-              <a:defRPr sz="2400">
-                <a:solidFill>
-                  <a:schemeClr val="tx1"/>
-                </a:solidFill>
-                <a:latin typeface="Arial" charset="0"/>
-                <a:ea typeface="ＭＳ Ｐゴシック" charset="0"/>
-              </a:defRPr>
-            </a:lvl4pPr>
-            <a:lvl5pPr eaLnBrk="0" hangingPunct="0">
-              <a:defRPr sz="2400">
-                <a:solidFill>
-                  <a:schemeClr val="tx1"/>
-                </a:solidFill>
-                <a:latin typeface="Arial" charset="0"/>
-                <a:ea typeface="ＭＳ Ｐゴシック" charset="0"/>
-              </a:defRPr>
-            </a:lvl5pPr>
-            <a:lvl6pPr marL="457200" eaLnBrk="0" fontAlgn="base" hangingPunct="0">
-              <a:spcBef>
-                <a:spcPct val="0"/>
-              </a:spcBef>
-              <a:spcAft>
-                <a:spcPct val="0"/>
-              </a:spcAft>
-              <a:defRPr sz="2400">
-                <a:solidFill>
-                  <a:schemeClr val="tx1"/>
-                </a:solidFill>
-                <a:latin typeface="Arial" charset="0"/>
-                <a:ea typeface="ＭＳ Ｐゴシック" charset="0"/>
-              </a:defRPr>
-            </a:lvl6pPr>
-            <a:lvl7pPr marL="914400" eaLnBrk="0" fontAlgn="base" hangingPunct="0">
-              <a:spcBef>
-                <a:spcPct val="0"/>
-              </a:spcBef>
-              <a:spcAft>
-                <a:spcPct val="0"/>
-              </a:spcAft>
-              <a:defRPr sz="2400">
-                <a:solidFill>
-                  <a:schemeClr val="tx1"/>
-                </a:solidFill>
-                <a:latin typeface="Arial" charset="0"/>
-                <a:ea typeface="ＭＳ Ｐゴシック" charset="0"/>
-              </a:defRPr>
-            </a:lvl7pPr>
-            <a:lvl8pPr marL="1371600" eaLnBrk="0" fontAlgn="base" hangingPunct="0">
-              <a:spcBef>
-                <a:spcPct val="0"/>
-              </a:spcBef>
-              <a:spcAft>
-                <a:spcPct val="0"/>
-              </a:spcAft>
-              <a:defRPr sz="2400">
-                <a:solidFill>
-                  <a:schemeClr val="tx1"/>
-                </a:solidFill>
-                <a:latin typeface="Arial" charset="0"/>
-                <a:ea typeface="ＭＳ Ｐゴシック" charset="0"/>
-              </a:defRPr>
-            </a:lvl8pPr>
-            <a:lvl9pPr marL="1828800" eaLnBrk="0" fontAlgn="base" hangingPunct="0">
-              <a:spcBef>
-                <a:spcPct val="0"/>
-              </a:spcBef>
-              <a:spcAft>
-                <a:spcPct val="0"/>
-              </a:spcAft>
-              <a:defRPr sz="2400">
-                <a:solidFill>
-                  <a:schemeClr val="tx1"/>
-                </a:solidFill>
-                <a:latin typeface="Arial" charset="0"/>
-                <a:ea typeface="ＭＳ Ｐゴシック" charset="0"/>
-              </a:defRPr>
-            </a:lvl9pPr>
-          </a:lstStyle>
-          <a:p>
-            <a:pPr eaLnBrk="1" hangingPunct="1">
-              <a:defRPr/>
-            </a:pPr>
-            <a:r>
-              <a:rPr lang="en-US" sz="2000" b="1" dirty="0" smtClean="0">
-                <a:solidFill>
-                  <a:schemeClr val="bg1"/>
-                </a:solidFill>
-                <a:latin typeface="Calibri" charset="0"/>
-                <a:cs typeface="Calibri" charset="0"/>
-              </a:rPr>
-              <a:t>Genome Analysis</a:t>
-            </a:r>
-            <a:r>
-              <a:rPr lang="en-US" sz="2000" b="1" baseline="0" dirty="0" smtClean="0">
-                <a:solidFill>
-                  <a:schemeClr val="bg1"/>
-                </a:solidFill>
-                <a:latin typeface="Calibri" charset="0"/>
-                <a:cs typeface="Calibri" charset="0"/>
-              </a:rPr>
-              <a:t> Platforms</a:t>
-            </a:r>
-            <a:endParaRPr lang="en-US" sz="2000" b="1" dirty="0" smtClean="0">
-              <a:solidFill>
-                <a:schemeClr val="bg1"/>
-              </a:solidFill>
-              <a:latin typeface="Calibri" charset="0"/>
-              <a:cs typeface="Calibri" charset="0"/>
-            </a:endParaRPr>
-          </a:p>
-        </p:txBody>
-      </p:sp>
-      <p:sp>
-        <p:nvSpPr>
-          <p:cNvPr id="8" name="TextBox 7"/>
-          <p:cNvSpPr txBox="1"/>
-          <p:nvPr userDrawn="1"/>
-        </p:nvSpPr>
-        <p:spPr>
-          <a:xfrm>
-            <a:off x="6172200" y="6477000"/>
-            <a:ext cx="2895600" cy="338138"/>
-          </a:xfrm>
-          <a:prstGeom prst="rect">
-            <a:avLst/>
-          </a:prstGeom>
-          <a:noFill/>
-        </p:spPr>
-        <p:txBody>
-          <a:bodyPr>
-            <a:spAutoFit/>
-          </a:bodyPr>
-          <a:lstStyle>
-            <a:lvl1pPr eaLnBrk="0" hangingPunct="0">
-              <a:defRPr sz="2400">
-                <a:solidFill>
-                  <a:schemeClr val="tx1"/>
-                </a:solidFill>
-                <a:latin typeface="Arial" charset="0"/>
-                <a:ea typeface="ＭＳ Ｐゴシック" charset="0"/>
-                <a:cs typeface="ＭＳ Ｐゴシック" charset="0"/>
-              </a:defRPr>
-            </a:lvl1pPr>
-            <a:lvl2pPr marL="37931725" indent="-37474525" eaLnBrk="0" hangingPunct="0">
-              <a:defRPr sz="2400">
-                <a:solidFill>
-                  <a:schemeClr val="tx1"/>
-                </a:solidFill>
-                <a:latin typeface="Arial" charset="0"/>
-                <a:ea typeface="ＭＳ Ｐゴシック" charset="0"/>
-              </a:defRPr>
-            </a:lvl2pPr>
-            <a:lvl3pPr eaLnBrk="0" hangingPunct="0">
-              <a:defRPr sz="2400">
-                <a:solidFill>
-                  <a:schemeClr val="tx1"/>
-                </a:solidFill>
-                <a:latin typeface="Arial" charset="0"/>
-                <a:ea typeface="ＭＳ Ｐゴシック" charset="0"/>
-              </a:defRPr>
-            </a:lvl3pPr>
-            <a:lvl4pPr eaLnBrk="0" hangingPunct="0">
-              <a:defRPr sz="2400">
-                <a:solidFill>
-                  <a:schemeClr val="tx1"/>
-                </a:solidFill>
-                <a:latin typeface="Arial" charset="0"/>
-                <a:ea typeface="ＭＳ Ｐゴシック" charset="0"/>
-              </a:defRPr>
-            </a:lvl4pPr>
-            <a:lvl5pPr eaLnBrk="0" hangingPunct="0">
-              <a:defRPr sz="2400">
-                <a:solidFill>
-                  <a:schemeClr val="tx1"/>
-                </a:solidFill>
-                <a:latin typeface="Arial" charset="0"/>
-                <a:ea typeface="ＭＳ Ｐゴシック" charset="0"/>
-              </a:defRPr>
-            </a:lvl5pPr>
-            <a:lvl6pPr marL="457200" eaLnBrk="0" fontAlgn="base" hangingPunct="0">
-              <a:spcBef>
-                <a:spcPct val="0"/>
-              </a:spcBef>
-              <a:spcAft>
-                <a:spcPct val="0"/>
-              </a:spcAft>
-              <a:defRPr sz="2400">
-                <a:solidFill>
-                  <a:schemeClr val="tx1"/>
-                </a:solidFill>
-                <a:latin typeface="Arial" charset="0"/>
-                <a:ea typeface="ＭＳ Ｐゴシック" charset="0"/>
-              </a:defRPr>
-            </a:lvl6pPr>
-            <a:lvl7pPr marL="914400" eaLnBrk="0" fontAlgn="base" hangingPunct="0">
-              <a:spcBef>
-                <a:spcPct val="0"/>
-              </a:spcBef>
-              <a:spcAft>
-                <a:spcPct val="0"/>
-              </a:spcAft>
-              <a:defRPr sz="2400">
-                <a:solidFill>
-                  <a:schemeClr val="tx1"/>
-                </a:solidFill>
-                <a:latin typeface="Arial" charset="0"/>
-                <a:ea typeface="ＭＳ Ｐゴシック" charset="0"/>
-              </a:defRPr>
-            </a:lvl7pPr>
-            <a:lvl8pPr marL="1371600" eaLnBrk="0" fontAlgn="base" hangingPunct="0">
-              <a:spcBef>
-                <a:spcPct val="0"/>
-              </a:spcBef>
-              <a:spcAft>
-                <a:spcPct val="0"/>
-              </a:spcAft>
-              <a:defRPr sz="2400">
-                <a:solidFill>
-                  <a:schemeClr val="tx1"/>
-                </a:solidFill>
-                <a:latin typeface="Arial" charset="0"/>
-                <a:ea typeface="ＭＳ Ｐゴシック" charset="0"/>
-              </a:defRPr>
-            </a:lvl8pPr>
-            <a:lvl9pPr marL="1828800" eaLnBrk="0" fontAlgn="base" hangingPunct="0">
-              <a:spcBef>
-                <a:spcPct val="0"/>
-              </a:spcBef>
-              <a:spcAft>
-                <a:spcPct val="0"/>
-              </a:spcAft>
-              <a:defRPr sz="2400">
-                <a:solidFill>
-                  <a:schemeClr val="tx1"/>
-                </a:solidFill>
-                <a:latin typeface="Arial" charset="0"/>
-                <a:ea typeface="ＭＳ Ｐゴシック" charset="0"/>
-              </a:defRPr>
-            </a:lvl9pPr>
-          </a:lstStyle>
-          <a:p>
-            <a:pPr algn="r" eaLnBrk="1" hangingPunct="1">
-              <a:defRPr/>
-            </a:pPr>
-            <a:r>
-              <a:rPr lang="en-US" sz="1600" b="1" smtClean="0">
-                <a:cs typeface="Arial" charset="0"/>
-              </a:rPr>
-              <a:t>http://meetings.cshl.edu/</a:t>
-            </a:r>
-            <a:endParaRPr lang="en-US" sz="1600" smtClean="0">
-              <a:cs typeface="Arial" charset="0"/>
-            </a:endParaRPr>
-          </a:p>
-        </p:txBody>
-      </p:sp>
-      <p:sp>
-        <p:nvSpPr>
           <p:cNvPr id="2" name="Title 1"/>
           <p:cNvSpPr>
             <a:spLocks noGrp="1"/>
@@ -3212,6 +2892,331 @@
               <a:t>Fifth level</a:t>
             </a:r>
             <a:endParaRPr lang="en-US" dirty="0"/>
+          </a:p>
+        </p:txBody>
+      </p:sp>
+      <p:sp>
+        <p:nvSpPr>
+          <p:cNvPr id="9" name="TextBox 8"/>
+          <p:cNvSpPr txBox="1"/>
+          <p:nvPr userDrawn="1"/>
+        </p:nvSpPr>
+        <p:spPr>
+          <a:xfrm>
+            <a:off x="6705600" y="6396038"/>
+            <a:ext cx="2362200" cy="457200"/>
+          </a:xfrm>
+          <a:prstGeom prst="rect">
+            <a:avLst/>
+          </a:prstGeom>
+          <a:noFill/>
+        </p:spPr>
+        <p:txBody>
+          <a:bodyPr>
+            <a:spAutoFit/>
+          </a:bodyPr>
+          <a:lstStyle>
+            <a:lvl1pPr eaLnBrk="0" hangingPunct="0">
+              <a:defRPr sz="2400">
+                <a:solidFill>
+                  <a:schemeClr val="tx1"/>
+                </a:solidFill>
+                <a:latin typeface="Arial" charset="0"/>
+                <a:ea typeface="ＭＳ Ｐゴシック" charset="0"/>
+                <a:cs typeface="ＭＳ Ｐゴシック" charset="0"/>
+              </a:defRPr>
+            </a:lvl1pPr>
+            <a:lvl2pPr marL="37931725" indent="-37474525" eaLnBrk="0" hangingPunct="0">
+              <a:defRPr sz="2400">
+                <a:solidFill>
+                  <a:schemeClr val="tx1"/>
+                </a:solidFill>
+                <a:latin typeface="Arial" charset="0"/>
+                <a:ea typeface="ＭＳ Ｐゴシック" charset="0"/>
+              </a:defRPr>
+            </a:lvl2pPr>
+            <a:lvl3pPr eaLnBrk="0" hangingPunct="0">
+              <a:defRPr sz="2400">
+                <a:solidFill>
+                  <a:schemeClr val="tx1"/>
+                </a:solidFill>
+                <a:latin typeface="Arial" charset="0"/>
+                <a:ea typeface="ＭＳ Ｐゴシック" charset="0"/>
+              </a:defRPr>
+            </a:lvl3pPr>
+            <a:lvl4pPr eaLnBrk="0" hangingPunct="0">
+              <a:defRPr sz="2400">
+                <a:solidFill>
+                  <a:schemeClr val="tx1"/>
+                </a:solidFill>
+                <a:latin typeface="Arial" charset="0"/>
+                <a:ea typeface="ＭＳ Ｐゴシック" charset="0"/>
+              </a:defRPr>
+            </a:lvl4pPr>
+            <a:lvl5pPr eaLnBrk="0" hangingPunct="0">
+              <a:defRPr sz="2400">
+                <a:solidFill>
+                  <a:schemeClr val="tx1"/>
+                </a:solidFill>
+                <a:latin typeface="Arial" charset="0"/>
+                <a:ea typeface="ＭＳ Ｐゴシック" charset="0"/>
+              </a:defRPr>
+            </a:lvl5pPr>
+            <a:lvl6pPr marL="457200" eaLnBrk="0" fontAlgn="base" hangingPunct="0">
+              <a:spcBef>
+                <a:spcPct val="0"/>
+              </a:spcBef>
+              <a:spcAft>
+                <a:spcPct val="0"/>
+              </a:spcAft>
+              <a:defRPr sz="2400">
+                <a:solidFill>
+                  <a:schemeClr val="tx1"/>
+                </a:solidFill>
+                <a:latin typeface="Arial" charset="0"/>
+                <a:ea typeface="ＭＳ Ｐゴシック" charset="0"/>
+              </a:defRPr>
+            </a:lvl6pPr>
+            <a:lvl7pPr marL="914400" eaLnBrk="0" fontAlgn="base" hangingPunct="0">
+              <a:spcBef>
+                <a:spcPct val="0"/>
+              </a:spcBef>
+              <a:spcAft>
+                <a:spcPct val="0"/>
+              </a:spcAft>
+              <a:defRPr sz="2400">
+                <a:solidFill>
+                  <a:schemeClr val="tx1"/>
+                </a:solidFill>
+                <a:latin typeface="Arial" charset="0"/>
+                <a:ea typeface="ＭＳ Ｐゴシック" charset="0"/>
+              </a:defRPr>
+            </a:lvl7pPr>
+            <a:lvl8pPr marL="1371600" eaLnBrk="0" fontAlgn="base" hangingPunct="0">
+              <a:spcBef>
+                <a:spcPct val="0"/>
+              </a:spcBef>
+              <a:spcAft>
+                <a:spcPct val="0"/>
+              </a:spcAft>
+              <a:defRPr sz="2400">
+                <a:solidFill>
+                  <a:schemeClr val="tx1"/>
+                </a:solidFill>
+                <a:latin typeface="Arial" charset="0"/>
+                <a:ea typeface="ＭＳ Ｐゴシック" charset="0"/>
+              </a:defRPr>
+            </a:lvl8pPr>
+            <a:lvl9pPr marL="1828800" eaLnBrk="0" fontAlgn="base" hangingPunct="0">
+              <a:spcBef>
+                <a:spcPct val="0"/>
+              </a:spcBef>
+              <a:spcAft>
+                <a:spcPct val="0"/>
+              </a:spcAft>
+              <a:defRPr sz="2400">
+                <a:solidFill>
+                  <a:schemeClr val="tx1"/>
+                </a:solidFill>
+                <a:latin typeface="Arial" charset="0"/>
+                <a:ea typeface="ＭＳ Ｐゴシック" charset="0"/>
+              </a:defRPr>
+            </a:lvl9pPr>
+          </a:lstStyle>
+          <a:p>
+            <a:pPr algn="r" eaLnBrk="1" hangingPunct="1">
+              <a:defRPr/>
+            </a:pPr>
+            <a:r>
+              <a:rPr lang="en-US" b="1" dirty="0" err="1" smtClean="0">
+                <a:cs typeface="Arial" charset="0"/>
+              </a:rPr>
+              <a:t>bio</a:t>
+            </a:r>
+            <a:r>
+              <a:rPr lang="en-US" dirty="0" err="1" smtClean="0">
+                <a:cs typeface="Arial" charset="0"/>
+              </a:rPr>
+              <a:t>informatics</a:t>
+            </a:r>
+            <a:r>
+              <a:rPr lang="en-US" sz="1400" dirty="0" err="1" smtClean="0">
+                <a:cs typeface="Arial" charset="0"/>
+              </a:rPr>
+              <a:t>.ca</a:t>
+            </a:r>
+            <a:endParaRPr lang="en-US" dirty="0" smtClean="0">
+              <a:cs typeface="Arial" charset="0"/>
+            </a:endParaRPr>
+          </a:p>
+        </p:txBody>
+      </p:sp>
+      <p:sp>
+        <p:nvSpPr>
+          <p:cNvPr id="10" name="TextBox 9"/>
+          <p:cNvSpPr txBox="1">
+            <a:spLocks noChangeArrowheads="1"/>
+          </p:cNvSpPr>
+          <p:nvPr userDrawn="1"/>
+        </p:nvSpPr>
+        <p:spPr bwMode="auto">
+          <a:xfrm>
+            <a:off x="76200" y="6429375"/>
+            <a:ext cx="6705600" cy="396875"/>
+          </a:xfrm>
+          <a:prstGeom prst="rect">
+            <a:avLst/>
+          </a:prstGeom>
+          <a:noFill/>
+          <a:ln>
+            <a:noFill/>
+          </a:ln>
+          <a:extLst>
+            <a:ext uri="{909E8E84-426E-40dd-AFC4-6F175D3DCCD1}">
+              <a14:hiddenFill xmlns:a14="http://schemas.microsoft.com/office/drawing/2010/main">
+                <a:solidFill>
+                  <a:srgbClr val="FFFFFF"/>
+                </a:solidFill>
+              </a14:hiddenFill>
+            </a:ext>
+            <a:ext uri="{91240B29-F687-4f45-9708-019B960494DF}">
+              <a14:hiddenLine xmlns:a14="http://schemas.microsoft.com/office/drawing/2010/main" w="9525">
+                <a:solidFill>
+                  <a:srgbClr val="000000"/>
+                </a:solidFill>
+                <a:miter lim="800000"/>
+                <a:headEnd/>
+                <a:tailEnd/>
+              </a14:hiddenLine>
+            </a:ext>
+          </a:extLst>
+        </p:spPr>
+        <p:txBody>
+          <a:bodyPr>
+            <a:spAutoFit/>
+          </a:bodyPr>
+          <a:lstStyle>
+            <a:lvl1pPr eaLnBrk="0" hangingPunct="0">
+              <a:defRPr sz="2400">
+                <a:solidFill>
+                  <a:schemeClr val="tx1"/>
+                </a:solidFill>
+                <a:latin typeface="Arial" charset="0"/>
+                <a:ea typeface="ＭＳ Ｐゴシック" charset="0"/>
+                <a:cs typeface="ＭＳ Ｐゴシック" charset="0"/>
+              </a:defRPr>
+            </a:lvl1pPr>
+            <a:lvl2pPr marL="742950" indent="-285750" eaLnBrk="0" hangingPunct="0">
+              <a:defRPr sz="2400">
+                <a:solidFill>
+                  <a:schemeClr val="tx1"/>
+                </a:solidFill>
+                <a:latin typeface="Arial" charset="0"/>
+                <a:ea typeface="ＭＳ Ｐゴシック" charset="0"/>
+              </a:defRPr>
+            </a:lvl2pPr>
+            <a:lvl3pPr marL="1143000" indent="-228600" eaLnBrk="0" hangingPunct="0">
+              <a:defRPr sz="2400">
+                <a:solidFill>
+                  <a:schemeClr val="tx1"/>
+                </a:solidFill>
+                <a:latin typeface="Arial" charset="0"/>
+                <a:ea typeface="ＭＳ Ｐゴシック" charset="0"/>
+              </a:defRPr>
+            </a:lvl3pPr>
+            <a:lvl4pPr marL="1600200" indent="-228600" eaLnBrk="0" hangingPunct="0">
+              <a:defRPr sz="2400">
+                <a:solidFill>
+                  <a:schemeClr val="tx1"/>
+                </a:solidFill>
+                <a:latin typeface="Arial" charset="0"/>
+                <a:ea typeface="ＭＳ Ｐゴシック" charset="0"/>
+              </a:defRPr>
+            </a:lvl4pPr>
+            <a:lvl5pPr marL="2057400" indent="-228600" eaLnBrk="0" hangingPunct="0">
+              <a:defRPr sz="2400">
+                <a:solidFill>
+                  <a:schemeClr val="tx1"/>
+                </a:solidFill>
+                <a:latin typeface="Arial" charset="0"/>
+                <a:ea typeface="ＭＳ Ｐゴシック" charset="0"/>
+              </a:defRPr>
+            </a:lvl5pPr>
+            <a:lvl6pPr marL="2514600" indent="-228600" eaLnBrk="0" fontAlgn="base" hangingPunct="0">
+              <a:spcBef>
+                <a:spcPct val="0"/>
+              </a:spcBef>
+              <a:spcAft>
+                <a:spcPct val="0"/>
+              </a:spcAft>
+              <a:defRPr sz="2400">
+                <a:solidFill>
+                  <a:schemeClr val="tx1"/>
+                </a:solidFill>
+                <a:latin typeface="Arial" charset="0"/>
+                <a:ea typeface="ＭＳ Ｐゴシック" charset="0"/>
+              </a:defRPr>
+            </a:lvl6pPr>
+            <a:lvl7pPr marL="2971800" indent="-228600" eaLnBrk="0" fontAlgn="base" hangingPunct="0">
+              <a:spcBef>
+                <a:spcPct val="0"/>
+              </a:spcBef>
+              <a:spcAft>
+                <a:spcPct val="0"/>
+              </a:spcAft>
+              <a:defRPr sz="2400">
+                <a:solidFill>
+                  <a:schemeClr val="tx1"/>
+                </a:solidFill>
+                <a:latin typeface="Arial" charset="0"/>
+                <a:ea typeface="ＭＳ Ｐゴシック" charset="0"/>
+              </a:defRPr>
+            </a:lvl7pPr>
+            <a:lvl8pPr marL="3429000" indent="-228600" eaLnBrk="0" fontAlgn="base" hangingPunct="0">
+              <a:spcBef>
+                <a:spcPct val="0"/>
+              </a:spcBef>
+              <a:spcAft>
+                <a:spcPct val="0"/>
+              </a:spcAft>
+              <a:defRPr sz="2400">
+                <a:solidFill>
+                  <a:schemeClr val="tx1"/>
+                </a:solidFill>
+                <a:latin typeface="Arial" charset="0"/>
+                <a:ea typeface="ＭＳ Ｐゴシック" charset="0"/>
+              </a:defRPr>
+            </a:lvl8pPr>
+            <a:lvl9pPr marL="3886200" indent="-228600" eaLnBrk="0" fontAlgn="base" hangingPunct="0">
+              <a:spcBef>
+                <a:spcPct val="0"/>
+              </a:spcBef>
+              <a:spcAft>
+                <a:spcPct val="0"/>
+              </a:spcAft>
+              <a:defRPr sz="2400">
+                <a:solidFill>
+                  <a:schemeClr val="tx1"/>
+                </a:solidFill>
+                <a:latin typeface="Arial" charset="0"/>
+                <a:ea typeface="ＭＳ Ｐゴシック" charset="0"/>
+              </a:defRPr>
+            </a:lvl9pPr>
+          </a:lstStyle>
+          <a:p>
+            <a:pPr eaLnBrk="1" hangingPunct="1">
+              <a:defRPr/>
+            </a:pPr>
+            <a:r>
+              <a:rPr lang="en-US" sz="2000" b="1" dirty="0" smtClean="0">
+                <a:solidFill>
+                  <a:schemeClr val="bg1"/>
+                </a:solidFill>
+                <a:latin typeface="Calibri" charset="0"/>
+                <a:cs typeface="Calibri" charset="0"/>
+              </a:rPr>
+              <a:t>RNA sequencing and analysis</a:t>
+            </a:r>
           </a:p>
         </p:txBody>
       </p:sp>
@@ -3302,312 +3307,6 @@
       </p:sp>
       <p:sp>
         <p:nvSpPr>
-          <p:cNvPr id="5" name="TextBox 4"/>
-          <p:cNvSpPr txBox="1"/>
-          <p:nvPr userDrawn="1"/>
-        </p:nvSpPr>
-        <p:spPr>
-          <a:xfrm>
-            <a:off x="76200" y="6429375"/>
-            <a:ext cx="6705600" cy="400050"/>
-          </a:xfrm>
-          <a:prstGeom prst="rect">
-            <a:avLst/>
-          </a:prstGeom>
-          <a:noFill/>
-        </p:spPr>
-        <p:txBody>
-          <a:bodyPr>
-            <a:spAutoFit/>
-          </a:bodyPr>
-          <a:lstStyle>
-            <a:lvl1pPr eaLnBrk="0" hangingPunct="0">
-              <a:defRPr sz="2400">
-                <a:solidFill>
-                  <a:schemeClr val="tx1"/>
-                </a:solidFill>
-                <a:latin typeface="Arial" charset="0"/>
-                <a:ea typeface="ＭＳ Ｐゴシック" charset="0"/>
-                <a:cs typeface="ＭＳ Ｐゴシック" charset="0"/>
-              </a:defRPr>
-            </a:lvl1pPr>
-            <a:lvl2pPr marL="37931725" indent="-37474525" eaLnBrk="0" hangingPunct="0">
-              <a:defRPr sz="2400">
-                <a:solidFill>
-                  <a:schemeClr val="tx1"/>
-                </a:solidFill>
-                <a:latin typeface="Arial" charset="0"/>
-                <a:ea typeface="ＭＳ Ｐゴシック" charset="0"/>
-              </a:defRPr>
-            </a:lvl2pPr>
-            <a:lvl3pPr eaLnBrk="0" hangingPunct="0">
-              <a:defRPr sz="2400">
-                <a:solidFill>
-                  <a:schemeClr val="tx1"/>
-                </a:solidFill>
-                <a:latin typeface="Arial" charset="0"/>
-                <a:ea typeface="ＭＳ Ｐゴシック" charset="0"/>
-              </a:defRPr>
-            </a:lvl3pPr>
-            <a:lvl4pPr eaLnBrk="0" hangingPunct="0">
-              <a:defRPr sz="2400">
-                <a:solidFill>
-                  <a:schemeClr val="tx1"/>
-                </a:solidFill>
-                <a:latin typeface="Arial" charset="0"/>
-                <a:ea typeface="ＭＳ Ｐゴシック" charset="0"/>
-              </a:defRPr>
-            </a:lvl4pPr>
-            <a:lvl5pPr eaLnBrk="0" hangingPunct="0">
-              <a:defRPr sz="2400">
-                <a:solidFill>
-                  <a:schemeClr val="tx1"/>
-                </a:solidFill>
-                <a:latin typeface="Arial" charset="0"/>
-                <a:ea typeface="ＭＳ Ｐゴシック" charset="0"/>
-              </a:defRPr>
-            </a:lvl5pPr>
-            <a:lvl6pPr marL="457200" eaLnBrk="0" fontAlgn="base" hangingPunct="0">
-              <a:spcBef>
-                <a:spcPct val="0"/>
-              </a:spcBef>
-              <a:spcAft>
-                <a:spcPct val="0"/>
-              </a:spcAft>
-              <a:defRPr sz="2400">
-                <a:solidFill>
-                  <a:schemeClr val="tx1"/>
-                </a:solidFill>
-                <a:latin typeface="Arial" charset="0"/>
-                <a:ea typeface="ＭＳ Ｐゴシック" charset="0"/>
-              </a:defRPr>
-            </a:lvl6pPr>
-            <a:lvl7pPr marL="914400" eaLnBrk="0" fontAlgn="base" hangingPunct="0">
-              <a:spcBef>
-                <a:spcPct val="0"/>
-              </a:spcBef>
-              <a:spcAft>
-                <a:spcPct val="0"/>
-              </a:spcAft>
-              <a:defRPr sz="2400">
-                <a:solidFill>
-                  <a:schemeClr val="tx1"/>
-                </a:solidFill>
-                <a:latin typeface="Arial" charset="0"/>
-                <a:ea typeface="ＭＳ Ｐゴシック" charset="0"/>
-              </a:defRPr>
-            </a:lvl7pPr>
-            <a:lvl8pPr marL="1371600" eaLnBrk="0" fontAlgn="base" hangingPunct="0">
-              <a:spcBef>
-                <a:spcPct val="0"/>
-              </a:spcBef>
-              <a:spcAft>
-                <a:spcPct val="0"/>
-              </a:spcAft>
-              <a:defRPr sz="2400">
-                <a:solidFill>
-                  <a:schemeClr val="tx1"/>
-                </a:solidFill>
-                <a:latin typeface="Arial" charset="0"/>
-                <a:ea typeface="ＭＳ Ｐゴシック" charset="0"/>
-              </a:defRPr>
-            </a:lvl8pPr>
-            <a:lvl9pPr marL="1828800" eaLnBrk="0" fontAlgn="base" hangingPunct="0">
-              <a:spcBef>
-                <a:spcPct val="0"/>
-              </a:spcBef>
-              <a:spcAft>
-                <a:spcPct val="0"/>
-              </a:spcAft>
-              <a:defRPr sz="2400">
-                <a:solidFill>
-                  <a:schemeClr val="tx1"/>
-                </a:solidFill>
-                <a:latin typeface="Arial" charset="0"/>
-                <a:ea typeface="ＭＳ Ｐゴシック" charset="0"/>
-              </a:defRPr>
-            </a:lvl9pPr>
-          </a:lstStyle>
-          <a:p>
-            <a:pPr eaLnBrk="1" hangingPunct="1">
-              <a:defRPr/>
-            </a:pPr>
-            <a:r>
-              <a:rPr lang="en-US" sz="2000" b="1" dirty="0" smtClean="0">
-                <a:solidFill>
-                  <a:schemeClr val="bg1"/>
-                </a:solidFill>
-                <a:latin typeface="Calibri" charset="0"/>
-                <a:cs typeface="Calibri" charset="0"/>
-              </a:rPr>
-              <a:t>Genome Analysis</a:t>
-            </a:r>
-            <a:r>
-              <a:rPr lang="en-US" sz="2000" b="1" baseline="0" dirty="0" smtClean="0">
-                <a:solidFill>
-                  <a:schemeClr val="bg1"/>
-                </a:solidFill>
-                <a:latin typeface="Calibri" charset="0"/>
-                <a:cs typeface="Calibri" charset="0"/>
-              </a:rPr>
-              <a:t> Platforms</a:t>
-            </a:r>
-            <a:endParaRPr lang="en-US" sz="2000" b="1" dirty="0" smtClean="0">
-              <a:solidFill>
-                <a:schemeClr val="bg1"/>
-              </a:solidFill>
-              <a:latin typeface="Calibri" charset="0"/>
-              <a:cs typeface="Calibri" charset="0"/>
-            </a:endParaRPr>
-          </a:p>
-        </p:txBody>
-      </p:sp>
-      <p:sp>
-        <p:nvSpPr>
-          <p:cNvPr id="6" name="TextBox 5"/>
-          <p:cNvSpPr txBox="1"/>
-          <p:nvPr userDrawn="1"/>
-        </p:nvSpPr>
-        <p:spPr>
-          <a:xfrm>
-            <a:off x="6172200" y="6477000"/>
-            <a:ext cx="2895600" cy="338138"/>
-          </a:xfrm>
-          <a:prstGeom prst="rect">
-            <a:avLst/>
-          </a:prstGeom>
-          <a:noFill/>
-        </p:spPr>
-        <p:txBody>
-          <a:bodyPr>
-            <a:spAutoFit/>
-          </a:bodyPr>
-          <a:lstStyle>
-            <a:lvl1pPr eaLnBrk="0" hangingPunct="0">
-              <a:defRPr sz="2400">
-                <a:solidFill>
-                  <a:schemeClr val="tx1"/>
-                </a:solidFill>
-                <a:latin typeface="Arial" charset="0"/>
-                <a:ea typeface="ＭＳ Ｐゴシック" charset="0"/>
-                <a:cs typeface="ＭＳ Ｐゴシック" charset="0"/>
-              </a:defRPr>
-            </a:lvl1pPr>
-            <a:lvl2pPr marL="37931725" indent="-37474525" eaLnBrk="0" hangingPunct="0">
-              <a:defRPr sz="2400">
-                <a:solidFill>
-                  <a:schemeClr val="tx1"/>
-                </a:solidFill>
-                <a:latin typeface="Arial" charset="0"/>
-                <a:ea typeface="ＭＳ Ｐゴシック" charset="0"/>
-              </a:defRPr>
-            </a:lvl2pPr>
-            <a:lvl3pPr eaLnBrk="0" hangingPunct="0">
-              <a:defRPr sz="2400">
-                <a:solidFill>
-                  <a:schemeClr val="tx1"/>
-                </a:solidFill>
-                <a:latin typeface="Arial" charset="0"/>
-                <a:ea typeface="ＭＳ Ｐゴシック" charset="0"/>
-              </a:defRPr>
-            </a:lvl3pPr>
-            <a:lvl4pPr eaLnBrk="0" hangingPunct="0">
-              <a:defRPr sz="2400">
-                <a:solidFill>
-                  <a:schemeClr val="tx1"/>
-                </a:solidFill>
-                <a:latin typeface="Arial" charset="0"/>
-                <a:ea typeface="ＭＳ Ｐゴシック" charset="0"/>
-              </a:defRPr>
-            </a:lvl4pPr>
-            <a:lvl5pPr eaLnBrk="0" hangingPunct="0">
-              <a:defRPr sz="2400">
-                <a:solidFill>
-                  <a:schemeClr val="tx1"/>
-                </a:solidFill>
-                <a:latin typeface="Arial" charset="0"/>
-                <a:ea typeface="ＭＳ Ｐゴシック" charset="0"/>
-              </a:defRPr>
-            </a:lvl5pPr>
-            <a:lvl6pPr marL="457200" eaLnBrk="0" fontAlgn="base" hangingPunct="0">
-              <a:spcBef>
-                <a:spcPct val="0"/>
-              </a:spcBef>
-              <a:spcAft>
-                <a:spcPct val="0"/>
-              </a:spcAft>
-              <a:defRPr sz="2400">
-                <a:solidFill>
-                  <a:schemeClr val="tx1"/>
-                </a:solidFill>
-                <a:latin typeface="Arial" charset="0"/>
-                <a:ea typeface="ＭＳ Ｐゴシック" charset="0"/>
-              </a:defRPr>
-            </a:lvl6pPr>
-            <a:lvl7pPr marL="914400" eaLnBrk="0" fontAlgn="base" hangingPunct="0">
-              <a:spcBef>
-                <a:spcPct val="0"/>
-              </a:spcBef>
-              <a:spcAft>
-                <a:spcPct val="0"/>
-              </a:spcAft>
-              <a:defRPr sz="2400">
-                <a:solidFill>
-                  <a:schemeClr val="tx1"/>
-                </a:solidFill>
-                <a:latin typeface="Arial" charset="0"/>
-                <a:ea typeface="ＭＳ Ｐゴシック" charset="0"/>
-              </a:defRPr>
-            </a:lvl7pPr>
-            <a:lvl8pPr marL="1371600" eaLnBrk="0" fontAlgn="base" hangingPunct="0">
-              <a:spcBef>
-                <a:spcPct val="0"/>
-              </a:spcBef>
-              <a:spcAft>
-                <a:spcPct val="0"/>
-              </a:spcAft>
-              <a:defRPr sz="2400">
-                <a:solidFill>
-                  <a:schemeClr val="tx1"/>
-                </a:solidFill>
-                <a:latin typeface="Arial" charset="0"/>
-                <a:ea typeface="ＭＳ Ｐゴシック" charset="0"/>
-              </a:defRPr>
-            </a:lvl8pPr>
-            <a:lvl9pPr marL="1828800" eaLnBrk="0" fontAlgn="base" hangingPunct="0">
-              <a:spcBef>
-                <a:spcPct val="0"/>
-              </a:spcBef>
-              <a:spcAft>
-                <a:spcPct val="0"/>
-              </a:spcAft>
-              <a:defRPr sz="2400">
-                <a:solidFill>
-                  <a:schemeClr val="tx1"/>
-                </a:solidFill>
-                <a:latin typeface="Arial" charset="0"/>
-                <a:ea typeface="ＭＳ Ｐゴシック" charset="0"/>
-              </a:defRPr>
-            </a:lvl9pPr>
-          </a:lstStyle>
-          <a:p>
-            <a:pPr algn="r" eaLnBrk="1" hangingPunct="1">
-              <a:defRPr/>
-            </a:pPr>
-            <a:r>
-              <a:rPr lang="en-US" sz="1600" b="1" smtClean="0">
-                <a:cs typeface="Arial" charset="0"/>
-              </a:rPr>
-              <a:t>http://meetings.cshl.edu/</a:t>
-            </a:r>
-            <a:endParaRPr lang="en-US" sz="1600" smtClean="0">
-              <a:cs typeface="Arial" charset="0"/>
-            </a:endParaRPr>
-          </a:p>
-        </p:txBody>
-      </p:sp>
-      <p:sp>
-        <p:nvSpPr>
           <p:cNvPr id="3" name="Content Placeholder 2"/>
           <p:cNvSpPr>
             <a:spLocks noGrp="1"/>
@@ -3691,6 +3390,331 @@
               <a:t>Fifth level</a:t>
             </a:r>
             <a:endParaRPr lang="en-US" dirty="0"/>
+          </a:p>
+        </p:txBody>
+      </p:sp>
+      <p:sp>
+        <p:nvSpPr>
+          <p:cNvPr id="7" name="TextBox 6"/>
+          <p:cNvSpPr txBox="1"/>
+          <p:nvPr userDrawn="1"/>
+        </p:nvSpPr>
+        <p:spPr>
+          <a:xfrm>
+            <a:off x="6705600" y="6396038"/>
+            <a:ext cx="2362200" cy="457200"/>
+          </a:xfrm>
+          <a:prstGeom prst="rect">
+            <a:avLst/>
+          </a:prstGeom>
+          <a:noFill/>
+        </p:spPr>
+        <p:txBody>
+          <a:bodyPr>
+            <a:spAutoFit/>
+          </a:bodyPr>
+          <a:lstStyle>
+            <a:lvl1pPr eaLnBrk="0" hangingPunct="0">
+              <a:defRPr sz="2400">
+                <a:solidFill>
+                  <a:schemeClr val="tx1"/>
+                </a:solidFill>
+                <a:latin typeface="Arial" charset="0"/>
+                <a:ea typeface="ＭＳ Ｐゴシック" charset="0"/>
+                <a:cs typeface="ＭＳ Ｐゴシック" charset="0"/>
+              </a:defRPr>
+            </a:lvl1pPr>
+            <a:lvl2pPr marL="37931725" indent="-37474525" eaLnBrk="0" hangingPunct="0">
+              <a:defRPr sz="2400">
+                <a:solidFill>
+                  <a:schemeClr val="tx1"/>
+                </a:solidFill>
+                <a:latin typeface="Arial" charset="0"/>
+                <a:ea typeface="ＭＳ Ｐゴシック" charset="0"/>
+              </a:defRPr>
+            </a:lvl2pPr>
+            <a:lvl3pPr eaLnBrk="0" hangingPunct="0">
+              <a:defRPr sz="2400">
+                <a:solidFill>
+                  <a:schemeClr val="tx1"/>
+                </a:solidFill>
+                <a:latin typeface="Arial" charset="0"/>
+                <a:ea typeface="ＭＳ Ｐゴシック" charset="0"/>
+              </a:defRPr>
+            </a:lvl3pPr>
+            <a:lvl4pPr eaLnBrk="0" hangingPunct="0">
+              <a:defRPr sz="2400">
+                <a:solidFill>
+                  <a:schemeClr val="tx1"/>
+                </a:solidFill>
+                <a:latin typeface="Arial" charset="0"/>
+                <a:ea typeface="ＭＳ Ｐゴシック" charset="0"/>
+              </a:defRPr>
+            </a:lvl4pPr>
+            <a:lvl5pPr eaLnBrk="0" hangingPunct="0">
+              <a:defRPr sz="2400">
+                <a:solidFill>
+                  <a:schemeClr val="tx1"/>
+                </a:solidFill>
+                <a:latin typeface="Arial" charset="0"/>
+                <a:ea typeface="ＭＳ Ｐゴシック" charset="0"/>
+              </a:defRPr>
+            </a:lvl5pPr>
+            <a:lvl6pPr marL="457200" eaLnBrk="0" fontAlgn="base" hangingPunct="0">
+              <a:spcBef>
+                <a:spcPct val="0"/>
+              </a:spcBef>
+              <a:spcAft>
+                <a:spcPct val="0"/>
+              </a:spcAft>
+              <a:defRPr sz="2400">
+                <a:solidFill>
+                  <a:schemeClr val="tx1"/>
+                </a:solidFill>
+                <a:latin typeface="Arial" charset="0"/>
+                <a:ea typeface="ＭＳ Ｐゴシック" charset="0"/>
+              </a:defRPr>
+            </a:lvl6pPr>
+            <a:lvl7pPr marL="914400" eaLnBrk="0" fontAlgn="base" hangingPunct="0">
+              <a:spcBef>
+                <a:spcPct val="0"/>
+              </a:spcBef>
+              <a:spcAft>
+                <a:spcPct val="0"/>
+              </a:spcAft>
+              <a:defRPr sz="2400">
+                <a:solidFill>
+                  <a:schemeClr val="tx1"/>
+                </a:solidFill>
+                <a:latin typeface="Arial" charset="0"/>
+                <a:ea typeface="ＭＳ Ｐゴシック" charset="0"/>
+              </a:defRPr>
+            </a:lvl7pPr>
+            <a:lvl8pPr marL="1371600" eaLnBrk="0" fontAlgn="base" hangingPunct="0">
+              <a:spcBef>
+                <a:spcPct val="0"/>
+              </a:spcBef>
+              <a:spcAft>
+                <a:spcPct val="0"/>
+              </a:spcAft>
+              <a:defRPr sz="2400">
+                <a:solidFill>
+                  <a:schemeClr val="tx1"/>
+                </a:solidFill>
+                <a:latin typeface="Arial" charset="0"/>
+                <a:ea typeface="ＭＳ Ｐゴシック" charset="0"/>
+              </a:defRPr>
+            </a:lvl8pPr>
+            <a:lvl9pPr marL="1828800" eaLnBrk="0" fontAlgn="base" hangingPunct="0">
+              <a:spcBef>
+                <a:spcPct val="0"/>
+              </a:spcBef>
+              <a:spcAft>
+                <a:spcPct val="0"/>
+              </a:spcAft>
+              <a:defRPr sz="2400">
+                <a:solidFill>
+                  <a:schemeClr val="tx1"/>
+                </a:solidFill>
+                <a:latin typeface="Arial" charset="0"/>
+                <a:ea typeface="ＭＳ Ｐゴシック" charset="0"/>
+              </a:defRPr>
+            </a:lvl9pPr>
+          </a:lstStyle>
+          <a:p>
+            <a:pPr algn="r" eaLnBrk="1" hangingPunct="1">
+              <a:defRPr/>
+            </a:pPr>
+            <a:r>
+              <a:rPr lang="en-US" b="1" dirty="0" err="1" smtClean="0">
+                <a:cs typeface="Arial" charset="0"/>
+              </a:rPr>
+              <a:t>bio</a:t>
+            </a:r>
+            <a:r>
+              <a:rPr lang="en-US" dirty="0" err="1" smtClean="0">
+                <a:cs typeface="Arial" charset="0"/>
+              </a:rPr>
+              <a:t>informatics</a:t>
+            </a:r>
+            <a:r>
+              <a:rPr lang="en-US" sz="1400" dirty="0" err="1" smtClean="0">
+                <a:cs typeface="Arial" charset="0"/>
+              </a:rPr>
+              <a:t>.ca</a:t>
+            </a:r>
+            <a:endParaRPr lang="en-US" dirty="0" smtClean="0">
+              <a:cs typeface="Arial" charset="0"/>
+            </a:endParaRPr>
+          </a:p>
+        </p:txBody>
+      </p:sp>
+      <p:sp>
+        <p:nvSpPr>
+          <p:cNvPr id="8" name="TextBox 7"/>
+          <p:cNvSpPr txBox="1">
+            <a:spLocks noChangeArrowheads="1"/>
+          </p:cNvSpPr>
+          <p:nvPr userDrawn="1"/>
+        </p:nvSpPr>
+        <p:spPr bwMode="auto">
+          <a:xfrm>
+            <a:off x="76200" y="6429375"/>
+            <a:ext cx="6705600" cy="396875"/>
+          </a:xfrm>
+          <a:prstGeom prst="rect">
+            <a:avLst/>
+          </a:prstGeom>
+          <a:noFill/>
+          <a:ln>
+            <a:noFill/>
+          </a:ln>
+          <a:extLst>
+            <a:ext uri="{909E8E84-426E-40dd-AFC4-6F175D3DCCD1}">
+              <a14:hiddenFill xmlns:a14="http://schemas.microsoft.com/office/drawing/2010/main">
+                <a:solidFill>
+                  <a:srgbClr val="FFFFFF"/>
+                </a:solidFill>
+              </a14:hiddenFill>
+            </a:ext>
+            <a:ext uri="{91240B29-F687-4f45-9708-019B960494DF}">
+              <a14:hiddenLine xmlns:a14="http://schemas.microsoft.com/office/drawing/2010/main" w="9525">
+                <a:solidFill>
+                  <a:srgbClr val="000000"/>
+                </a:solidFill>
+                <a:miter lim="800000"/>
+                <a:headEnd/>
+                <a:tailEnd/>
+              </a14:hiddenLine>
+            </a:ext>
+          </a:extLst>
+        </p:spPr>
+        <p:txBody>
+          <a:bodyPr>
+            <a:spAutoFit/>
+          </a:bodyPr>
+          <a:lstStyle>
+            <a:lvl1pPr eaLnBrk="0" hangingPunct="0">
+              <a:defRPr sz="2400">
+                <a:solidFill>
+                  <a:schemeClr val="tx1"/>
+                </a:solidFill>
+                <a:latin typeface="Arial" charset="0"/>
+                <a:ea typeface="ＭＳ Ｐゴシック" charset="0"/>
+                <a:cs typeface="ＭＳ Ｐゴシック" charset="0"/>
+              </a:defRPr>
+            </a:lvl1pPr>
+            <a:lvl2pPr marL="742950" indent="-285750" eaLnBrk="0" hangingPunct="0">
+              <a:defRPr sz="2400">
+                <a:solidFill>
+                  <a:schemeClr val="tx1"/>
+                </a:solidFill>
+                <a:latin typeface="Arial" charset="0"/>
+                <a:ea typeface="ＭＳ Ｐゴシック" charset="0"/>
+              </a:defRPr>
+            </a:lvl2pPr>
+            <a:lvl3pPr marL="1143000" indent="-228600" eaLnBrk="0" hangingPunct="0">
+              <a:defRPr sz="2400">
+                <a:solidFill>
+                  <a:schemeClr val="tx1"/>
+                </a:solidFill>
+                <a:latin typeface="Arial" charset="0"/>
+                <a:ea typeface="ＭＳ Ｐゴシック" charset="0"/>
+              </a:defRPr>
+            </a:lvl3pPr>
+            <a:lvl4pPr marL="1600200" indent="-228600" eaLnBrk="0" hangingPunct="0">
+              <a:defRPr sz="2400">
+                <a:solidFill>
+                  <a:schemeClr val="tx1"/>
+                </a:solidFill>
+                <a:latin typeface="Arial" charset="0"/>
+                <a:ea typeface="ＭＳ Ｐゴシック" charset="0"/>
+              </a:defRPr>
+            </a:lvl4pPr>
+            <a:lvl5pPr marL="2057400" indent="-228600" eaLnBrk="0" hangingPunct="0">
+              <a:defRPr sz="2400">
+                <a:solidFill>
+                  <a:schemeClr val="tx1"/>
+                </a:solidFill>
+                <a:latin typeface="Arial" charset="0"/>
+                <a:ea typeface="ＭＳ Ｐゴシック" charset="0"/>
+              </a:defRPr>
+            </a:lvl5pPr>
+            <a:lvl6pPr marL="2514600" indent="-228600" eaLnBrk="0" fontAlgn="base" hangingPunct="0">
+              <a:spcBef>
+                <a:spcPct val="0"/>
+              </a:spcBef>
+              <a:spcAft>
+                <a:spcPct val="0"/>
+              </a:spcAft>
+              <a:defRPr sz="2400">
+                <a:solidFill>
+                  <a:schemeClr val="tx1"/>
+                </a:solidFill>
+                <a:latin typeface="Arial" charset="0"/>
+                <a:ea typeface="ＭＳ Ｐゴシック" charset="0"/>
+              </a:defRPr>
+            </a:lvl6pPr>
+            <a:lvl7pPr marL="2971800" indent="-228600" eaLnBrk="0" fontAlgn="base" hangingPunct="0">
+              <a:spcBef>
+                <a:spcPct val="0"/>
+              </a:spcBef>
+              <a:spcAft>
+                <a:spcPct val="0"/>
+              </a:spcAft>
+              <a:defRPr sz="2400">
+                <a:solidFill>
+                  <a:schemeClr val="tx1"/>
+                </a:solidFill>
+                <a:latin typeface="Arial" charset="0"/>
+                <a:ea typeface="ＭＳ Ｐゴシック" charset="0"/>
+              </a:defRPr>
+            </a:lvl7pPr>
+            <a:lvl8pPr marL="3429000" indent="-228600" eaLnBrk="0" fontAlgn="base" hangingPunct="0">
+              <a:spcBef>
+                <a:spcPct val="0"/>
+              </a:spcBef>
+              <a:spcAft>
+                <a:spcPct val="0"/>
+              </a:spcAft>
+              <a:defRPr sz="2400">
+                <a:solidFill>
+                  <a:schemeClr val="tx1"/>
+                </a:solidFill>
+                <a:latin typeface="Arial" charset="0"/>
+                <a:ea typeface="ＭＳ Ｐゴシック" charset="0"/>
+              </a:defRPr>
+            </a:lvl8pPr>
+            <a:lvl9pPr marL="3886200" indent="-228600" eaLnBrk="0" fontAlgn="base" hangingPunct="0">
+              <a:spcBef>
+                <a:spcPct val="0"/>
+              </a:spcBef>
+              <a:spcAft>
+                <a:spcPct val="0"/>
+              </a:spcAft>
+              <a:defRPr sz="2400">
+                <a:solidFill>
+                  <a:schemeClr val="tx1"/>
+                </a:solidFill>
+                <a:latin typeface="Arial" charset="0"/>
+                <a:ea typeface="ＭＳ Ｐゴシック" charset="0"/>
+              </a:defRPr>
+            </a:lvl9pPr>
+          </a:lstStyle>
+          <a:p>
+            <a:pPr eaLnBrk="1" hangingPunct="1">
+              <a:defRPr/>
+            </a:pPr>
+            <a:r>
+              <a:rPr lang="en-US" sz="2000" b="1" dirty="0" smtClean="0">
+                <a:solidFill>
+                  <a:schemeClr val="bg1"/>
+                </a:solidFill>
+                <a:latin typeface="Calibri" charset="0"/>
+                <a:cs typeface="Calibri" charset="0"/>
+              </a:rPr>
+              <a:t>RNA sequencing and analysis</a:t>
+            </a:r>
           </a:p>
         </p:txBody>
       </p:sp>
@@ -3923,7 +3947,7 @@
               <a:pPr>
                 <a:defRPr/>
               </a:pPr>
-              <a:t>11/15/15</a:t>
+              <a:t>6/16/16</a:t>
             </a:fld>
             <a:endParaRPr lang="en-US"/>
           </a:p>
@@ -4459,7 +4483,7 @@
         </p:nvSpPr>
         <p:spPr>
           <a:xfrm>
-            <a:off x="685800" y="2819400"/>
+            <a:off x="659614" y="2845296"/>
             <a:ext cx="7772400" cy="1447800"/>
           </a:xfrm>
         </p:spPr>
@@ -4469,7 +4493,7 @@
           <a:p>
             <a:pPr eaLnBrk="1" hangingPunct="1"/>
             <a:r>
-              <a:rPr lang="en-US" b="0">
+              <a:rPr lang="en-US" b="0" dirty="0">
                 <a:solidFill>
                   <a:srgbClr val="CA0000"/>
                 </a:solidFill>
@@ -4477,14 +4501,68 @@
                 <a:ea typeface="ＭＳ Ｐゴシック" charset="0"/>
                 <a:cs typeface="ＭＳ Ｐゴシック" charset="0"/>
               </a:rPr>
-              <a:t>Advanced Sequencing Technologies &amp; Applications</a:t>
+              <a:t>Canadian Bioinformatics Workshops</a:t>
             </a:r>
           </a:p>
         </p:txBody>
       </p:sp>
-      <p:sp>
-        <p:nvSpPr>
-          <p:cNvPr id="9218" name="Rectangle 3"/>
+      <p:pic>
+        <p:nvPicPr>
+          <p:cNvPr id="8" name="Picture 7" descr="bioinformatics.ca-logo-white-text.png"/>
+          <p:cNvPicPr>
+            <a:picLocks noChangeAspect="1"/>
+          </p:cNvPicPr>
+          <p:nvPr/>
+        </p:nvPicPr>
+        <p:blipFill>
+          <a:blip r:embed="rId2">
+            <a:extLst>
+              <a:ext uri="{28A0092B-C50C-407E-A947-70E740481C1C}">
+                <a14:useLocalDpi xmlns:a14="http://schemas.microsoft.com/office/drawing/2010/main" val="0"/>
+              </a:ext>
+            </a:extLst>
+          </a:blip>
+          <a:srcRect/>
+          <a:stretch>
+            <a:fillRect/>
+          </a:stretch>
+        </p:blipFill>
+        <p:spPr bwMode="auto">
+          <a:xfrm>
+            <a:off x="3419872" y="1196752"/>
+            <a:ext cx="2480338" cy="1043657"/>
+          </a:xfrm>
+          <a:prstGeom prst="rect">
+            <a:avLst/>
+          </a:prstGeom>
+          <a:noFill/>
+          <a:ln>
+            <a:noFill/>
+          </a:ln>
+          <a:extLst>
+            <a:ext uri="{909E8E84-426E-40dd-AFC4-6F175D3DCCD1}">
+              <a14:hiddenFill xmlns:a14="http://schemas.microsoft.com/office/drawing/2010/main">
+                <a:solidFill>
+                  <a:srgbClr val="FFFFFF"/>
+                </a:solidFill>
+              </a14:hiddenFill>
+            </a:ext>
+            <a:ext uri="{91240B29-F687-4f45-9708-019B960494DF}">
+              <a14:hiddenLine xmlns:a14="http://schemas.microsoft.com/office/drawing/2010/main" w="9525">
+                <a:solidFill>
+                  <a:srgbClr val="000000"/>
+                </a:solidFill>
+                <a:miter lim="800000"/>
+                <a:headEnd/>
+                <a:tailEnd/>
+              </a14:hiddenLine>
+            </a:ext>
+          </a:extLst>
+        </p:spPr>
+      </p:pic>
+      <p:sp>
+        <p:nvSpPr>
+          <p:cNvPr id="9" name="Rectangle 3"/>
           <p:cNvSpPr txBox="1">
             <a:spLocks noChangeArrowheads="1"/>
           </p:cNvSpPr>
@@ -4492,7 +4570,7 @@
         </p:nvSpPr>
         <p:spPr bwMode="auto">
           <a:xfrm>
-            <a:off x="1182688" y="4549775"/>
+            <a:off x="1115616" y="4166071"/>
             <a:ext cx="6778625" cy="1927225"/>
           </a:xfrm>
           <a:prstGeom prst="rect">
@@ -4526,133 +4604,190 @@
           </a:extLst>
         </p:spPr>
         <p:txBody>
-          <a:bodyPr/>
+          <a:bodyPr vert="horz" wrap="square" lIns="91440" tIns="45720" rIns="91440" bIns="45720" numCol="1" anchor="t" anchorCtr="0" compatLnSpc="1">
+            <a:prstTxWarp prst="textNoShape">
+              <a:avLst/>
+            </a:prstTxWarp>
+          </a:bodyPr>
           <a:lstStyle>
-            <a:lvl1pPr eaLnBrk="0" hangingPunct="0">
-              <a:defRPr sz="2400">
-                <a:solidFill>
-                  <a:schemeClr val="tx1"/>
-                </a:solidFill>
-                <a:latin typeface="Arial" charset="0"/>
-                <a:ea typeface="ＭＳ Ｐゴシック" charset="0"/>
-                <a:cs typeface="ＭＳ Ｐゴシック" charset="0"/>
-              </a:defRPr>
-            </a:lvl1pPr>
-            <a:lvl2pPr marL="742950" indent="-285750" eaLnBrk="0" hangingPunct="0">
-              <a:defRPr sz="2400">
-                <a:solidFill>
-                  <a:schemeClr val="tx1"/>
-                </a:solidFill>
-                <a:latin typeface="Arial" charset="0"/>
-                <a:ea typeface="ＭＳ Ｐゴシック" charset="0"/>
-              </a:defRPr>
-            </a:lvl2pPr>
-            <a:lvl3pPr marL="1143000" indent="-228600" eaLnBrk="0" hangingPunct="0">
-              <a:defRPr sz="2400">
-                <a:solidFill>
-                  <a:schemeClr val="tx1"/>
-                </a:solidFill>
-                <a:latin typeface="Arial" charset="0"/>
-                <a:ea typeface="ＭＳ Ｐゴシック" charset="0"/>
-              </a:defRPr>
-            </a:lvl3pPr>
-            <a:lvl4pPr marL="1600200" indent="-228600" eaLnBrk="0" hangingPunct="0">
-              <a:defRPr sz="2400">
-                <a:solidFill>
-                  <a:schemeClr val="tx1"/>
-                </a:solidFill>
-                <a:latin typeface="Arial" charset="0"/>
-                <a:ea typeface="ＭＳ Ｐゴシック" charset="0"/>
-              </a:defRPr>
-            </a:lvl4pPr>
-            <a:lvl5pPr marL="2057400" indent="-228600" eaLnBrk="0" hangingPunct="0">
-              <a:defRPr sz="2400">
-                <a:solidFill>
-                  <a:schemeClr val="tx1"/>
-                </a:solidFill>
-                <a:latin typeface="Arial" charset="0"/>
-                <a:ea typeface="ＭＳ Ｐゴシック" charset="0"/>
-              </a:defRPr>
-            </a:lvl5pPr>
-            <a:lvl6pPr marL="2514600" indent="-228600" eaLnBrk="0" fontAlgn="base" hangingPunct="0">
-              <a:spcBef>
-                <a:spcPct val="0"/>
-              </a:spcBef>
-              <a:spcAft>
-                <a:spcPct val="0"/>
-              </a:spcAft>
-              <a:defRPr sz="2400">
-                <a:solidFill>
-                  <a:schemeClr val="tx1"/>
-                </a:solidFill>
-                <a:latin typeface="Arial" charset="0"/>
-                <a:ea typeface="ＭＳ Ｐゴシック" charset="0"/>
-              </a:defRPr>
-            </a:lvl6pPr>
-            <a:lvl7pPr marL="2971800" indent="-228600" eaLnBrk="0" fontAlgn="base" hangingPunct="0">
-              <a:spcBef>
-                <a:spcPct val="0"/>
-              </a:spcBef>
-              <a:spcAft>
-                <a:spcPct val="0"/>
-              </a:spcAft>
-              <a:defRPr sz="2400">
-                <a:solidFill>
-                  <a:schemeClr val="tx1"/>
-                </a:solidFill>
-                <a:latin typeface="Arial" charset="0"/>
-                <a:ea typeface="ＭＳ Ｐゴシック" charset="0"/>
-              </a:defRPr>
-            </a:lvl7pPr>
-            <a:lvl8pPr marL="3429000" indent="-228600" eaLnBrk="0" fontAlgn="base" hangingPunct="0">
-              <a:spcBef>
-                <a:spcPct val="0"/>
-              </a:spcBef>
-              <a:spcAft>
-                <a:spcPct val="0"/>
-              </a:spcAft>
-              <a:defRPr sz="2400">
-                <a:solidFill>
-                  <a:schemeClr val="tx1"/>
-                </a:solidFill>
-                <a:latin typeface="Arial" charset="0"/>
-                <a:ea typeface="ＭＳ Ｐゴシック" charset="0"/>
-              </a:defRPr>
-            </a:lvl8pPr>
-            <a:lvl9pPr marL="3886200" indent="-228600" eaLnBrk="0" fontAlgn="base" hangingPunct="0">
-              <a:spcBef>
-                <a:spcPct val="0"/>
-              </a:spcBef>
-              <a:spcAft>
-                <a:spcPct val="0"/>
-              </a:spcAft>
-              <a:defRPr sz="2400">
-                <a:solidFill>
-                  <a:schemeClr val="tx1"/>
-                </a:solidFill>
-                <a:latin typeface="Arial" charset="0"/>
-                <a:ea typeface="ＭＳ Ｐゴシック" charset="0"/>
-              </a:defRPr>
-            </a:lvl9pPr>
-          </a:lstStyle>
-          <a:p>
-            <a:pPr algn="ctr" eaLnBrk="1" hangingPunct="1">
+            <a:lvl1pPr marL="342900" indent="-342900" algn="l" rtl="0" eaLnBrk="0" fontAlgn="base" hangingPunct="0">
               <a:spcBef>
                 <a:spcPct val="20000"/>
               </a:spcBef>
+              <a:spcAft>
+                <a:spcPct val="0"/>
+              </a:spcAft>
+              <a:buFont typeface="Arial" charset="0"/>
+              <a:buChar char="•"/>
+              <a:defRPr sz="2800" kern="1200">
+                <a:solidFill>
+                  <a:schemeClr val="tx1"/>
+                </a:solidFill>
+                <a:latin typeface="Calibri"/>
+                <a:ea typeface="ＭＳ Ｐゴシック" pitchFamily="-28" charset="-128"/>
+                <a:cs typeface="Calibri"/>
+              </a:defRPr>
+            </a:lvl1pPr>
+            <a:lvl2pPr marL="742950" indent="-285750" algn="l" rtl="0" eaLnBrk="0" fontAlgn="base" hangingPunct="0">
+              <a:spcBef>
+                <a:spcPct val="20000"/>
+              </a:spcBef>
+              <a:spcAft>
+                <a:spcPct val="0"/>
+              </a:spcAft>
+              <a:buFont typeface="Arial" charset="0"/>
+              <a:buChar char="–"/>
+              <a:defRPr sz="2400" kern="1200">
+                <a:solidFill>
+                  <a:schemeClr val="tx1"/>
+                </a:solidFill>
+                <a:latin typeface="Calibri"/>
+                <a:ea typeface="ＭＳ Ｐゴシック" pitchFamily="-28" charset="-128"/>
+                <a:cs typeface="Calibri"/>
+              </a:defRPr>
+            </a:lvl2pPr>
+            <a:lvl3pPr marL="1143000" indent="-228600" algn="l" rtl="0" eaLnBrk="0" fontAlgn="base" hangingPunct="0">
+              <a:spcBef>
+                <a:spcPct val="20000"/>
+              </a:spcBef>
+              <a:spcAft>
+                <a:spcPct val="0"/>
+              </a:spcAft>
+              <a:buFont typeface="Arial" charset="0"/>
+              <a:buChar char="•"/>
+              <a:defRPr sz="2000" kern="1200">
+                <a:solidFill>
+                  <a:schemeClr val="tx1"/>
+                </a:solidFill>
+                <a:latin typeface="Calibri"/>
+                <a:ea typeface="ＭＳ Ｐゴシック" pitchFamily="-28" charset="-128"/>
+                <a:cs typeface="Calibri"/>
+              </a:defRPr>
+            </a:lvl3pPr>
+            <a:lvl4pPr marL="1600200" indent="-228600" algn="l" rtl="0" eaLnBrk="0" fontAlgn="base" hangingPunct="0">
+              <a:spcBef>
+                <a:spcPct val="20000"/>
+              </a:spcBef>
+              <a:spcAft>
+                <a:spcPct val="0"/>
+              </a:spcAft>
+              <a:buFont typeface="Arial" charset="0"/>
+              <a:buChar char="–"/>
+              <a:defRPr kern="1200">
+                <a:solidFill>
+                  <a:schemeClr val="tx1"/>
+                </a:solidFill>
+                <a:latin typeface="Calibri"/>
+                <a:ea typeface="ＭＳ Ｐゴシック" pitchFamily="-28" charset="-128"/>
+                <a:cs typeface="Calibri"/>
+              </a:defRPr>
+            </a:lvl4pPr>
+            <a:lvl5pPr marL="2057400" indent="-228600" algn="l" rtl="0" eaLnBrk="0" fontAlgn="base" hangingPunct="0">
+              <a:spcBef>
+                <a:spcPct val="20000"/>
+              </a:spcBef>
+              <a:spcAft>
+                <a:spcPct val="0"/>
+              </a:spcAft>
+              <a:buFont typeface="Arial" charset="0"/>
+              <a:buChar char="»"/>
+              <a:defRPr kern="1200">
+                <a:solidFill>
+                  <a:schemeClr val="tx1"/>
+                </a:solidFill>
+                <a:latin typeface="Calibri"/>
+                <a:ea typeface="ＭＳ Ｐゴシック" pitchFamily="-28" charset="-128"/>
+                <a:cs typeface="Calibri"/>
+              </a:defRPr>
+            </a:lvl5pPr>
+            <a:lvl6pPr marL="2514600" indent="-228600" algn="l" defTabSz="914400" rtl="0" eaLnBrk="1" latinLnBrk="0" hangingPunct="1">
+              <a:spcBef>
+                <a:spcPct val="20000"/>
+              </a:spcBef>
+              <a:buFont typeface="Arial" pitchFamily="34" charset="0"/>
+              <a:buChar char="•"/>
+              <a:defRPr sz="2000" kern="1200">
+                <a:solidFill>
+                  <a:schemeClr val="tx1"/>
+                </a:solidFill>
+                <a:latin typeface="+mn-lt"/>
+                <a:ea typeface="+mn-ea"/>
+                <a:cs typeface="+mn-cs"/>
+              </a:defRPr>
+            </a:lvl6pPr>
+            <a:lvl7pPr marL="2971800" indent="-228600" algn="l" defTabSz="914400" rtl="0" eaLnBrk="1" latinLnBrk="0" hangingPunct="1">
+              <a:spcBef>
+                <a:spcPct val="20000"/>
+              </a:spcBef>
+              <a:buFont typeface="Arial" pitchFamily="34" charset="0"/>
+              <a:buChar char="•"/>
+              <a:defRPr sz="2000" kern="1200">
+                <a:solidFill>
+                  <a:schemeClr val="tx1"/>
+                </a:solidFill>
+                <a:latin typeface="+mn-lt"/>
+                <a:ea typeface="+mn-ea"/>
+                <a:cs typeface="+mn-cs"/>
+              </a:defRPr>
+            </a:lvl7pPr>
+            <a:lvl8pPr marL="3429000" indent="-228600" algn="l" defTabSz="914400" rtl="0" eaLnBrk="1" latinLnBrk="0" hangingPunct="1">
+              <a:spcBef>
+                <a:spcPct val="20000"/>
+              </a:spcBef>
+              <a:buFont typeface="Arial" pitchFamily="34" charset="0"/>
+              <a:buChar char="•"/>
+              <a:defRPr sz="2000" kern="1200">
+                <a:solidFill>
+                  <a:schemeClr val="tx1"/>
+                </a:solidFill>
+                <a:latin typeface="+mn-lt"/>
+                <a:ea typeface="+mn-ea"/>
+                <a:cs typeface="+mn-cs"/>
+              </a:defRPr>
+            </a:lvl8pPr>
+            <a:lvl9pPr marL="3886200" indent="-228600" algn="l" defTabSz="914400" rtl="0" eaLnBrk="1" latinLnBrk="0" hangingPunct="1">
+              <a:spcBef>
+                <a:spcPct val="20000"/>
+              </a:spcBef>
+              <a:buFont typeface="Arial" pitchFamily="34" charset="0"/>
+              <a:buChar char="•"/>
+              <a:defRPr sz="2000" kern="1200">
+                <a:solidFill>
+                  <a:schemeClr val="tx1"/>
+                </a:solidFill>
+                <a:latin typeface="+mn-lt"/>
+                <a:ea typeface="+mn-ea"/>
+                <a:cs typeface="+mn-cs"/>
+              </a:defRPr>
+            </a:lvl9pPr>
+          </a:lstStyle>
+          <a:p>
+            <a:pPr marL="0" indent="0" algn="ctr" eaLnBrk="1" hangingPunct="1">
               <a:buFont typeface="Arial" charset="0"/>
               <a:buNone/>
             </a:pPr>
             <a:r>
-              <a:rPr lang="en-US" sz="2800">
+              <a:rPr lang="en-US" smtClean="0">
                 <a:latin typeface="Calibri" charset="0"/>
+                <a:ea typeface="ＭＳ Ｐゴシック" charset="0"/>
+                <a:cs typeface="ＭＳ Ｐゴシック" charset="0"/>
               </a:rPr>
-              <a:t>http://meetings.cshl.edu/courses.html</a:t>
-            </a:r>
+              <a:t>www.bioinformatics.ca</a:t>
+            </a:r>
+            <a:endParaRPr lang="en-US" dirty="0">
+              <a:latin typeface="Calibri" charset="0"/>
+              <a:ea typeface="ＭＳ Ｐゴシック" charset="0"/>
+              <a:cs typeface="ＭＳ Ｐゴシック" charset="0"/>
+            </a:endParaRPr>
           </a:p>
         </p:txBody>
       </p:sp>
     </p:spTree>
+    <p:extLst>
+      <p:ext uri="{BB962C8B-B14F-4D97-AF65-F5344CB8AC3E}">
+        <p14:creationId xmlns:p14="http://schemas.microsoft.com/office/powerpoint/2010/main" val="1501997489"/>
+      </p:ext>
+    </p:extLst>
   </p:cSld>
   <p:clrMapOvr>
     <a:masterClrMapping/>
@@ -4699,7 +4834,7 @@
           <a:p>
             <a:r>
               <a:rPr lang="en-US" dirty="0" smtClean="0"/>
-              <a:t>What is an application programming interface (API)</a:t>
+              <a:t>What is a software development kit (SDK)?</a:t>
             </a:r>
             <a:endParaRPr lang="en-US" dirty="0"/>
           </a:p>
@@ -4721,16 +4856,43 @@
           <a:lstStyle/>
           <a:p>
             <a:r>
-              <a:rPr lang="en-US" dirty="0" smtClean="0"/>
-              <a:t>An API is a set </a:t>
-            </a:r>
-            <a:r>
               <a:rPr lang="en-US" dirty="0"/>
-              <a:t>of routines, protocols, and tools for building software applications. An API expresses a software component in terms of its operations, inputs, outputs, and underlying types. An API defines functionalities that are independent of their respective implementations, which allows definitions and implementations to vary without compromising each other</a:t>
-            </a:r>
-            <a:r>
-              <a:rPr lang="en-US" dirty="0" smtClean="0"/>
-              <a:t>.</a:t>
+              <a:t>A software development kit (</a:t>
+            </a:r>
+            <a:r>
+              <a:rPr lang="en-US" dirty="0" smtClean="0"/>
+              <a:t>SDK) </a:t>
+            </a:r>
+            <a:r>
+              <a:rPr lang="en-US" dirty="0"/>
+              <a:t>is </a:t>
+            </a:r>
+            <a:r>
+              <a:rPr lang="en-US" dirty="0" smtClean="0"/>
+              <a:t>a </a:t>
+            </a:r>
+            <a:r>
+              <a:rPr lang="en-US" dirty="0"/>
+              <a:t>set of software development tools that </a:t>
+            </a:r>
+            <a:r>
+              <a:rPr lang="en-US" dirty="0" smtClean="0"/>
+              <a:t>facilitates </a:t>
+            </a:r>
+            <a:r>
+              <a:rPr lang="en-US" dirty="0"/>
+              <a:t>the creation of applications for a certain </a:t>
+            </a:r>
+            <a:r>
+              <a:rPr lang="en-US" dirty="0" smtClean="0"/>
+              <a:t>software framework</a:t>
+            </a:r>
+            <a:endParaRPr lang="en-US" dirty="0"/>
+          </a:p>
+          <a:p>
+            <a:r>
+              <a:rPr lang="en-US" dirty="0" smtClean="0"/>
+              <a:t>E.g. DNA Nexus Platforms provides software development kit with support for several programming languages to help you build pipelines efficiently in their system</a:t>
             </a:r>
             <a:endParaRPr lang="en-US" dirty="0"/>
           </a:p>
@@ -4739,7 +4901,7 @@
     </p:spTree>
     <p:extLst>
       <p:ext uri="{BB962C8B-B14F-4D97-AF65-F5344CB8AC3E}">
-        <p14:creationId xmlns:p14="http://schemas.microsoft.com/office/powerpoint/2010/main" val="2689433769"/>
+        <p14:creationId xmlns:p14="http://schemas.microsoft.com/office/powerpoint/2010/main" val="475985231"/>
       </p:ext>
     </p:extLst>
   </p:cSld>
@@ -4778,7 +4940,7 @@
         </p:nvSpPr>
         <p:spPr>
           <a:xfrm>
-            <a:off x="152400" y="116632"/>
+            <a:off x="152400" y="44624"/>
             <a:ext cx="8839200" cy="1143000"/>
           </a:xfrm>
         </p:spPr>
@@ -4788,23 +4950,7 @@
           <a:p>
             <a:r>
               <a:rPr lang="en-US" dirty="0" smtClean="0"/>
-              <a:t>What is distributed </a:t>
-            </a:r>
-            <a:r>
-              <a:rPr lang="en-US" dirty="0"/>
-              <a:t>storage and processing (e.g. ‘</a:t>
-            </a:r>
-            <a:r>
-              <a:rPr lang="en-US" dirty="0" err="1"/>
-              <a:t>Hadoop</a:t>
-            </a:r>
-            <a:r>
-              <a:rPr lang="en-US" dirty="0"/>
-              <a:t>’</a:t>
-            </a:r>
-            <a:r>
-              <a:rPr lang="en-US" dirty="0" smtClean="0"/>
-              <a:t>)?</a:t>
+              <a:t>What is an application programming interface (API)</a:t>
             </a:r>
             <a:endParaRPr lang="en-US" dirty="0"/>
           </a:p>
@@ -4822,70 +4968,29 @@
         </p:nvSpPr>
         <p:spPr/>
         <p:txBody>
-          <a:bodyPr>
-            <a:normAutofit fontScale="92500"/>
-          </a:bodyPr>
+          <a:bodyPr/>
           <a:lstStyle/>
           <a:p>
             <a:r>
-              <a:rPr lang="en-US" dirty="0" err="1" smtClean="0"/>
-              <a:t>Hadoop</a:t>
-            </a:r>
-            <a:r>
-              <a:rPr lang="en-US" dirty="0" smtClean="0"/>
-              <a:t> </a:t>
+              <a:rPr lang="en-US" dirty="0" smtClean="0"/>
+              <a:t>An API is a set </a:t>
             </a:r>
             <a:r>
               <a:rPr lang="en-US" dirty="0"/>
-              <a:t>is an open-source software framework for distributed storage and distributed processing of Big Data on clusters of commodity hardware. Its </a:t>
-            </a:r>
-            <a:r>
-              <a:rPr lang="en-US" dirty="0" err="1"/>
-              <a:t>Hadoop</a:t>
-            </a:r>
-            <a:r>
-              <a:rPr lang="en-US" dirty="0"/>
-              <a:t> Distributed File System (HDFS) splits files into large blocks </a:t>
-            </a:r>
-            <a:r>
-              <a:rPr lang="en-US" dirty="0" smtClean="0"/>
-              <a:t>and </a:t>
-            </a:r>
-            <a:r>
-              <a:rPr lang="en-US" dirty="0"/>
-              <a:t>distributes the blocks amongst the nodes in the cluster. For processing the data, the </a:t>
-            </a:r>
-            <a:r>
-              <a:rPr lang="en-US" dirty="0" err="1"/>
-              <a:t>Hadoop</a:t>
-            </a:r>
-            <a:r>
-              <a:rPr lang="en-US" dirty="0"/>
-              <a:t> Map/Reduce </a:t>
-            </a:r>
-            <a:r>
-              <a:rPr lang="en-US" dirty="0" smtClean="0"/>
-              <a:t>moves code (software) </a:t>
-            </a:r>
-            <a:r>
-              <a:rPr lang="en-US" dirty="0"/>
-              <a:t>to the nodes that have the required data, and the nodes then process the data in parallel. This approach takes advantage of data locality</a:t>
-            </a:r>
-            <a:r>
-              <a:rPr lang="en-US" dirty="0" smtClean="0"/>
-              <a:t>, </a:t>
-            </a:r>
-            <a:r>
-              <a:rPr lang="en-US" dirty="0"/>
-              <a:t>in contrast to conventional HPC architecture which usually relies on a parallel file system (compute and data separated, but connected with high-speed networking).</a:t>
-            </a:r>
+              <a:t>of routines, protocols, and tools for building software applications. An API expresses a software component in terms of its operations, inputs, outputs, and underlying types. An API defines functionalities that are independent of their respective implementations, which allows definitions and implementations to vary without compromising each other</a:t>
+            </a:r>
+            <a:r>
+              <a:rPr lang="en-US" dirty="0" smtClean="0"/>
+              <a:t>.</a:t>
+            </a:r>
+            <a:endParaRPr lang="en-US" dirty="0"/>
           </a:p>
         </p:txBody>
       </p:sp>
     </p:spTree>
     <p:extLst>
       <p:ext uri="{BB962C8B-B14F-4D97-AF65-F5344CB8AC3E}">
-        <p14:creationId xmlns:p14="http://schemas.microsoft.com/office/powerpoint/2010/main" val="556063407"/>
+        <p14:creationId xmlns:p14="http://schemas.microsoft.com/office/powerpoint/2010/main" val="2689433769"/>
       </p:ext>
     </p:extLst>
   </p:cSld>
@@ -4924,7 +5029,7 @@
         </p:nvSpPr>
         <p:spPr>
           <a:xfrm>
-            <a:off x="152400" y="-27384"/>
+            <a:off x="152400" y="116632"/>
             <a:ext cx="8839200" cy="1143000"/>
           </a:xfrm>
         </p:spPr>
@@ -4934,7 +5039,23 @@
           <a:p>
             <a:r>
               <a:rPr lang="en-US" dirty="0" smtClean="0"/>
-              <a:t>Examples</a:t>
+              <a:t>What is distributed </a:t>
+            </a:r>
+            <a:r>
+              <a:rPr lang="en-US" dirty="0"/>
+              <a:t>storage and processing (e.g. ‘</a:t>
+            </a:r>
+            <a:r>
+              <a:rPr lang="en-US" dirty="0" err="1"/>
+              <a:t>Hadoop</a:t>
+            </a:r>
+            <a:r>
+              <a:rPr lang="en-US" dirty="0"/>
+              <a:t>’</a:t>
+            </a:r>
+            <a:r>
+              <a:rPr lang="en-US" dirty="0" smtClean="0"/>
+              <a:t>)?</a:t>
             </a:r>
             <a:endParaRPr lang="en-US" dirty="0"/>
           </a:p>
@@ -4950,148 +5071,72 @@
             <p:ph idx="1"/>
           </p:nvPr>
         </p:nvSpPr>
-        <p:spPr>
-          <a:xfrm>
-            <a:off x="152400" y="1124744"/>
-            <a:ext cx="8839200" cy="5199856"/>
-          </a:xfrm>
-        </p:spPr>
+        <p:spPr/>
         <p:txBody>
           <a:bodyPr>
-            <a:normAutofit fontScale="92500" lnSpcReduction="20000"/>
+            <a:normAutofit fontScale="92500"/>
           </a:bodyPr>
           <a:lstStyle/>
           <a:p>
             <a:r>
-              <a:rPr lang="en-US" b="1" dirty="0" smtClean="0"/>
-              <a:t>Assuming you have some NGS data, how should you analyze it?</a:t>
-            </a:r>
-          </a:p>
-          <a:p>
-            <a:r>
-              <a:rPr lang="en-US" dirty="0" smtClean="0"/>
-              <a:t>Depends where you are on the informatics spectrum.  Do you want to:</a:t>
-            </a:r>
-          </a:p>
-          <a:p>
-            <a:pPr lvl="1"/>
-            <a:r>
-              <a:rPr lang="en-US" dirty="0" smtClean="0"/>
-              <a:t>Build a completely novel process, a custom pipeline, develop algorithms, write software, etc.</a:t>
-            </a:r>
-          </a:p>
-          <a:p>
-            <a:pPr lvl="2"/>
-            <a:r>
-              <a:rPr lang="en-US" dirty="0" smtClean="0"/>
-              <a:t>Maximum flexibility. </a:t>
+              <a:rPr lang="en-US" dirty="0" err="1" smtClean="0"/>
+              <a:t>Hadoop</a:t>
+            </a:r>
+            <a:r>
+              <a:rPr lang="en-US" dirty="0" smtClean="0"/>
+              <a:t> </a:t>
             </a:r>
             <a:r>
               <a:rPr lang="en-US" dirty="0"/>
-              <a:t>P</a:t>
-            </a:r>
-            <a:r>
-              <a:rPr lang="en-US" dirty="0" smtClean="0"/>
-              <a:t>erformance and scalability are determined by how well you engineer it.</a:t>
-            </a:r>
-          </a:p>
-          <a:p>
-            <a:pPr lvl="1"/>
-            <a:r>
-              <a:rPr lang="en-US" dirty="0" smtClean="0"/>
-              <a:t>Build on top of someone else genome analysis platform</a:t>
-            </a:r>
-          </a:p>
-          <a:p>
-            <a:pPr lvl="2"/>
-            <a:r>
-              <a:rPr lang="en-US" dirty="0" smtClean="0"/>
-              <a:t>Don’t have to start from scratch but still have a lot of flexibility.</a:t>
-            </a:r>
-          </a:p>
-          <a:p>
-            <a:pPr lvl="2"/>
+              <a:t>is an open-source software framework for distributed storage and distributed processing of Big Data on clusters of commodity hardware. Its </a:t>
+            </a:r>
+            <a:r>
+              <a:rPr lang="en-US" dirty="0" err="1"/>
+              <a:t>Hadoop</a:t>
+            </a:r>
             <a:r>
               <a:rPr lang="en-US" dirty="0"/>
-              <a:t>e</a:t>
-            </a:r>
-            <a:r>
-              <a:rPr lang="en-US" dirty="0" smtClean="0"/>
-              <a:t>.g. GMS, </a:t>
-            </a:r>
-            <a:r>
-              <a:rPr lang="en-US" dirty="0" err="1" smtClean="0"/>
-              <a:t>Arvados</a:t>
-            </a:r>
-            <a:r>
-              <a:rPr lang="en-US" dirty="0" smtClean="0"/>
-              <a:t>, DNA Nexus, </a:t>
-            </a:r>
-            <a:r>
-              <a:rPr lang="en-US" dirty="0" err="1" smtClean="0"/>
-              <a:t>bcbio-nextgen</a:t>
+              <a:t> Distributed File System (HDFS) splits files into large blocks </a:t>
+            </a:r>
+            <a:r>
+              <a:rPr lang="en-US" dirty="0" smtClean="0"/>
+              <a:t>and </a:t>
+            </a:r>
+            <a:r>
+              <a:rPr lang="en-US" dirty="0"/>
+              <a:t>distributes the blocks amongst the nodes in the cluster. For processing the data, the </a:t>
+            </a:r>
+            <a:r>
+              <a:rPr lang="en-US" dirty="0" err="1"/>
+              <a:t>Hadoop</a:t>
+            </a:r>
+            <a:r>
+              <a:rPr lang="en-US" dirty="0"/>
+              <a:t> Map/Reduce </a:t>
+            </a:r>
+            <a:r>
+              <a:rPr lang="en-US" dirty="0" smtClean="0"/>
+              <a:t>moves code (software) </a:t>
+            </a:r>
+            <a:r>
+              <a:rPr lang="en-US" dirty="0"/>
+              <a:t>to the nodes that have the required data, and the nodes then process the data in parallel. This approach takes advantage of data locality</a:t>
             </a:r>
             <a:r>
               <a:rPr lang="en-US" dirty="0" smtClean="0"/>
               <a:t>, </a:t>
             </a:r>
             <a:r>
-              <a:rPr lang="en-US" dirty="0" err="1" smtClean="0"/>
-              <a:t>Gkno</a:t>
-            </a:r>
-            <a:r>
-              <a:rPr lang="en-US" dirty="0" smtClean="0"/>
-              <a:t>, etc.</a:t>
-            </a:r>
-          </a:p>
-          <a:p>
-            <a:pPr lvl="1"/>
-            <a:r>
-              <a:rPr lang="en-US" dirty="0" smtClean="0"/>
-              <a:t>Upload data in web browser, use graphical user interface</a:t>
-            </a:r>
-          </a:p>
-          <a:p>
-            <a:pPr lvl="2"/>
-            <a:r>
-              <a:rPr lang="en-US" dirty="0" smtClean="0"/>
-              <a:t>Sacrifices flexibility for ease of use</a:t>
-            </a:r>
-          </a:p>
-          <a:p>
-            <a:pPr lvl="2"/>
-            <a:r>
-              <a:rPr lang="en-US" dirty="0" smtClean="0"/>
-              <a:t>Galaxy, </a:t>
-            </a:r>
-            <a:r>
-              <a:rPr lang="en-US" dirty="0" err="1" smtClean="0"/>
-              <a:t>Illumina</a:t>
-            </a:r>
-            <a:r>
-              <a:rPr lang="en-US" dirty="0" smtClean="0"/>
-              <a:t> </a:t>
-            </a:r>
-            <a:r>
-              <a:rPr lang="en-US" dirty="0" err="1" smtClean="0"/>
-              <a:t>BaseSpace</a:t>
-            </a:r>
-            <a:endParaRPr lang="en-US" dirty="0" smtClean="0"/>
-          </a:p>
-          <a:p>
-            <a:pPr lvl="1"/>
-            <a:r>
-              <a:rPr lang="en-US" dirty="0" smtClean="0"/>
-              <a:t>Have someone do the analysis for you and give you the results</a:t>
-            </a:r>
-            <a:endParaRPr lang="en-US" dirty="0"/>
+              <a:rPr lang="en-US" dirty="0"/>
+              <a:t>in contrast to conventional HPC architecture which usually relies on a parallel file system (compute and data separated, but connected with high-speed networking).</a:t>
+            </a:r>
           </a:p>
         </p:txBody>
       </p:sp>
     </p:spTree>
     <p:extLst>
       <p:ext uri="{BB962C8B-B14F-4D97-AF65-F5344CB8AC3E}">
-        <p14:creationId xmlns:p14="http://schemas.microsoft.com/office/powerpoint/2010/main" val="4114406293"/>
+        <p14:creationId xmlns:p14="http://schemas.microsoft.com/office/powerpoint/2010/main" val="556063407"/>
       </p:ext>
     </p:extLst>
   </p:cSld>
@@ -5140,7 +5185,7 @@
           <a:p>
             <a:r>
               <a:rPr lang="en-US" dirty="0" smtClean="0"/>
-              <a:t>Companies whose platforms amount to bioinformatics for hire…</a:t>
+              <a:t>Examples</a:t>
             </a:r>
             <a:endParaRPr lang="en-US" dirty="0"/>
           </a:p>
@@ -5156,14 +5201,123 @@
             <p:ph idx="1"/>
           </p:nvPr>
         </p:nvSpPr>
-        <p:spPr/>
+        <p:spPr>
+          <a:xfrm>
+            <a:off x="152400" y="1124744"/>
+            <a:ext cx="8839200" cy="5199856"/>
+          </a:xfrm>
+        </p:spPr>
         <p:txBody>
-          <a:bodyPr/>
+          <a:bodyPr>
+            <a:normAutofit fontScale="92500" lnSpcReduction="20000"/>
+          </a:bodyPr>
           <a:lstStyle/>
           <a:p>
             <a:r>
+              <a:rPr lang="en-US" b="1" dirty="0" smtClean="0"/>
+              <a:t>Assuming you have some NGS data, how should you analyze it?</a:t>
+            </a:r>
+          </a:p>
+          <a:p>
+            <a:r>
+              <a:rPr lang="en-US" dirty="0" smtClean="0"/>
+              <a:t>Depends where you are on the informatics spectrum.  Do you want to:</a:t>
+            </a:r>
+          </a:p>
+          <a:p>
+            <a:pPr lvl="1"/>
+            <a:r>
+              <a:rPr lang="en-US" dirty="0" smtClean="0"/>
+              <a:t>Build a completely novel process, a custom pipeline, develop algorithms, write software, etc.</a:t>
+            </a:r>
+          </a:p>
+          <a:p>
+            <a:pPr lvl="2"/>
+            <a:r>
+              <a:rPr lang="en-US" dirty="0" smtClean="0"/>
+              <a:t>Maximum flexibility. </a:t>
+            </a:r>
+            <a:r>
+              <a:rPr lang="en-US" dirty="0"/>
+              <a:t>P</a:t>
+            </a:r>
+            <a:r>
+              <a:rPr lang="en-US" dirty="0" smtClean="0"/>
+              <a:t>erformance and scalability are determined by how well you engineer it.</a:t>
+            </a:r>
+          </a:p>
+          <a:p>
+            <a:pPr lvl="1"/>
+            <a:r>
+              <a:rPr lang="en-US" dirty="0" smtClean="0"/>
+              <a:t>Build on top of someone else genome analysis platform</a:t>
+            </a:r>
+          </a:p>
+          <a:p>
+            <a:pPr lvl="2"/>
+            <a:r>
+              <a:rPr lang="en-US" dirty="0" smtClean="0"/>
+              <a:t>Don’t have to start from scratch but still have a lot of flexibility.</a:t>
+            </a:r>
+          </a:p>
+          <a:p>
+            <a:pPr lvl="2"/>
+            <a:r>
+              <a:rPr lang="en-US" dirty="0"/>
+              <a:t>e</a:t>
+            </a:r>
+            <a:r>
+              <a:rPr lang="en-US" dirty="0" smtClean="0"/>
+              <a:t>.g. GMS, </a:t>
+            </a:r>
+            <a:r>
               <a:rPr lang="en-US" dirty="0" err="1" smtClean="0"/>
-              <a:t>Appistry's</a:t>
+              <a:t>Arvados</a:t>
+            </a:r>
+            <a:r>
+              <a:rPr lang="en-US" dirty="0" smtClean="0"/>
+              <a:t>, DNA Nexus, </a:t>
+            </a:r>
+            <a:r>
+              <a:rPr lang="en-US" dirty="0" err="1" smtClean="0"/>
+              <a:t>bcbio-nextgen</a:t>
+            </a:r>
+            <a:r>
+              <a:rPr lang="en-US" dirty="0" smtClean="0"/>
+              <a:t>, </a:t>
+            </a:r>
+            <a:r>
+              <a:rPr lang="en-US" dirty="0" err="1" smtClean="0"/>
+              <a:t>Gkno</a:t>
+            </a:r>
+            <a:r>
+              <a:rPr lang="en-US" dirty="0" smtClean="0"/>
+              <a:t>, etc.</a:t>
+            </a:r>
+          </a:p>
+          <a:p>
+            <a:pPr lvl="1"/>
+            <a:r>
+              <a:rPr lang="en-US" dirty="0" smtClean="0"/>
+              <a:t>Upload data in web browser, use graphical user interface</a:t>
+            </a:r>
+          </a:p>
+          <a:p>
+            <a:pPr lvl="2"/>
+            <a:r>
+              <a:rPr lang="en-US" dirty="0" smtClean="0"/>
+              <a:t>Sacrifices flexibility for ease of use</a:t>
+            </a:r>
+          </a:p>
+          <a:p>
+            <a:pPr lvl="2"/>
+            <a:r>
+              <a:rPr lang="en-US" dirty="0" smtClean="0"/>
+              <a:t>Galaxy, </a:t>
+            </a:r>
+            <a:r>
+              <a:rPr lang="en-US" dirty="0" err="1" smtClean="0"/>
+              <a:t>Illumina</a:t>
             </a:r>
             <a:r>
               <a:rPr lang="en-US" dirty="0" smtClean="0"/>
@@ -5171,73 +5325,16 @@
             </a:r>
             <a:r>
               <a:rPr lang="en-US" dirty="0" err="1" smtClean="0"/>
-              <a:t>Ayrris</a:t>
+              <a:t>BaseSpace</a:t>
             </a:r>
             <a:endParaRPr lang="en-US" dirty="0" smtClean="0"/>
           </a:p>
           <a:p>
-            <a:r>
-              <a:rPr lang="en-US" dirty="0" smtClean="0"/>
-              <a:t>Seven </a:t>
-            </a:r>
-            <a:r>
-              <a:rPr lang="en-US" dirty="0"/>
-              <a:t>Bridges </a:t>
-            </a:r>
-            <a:r>
-              <a:rPr lang="en-US" dirty="0" smtClean="0"/>
-              <a:t>Genomics</a:t>
-            </a:r>
-          </a:p>
-          <a:p>
-            <a:r>
-              <a:rPr lang="en-US" dirty="0" err="1" smtClean="0"/>
-              <a:t>GenomOncology</a:t>
-            </a:r>
-            <a:endParaRPr lang="en-US" dirty="0"/>
-          </a:p>
-          <a:p>
-            <a:r>
-              <a:rPr lang="en-US" dirty="0" smtClean="0"/>
-              <a:t>IBM's </a:t>
-            </a:r>
-            <a:r>
-              <a:rPr lang="en-US" dirty="0" err="1"/>
-              <a:t>PowerGene</a:t>
-            </a:r>
-            <a:r>
-              <a:rPr lang="en-US" dirty="0"/>
-              <a:t> </a:t>
-            </a:r>
-            <a:r>
-              <a:rPr lang="en-US" dirty="0" smtClean="0"/>
-              <a:t>Orchestrator</a:t>
-            </a:r>
-          </a:p>
-          <a:p>
-            <a:r>
-              <a:rPr lang="en-US" dirty="0"/>
-              <a:t>BINA Genomic Analysis System</a:t>
-            </a:r>
-          </a:p>
-          <a:p>
             <a:pPr lvl="1"/>
             <a:r>
               <a:rPr lang="en-US" dirty="0" smtClean="0"/>
-              <a:t>Sort of.  They provide a pre-configured hardware + software solution, help you install it and connect it to your in house data production</a:t>
-            </a:r>
-          </a:p>
-          <a:p>
-            <a:r>
-              <a:rPr lang="en-US" dirty="0" smtClean="0"/>
-              <a:t>Etc</a:t>
-            </a:r>
-            <a:r>
-              <a:rPr lang="en-US" dirty="0"/>
-              <a:t>.</a:t>
-            </a:r>
-          </a:p>
-          <a:p>
+              <a:t>Have someone do the analysis for you and give you the results</a:t>
+            </a:r>
             <a:endParaRPr lang="en-US" dirty="0"/>
           </a:p>
         </p:txBody>
@@ -5245,7 +5342,7 @@
     </p:spTree>
     <p:extLst>
       <p:ext uri="{BB962C8B-B14F-4D97-AF65-F5344CB8AC3E}">
-        <p14:creationId xmlns:p14="http://schemas.microsoft.com/office/powerpoint/2010/main" val="771570592"/>
+        <p14:creationId xmlns:p14="http://schemas.microsoft.com/office/powerpoint/2010/main" val="4114406293"/>
       </p:ext>
     </p:extLst>
   </p:cSld>
@@ -5284,6 +5381,160 @@
         </p:nvSpPr>
         <p:spPr>
           <a:xfrm>
+            <a:off x="152400" y="-27384"/>
+            <a:ext cx="8839200" cy="1143000"/>
+          </a:xfrm>
+        </p:spPr>
+        <p:txBody>
+          <a:bodyPr/>
+          <a:lstStyle/>
+          <a:p>
+            <a:r>
+              <a:rPr lang="en-US" dirty="0" smtClean="0"/>
+              <a:t>Companies whose platforms amount to bioinformatics for hire…</a:t>
+            </a:r>
+            <a:endParaRPr lang="en-US" dirty="0"/>
+          </a:p>
+        </p:txBody>
+      </p:sp>
+      <p:sp>
+        <p:nvSpPr>
+          <p:cNvPr id="3" name="Content Placeholder 2"/>
+          <p:cNvSpPr>
+            <a:spLocks noGrp="1"/>
+          </p:cNvSpPr>
+          <p:nvPr>
+            <p:ph idx="1"/>
+          </p:nvPr>
+        </p:nvSpPr>
+        <p:spPr/>
+        <p:txBody>
+          <a:bodyPr/>
+          <a:lstStyle/>
+          <a:p>
+            <a:r>
+              <a:rPr lang="en-US" dirty="0" err="1" smtClean="0"/>
+              <a:t>Appistry's</a:t>
+            </a:r>
+            <a:r>
+              <a:rPr lang="en-US" dirty="0" smtClean="0"/>
+              <a:t> </a:t>
+            </a:r>
+            <a:r>
+              <a:rPr lang="en-US" dirty="0" err="1" smtClean="0"/>
+              <a:t>Ayrris</a:t>
+            </a:r>
+            <a:endParaRPr lang="en-US" dirty="0" smtClean="0"/>
+          </a:p>
+          <a:p>
+            <a:r>
+              <a:rPr lang="en-US" dirty="0" smtClean="0"/>
+              <a:t>Seven </a:t>
+            </a:r>
+            <a:r>
+              <a:rPr lang="en-US" dirty="0"/>
+              <a:t>Bridges </a:t>
+            </a:r>
+            <a:r>
+              <a:rPr lang="en-US" dirty="0" smtClean="0"/>
+              <a:t>Genomics</a:t>
+            </a:r>
+          </a:p>
+          <a:p>
+            <a:r>
+              <a:rPr lang="en-US" dirty="0" err="1" smtClean="0"/>
+              <a:t>GenomOncology</a:t>
+            </a:r>
+            <a:endParaRPr lang="en-US" dirty="0"/>
+          </a:p>
+          <a:p>
+            <a:r>
+              <a:rPr lang="en-US" dirty="0" smtClean="0"/>
+              <a:t>IBM's </a:t>
+            </a:r>
+            <a:r>
+              <a:rPr lang="en-US" dirty="0" err="1"/>
+              <a:t>PowerGene</a:t>
+            </a:r>
+            <a:r>
+              <a:rPr lang="en-US" dirty="0"/>
+              <a:t> </a:t>
+            </a:r>
+            <a:r>
+              <a:rPr lang="en-US" dirty="0" smtClean="0"/>
+              <a:t>Orchestrator</a:t>
+            </a:r>
+          </a:p>
+          <a:p>
+            <a:r>
+              <a:rPr lang="en-US" dirty="0"/>
+              <a:t>BINA Genomic Analysis System</a:t>
+            </a:r>
+          </a:p>
+          <a:p>
+            <a:pPr lvl="1"/>
+            <a:r>
+              <a:rPr lang="en-US" dirty="0" smtClean="0"/>
+              <a:t>Sort of.  They provide a pre-configured hardware + software solution, help you install it and connect it to your in house data production</a:t>
+            </a:r>
+          </a:p>
+          <a:p>
+            <a:r>
+              <a:rPr lang="en-US" dirty="0" smtClean="0"/>
+              <a:t>Etc</a:t>
+            </a:r>
+            <a:r>
+              <a:rPr lang="en-US" dirty="0"/>
+              <a:t>.</a:t>
+            </a:r>
+          </a:p>
+          <a:p>
+            <a:endParaRPr lang="en-US" dirty="0"/>
+          </a:p>
+        </p:txBody>
+      </p:sp>
+    </p:spTree>
+    <p:extLst>
+      <p:ext uri="{BB962C8B-B14F-4D97-AF65-F5344CB8AC3E}">
+        <p14:creationId xmlns:p14="http://schemas.microsoft.com/office/powerpoint/2010/main" val="771570592"/>
+      </p:ext>
+    </p:extLst>
+  </p:cSld>
+  <p:clrMapOvr>
+    <a:masterClrMapping/>
+  </p:clrMapOvr>
+</p:sld>
+</file>
+
+<file path=ppt/slides/slide15.xml><?xml version="1.0" encoding="utf-8"?>
+<p:sld xmlns:a="http://schemas.openxmlformats.org/drawingml/2006/main" xmlns:r="http://schemas.openxmlformats.org/officeDocument/2006/relationships" xmlns:p="http://schemas.openxmlformats.org/presentationml/2006/main">
+  <p:cSld>
+    <p:spTree>
+      <p:nvGrpSpPr>
+        <p:cNvPr id="1" name=""/>
+        <p:cNvGrpSpPr/>
+        <p:nvPr/>
+      </p:nvGrpSpPr>
+      <p:grpSpPr>
+        <a:xfrm>
+          <a:off x="0" y="0"/>
+          <a:ext cx="0" cy="0"/>
+          <a:chOff x="0" y="0"/>
+          <a:chExt cx="0" cy="0"/>
+        </a:xfrm>
+      </p:grpSpPr>
+      <p:sp>
+        <p:nvSpPr>
+          <p:cNvPr id="2" name="Title 1"/>
+          <p:cNvSpPr>
+            <a:spLocks noGrp="1"/>
+          </p:cNvSpPr>
+          <p:nvPr>
+            <p:ph type="title"/>
+          </p:nvPr>
+        </p:nvSpPr>
+        <p:spPr>
+          <a:xfrm>
             <a:off x="152400" y="44624"/>
             <a:ext cx="8839200" cy="1143000"/>
           </a:xfrm>
@@ -5391,7 +5642,7 @@
 </p:sld>
 </file>
 
-<file path=ppt/slides/slide15.xml><?xml version="1.0" encoding="utf-8"?>
+<file path=ppt/slides/slide16.xml><?xml version="1.0" encoding="utf-8"?>
 <p:sld xmlns:a="http://schemas.openxmlformats.org/drawingml/2006/main" xmlns:r="http://schemas.openxmlformats.org/officeDocument/2006/relationships" xmlns:p="http://schemas.openxmlformats.org/presentationml/2006/main">
   <p:cSld>
     <p:spTree>
@@ -5553,7 +5804,7 @@
 </p:sld>
 </file>
 
-<file path=ppt/slides/slide16.xml><?xml version="1.0" encoding="utf-8"?>
+<file path=ppt/slides/slide17.xml><?xml version="1.0" encoding="utf-8"?>
 <p:sld xmlns:a="http://schemas.openxmlformats.org/drawingml/2006/main" xmlns:r="http://schemas.openxmlformats.org/officeDocument/2006/relationships" xmlns:p="http://schemas.openxmlformats.org/presentationml/2006/main">
   <p:cSld>
     <p:spTree>
@@ -5703,246 +5954,6 @@
 </p:sld>
 </file>
 
-<file path=ppt/slides/slide17.xml><?xml version="1.0" encoding="utf-8"?>
-<p:sld xmlns:a="http://schemas.openxmlformats.org/drawingml/2006/main" xmlns:r="http://schemas.openxmlformats.org/officeDocument/2006/relationships" xmlns:p="http://schemas.openxmlformats.org/presentationml/2006/main">
-  <p:cSld>
-    <p:spTree>
-      <p:nvGrpSpPr>
-        <p:cNvPr id="1" name=""/>
-        <p:cNvGrpSpPr/>
-        <p:nvPr/>
-      </p:nvGrpSpPr>
-      <p:grpSpPr>
-        <a:xfrm>
-          <a:off x="0" y="0"/>
-          <a:ext cx="0" cy="0"/>
-          <a:chOff x="0" y="0"/>
-          <a:chExt cx="0" cy="0"/>
-        </a:xfrm>
-      </p:grpSpPr>
-      <p:sp>
-        <p:nvSpPr>
-          <p:cNvPr id="2" name="Title 1"/>
-          <p:cNvSpPr>
-            <a:spLocks noGrp="1"/>
-          </p:cNvSpPr>
-          <p:nvPr>
-            <p:ph type="title"/>
-          </p:nvPr>
-        </p:nvSpPr>
-        <p:spPr>
-          <a:xfrm>
-            <a:off x="152400" y="116632"/>
-            <a:ext cx="8839200" cy="1143000"/>
-          </a:xfrm>
-        </p:spPr>
-        <p:txBody>
-          <a:bodyPr/>
-          <a:lstStyle/>
-          <a:p>
-            <a:r>
-              <a:rPr lang="en-US" dirty="0" smtClean="0"/>
-              <a:t>Other pipeline development platforms to build on top of</a:t>
-            </a:r>
-            <a:endParaRPr lang="en-US" dirty="0"/>
-          </a:p>
-        </p:txBody>
-      </p:sp>
-      <p:sp>
-        <p:nvSpPr>
-          <p:cNvPr id="3" name="Content Placeholder 2"/>
-          <p:cNvSpPr>
-            <a:spLocks noGrp="1"/>
-          </p:cNvSpPr>
-          <p:nvPr>
-            <p:ph idx="1"/>
-          </p:nvPr>
-        </p:nvSpPr>
-        <p:spPr/>
-        <p:txBody>
-          <a:bodyPr>
-            <a:normAutofit fontScale="92500" lnSpcReduction="20000"/>
-          </a:bodyPr>
-          <a:lstStyle/>
-          <a:p>
-            <a:r>
-              <a:rPr lang="en-US" dirty="0" err="1" smtClean="0"/>
-              <a:t>Gkno</a:t>
-            </a:r>
-            <a:endParaRPr lang="en-US" dirty="0"/>
-          </a:p>
-          <a:p>
-            <a:pPr lvl="1"/>
-            <a:r>
-              <a:rPr lang="en-US" dirty="0" smtClean="0">
-                <a:hlinkClick r:id="rId2"/>
-              </a:rPr>
-              <a:t>http</a:t>
-            </a:r>
-            <a:r>
-              <a:rPr lang="en-US" dirty="0">
-                <a:hlinkClick r:id="rId2"/>
-              </a:rPr>
-              <a:t>://gkno.me</a:t>
-            </a:r>
-            <a:r>
-              <a:rPr lang="en-US" dirty="0" smtClean="0">
-                <a:hlinkClick r:id="rId2"/>
-              </a:rPr>
-              <a:t>/</a:t>
-            </a:r>
-            <a:r>
-              <a:rPr lang="en-US" dirty="0" smtClean="0"/>
-              <a:t> </a:t>
-            </a:r>
-          </a:p>
-          <a:p>
-            <a:r>
-              <a:rPr lang="en-US" dirty="0" smtClean="0"/>
-              <a:t>Genome Modeling System (GMS)</a:t>
-            </a:r>
-          </a:p>
-          <a:p>
-            <a:pPr lvl="1"/>
-            <a:r>
-              <a:rPr lang="en-US" dirty="0">
-                <a:hlinkClick r:id="rId3"/>
-              </a:rPr>
-              <a:t>https://github.com/genome/</a:t>
-            </a:r>
-            <a:r>
-              <a:rPr lang="en-US" dirty="0" smtClean="0">
-                <a:hlinkClick r:id="rId3"/>
-              </a:rPr>
-              <a:t>gms</a:t>
-            </a:r>
-            <a:r>
-              <a:rPr lang="en-US" dirty="0" smtClean="0"/>
-              <a:t> </a:t>
-            </a:r>
-          </a:p>
-          <a:p>
-            <a:r>
-              <a:rPr lang="en-US" dirty="0" err="1" smtClean="0"/>
-              <a:t>Arvados</a:t>
-            </a:r>
-            <a:endParaRPr lang="en-US" dirty="0" smtClean="0"/>
-          </a:p>
-          <a:p>
-            <a:pPr lvl="1"/>
-            <a:r>
-              <a:rPr lang="en-US" dirty="0">
-                <a:hlinkClick r:id="rId4"/>
-              </a:rPr>
-              <a:t>https://arvados.org</a:t>
-            </a:r>
-            <a:r>
-              <a:rPr lang="en-US" dirty="0" smtClean="0">
-                <a:hlinkClick r:id="rId4"/>
-              </a:rPr>
-              <a:t>/</a:t>
-            </a:r>
-            <a:r>
-              <a:rPr lang="en-US" dirty="0" smtClean="0"/>
-              <a:t> </a:t>
-            </a:r>
-          </a:p>
-          <a:p>
-            <a:r>
-              <a:rPr lang="en-US" dirty="0" err="1" smtClean="0"/>
-              <a:t>Bcbio-nextgen</a:t>
-            </a:r>
-            <a:endParaRPr lang="en-US" dirty="0" smtClean="0"/>
-          </a:p>
-          <a:p>
-            <a:pPr lvl="1"/>
-            <a:r>
-              <a:rPr lang="en-US" dirty="0">
-                <a:hlinkClick r:id="rId5"/>
-              </a:rPr>
-              <a:t>https://bcbio-nextgen.readthedocs.org/en/latest</a:t>
-            </a:r>
-            <a:r>
-              <a:rPr lang="en-US" dirty="0" smtClean="0">
-                <a:hlinkClick r:id="rId5"/>
-              </a:rPr>
-              <a:t>/</a:t>
-            </a:r>
-            <a:endParaRPr lang="en-US" dirty="0" smtClean="0"/>
-          </a:p>
-          <a:p>
-            <a:r>
-              <a:rPr lang="en-US" dirty="0" err="1" smtClean="0"/>
-              <a:t>OmicsPipe</a:t>
-            </a:r>
-            <a:endParaRPr lang="en-US" dirty="0" smtClean="0"/>
-          </a:p>
-          <a:p>
-            <a:pPr lvl="1"/>
-            <a:r>
-              <a:rPr lang="en-US" dirty="0">
-                <a:hlinkClick r:id="rId6"/>
-              </a:rPr>
-              <a:t>http://sulab.org/tools/omics-pipe</a:t>
-            </a:r>
-            <a:r>
-              <a:rPr lang="en-US" dirty="0" smtClean="0">
-                <a:hlinkClick r:id="rId6"/>
-              </a:rPr>
-              <a:t>/</a:t>
-            </a:r>
-            <a:r>
-              <a:rPr lang="en-US" dirty="0" smtClean="0"/>
-              <a:t> </a:t>
-            </a:r>
-          </a:p>
-          <a:p>
-            <a:r>
-              <a:rPr lang="en-US" dirty="0" smtClean="0"/>
-              <a:t>NGSANE</a:t>
-            </a:r>
-          </a:p>
-          <a:p>
-            <a:pPr lvl="1"/>
-            <a:r>
-              <a:rPr lang="en-US" dirty="0" smtClean="0">
-                <a:hlinkClick r:id="rId7"/>
-              </a:rPr>
-              <a:t>https</a:t>
-            </a:r>
-            <a:r>
-              <a:rPr lang="en-US" dirty="0">
-                <a:hlinkClick r:id="rId7"/>
-              </a:rPr>
-              <a:t>://github.com/BauerLab/</a:t>
-            </a:r>
-            <a:r>
-              <a:rPr lang="en-US" dirty="0" smtClean="0">
-                <a:hlinkClick r:id="rId7"/>
-              </a:rPr>
-              <a:t>ngsane</a:t>
-            </a:r>
-            <a:r>
-              <a:rPr lang="en-US" dirty="0" smtClean="0"/>
-              <a:t> </a:t>
-            </a:r>
-            <a:endParaRPr lang="en-US" dirty="0"/>
-          </a:p>
-        </p:txBody>
-      </p:sp>
-    </p:spTree>
-    <p:extLst>
-      <p:ext uri="{BB962C8B-B14F-4D97-AF65-F5344CB8AC3E}">
-        <p14:creationId xmlns:p14="http://schemas.microsoft.com/office/powerpoint/2010/main" val="1741559232"/>
-      </p:ext>
-    </p:extLst>
-  </p:cSld>
-  <p:clrMapOvr>
-    <a:masterClrMapping/>
-  </p:clrMapOvr>
-</p:sld>
-</file>
-
 <file path=ppt/slides/slide18.xml><?xml version="1.0" encoding="utf-8"?>
 <p:sld xmlns:a="http://schemas.openxmlformats.org/drawingml/2006/main" xmlns:r="http://schemas.openxmlformats.org/officeDocument/2006/relationships" xmlns:p="http://schemas.openxmlformats.org/presentationml/2006/main">
   <p:cSld>
@@ -5970,6 +5981,246 @@
             <p:ph type="title"/>
           </p:nvPr>
         </p:nvSpPr>
+        <p:spPr>
+          <a:xfrm>
+            <a:off x="152400" y="116632"/>
+            <a:ext cx="8839200" cy="1143000"/>
+          </a:xfrm>
+        </p:spPr>
+        <p:txBody>
+          <a:bodyPr/>
+          <a:lstStyle/>
+          <a:p>
+            <a:r>
+              <a:rPr lang="en-US" dirty="0" smtClean="0"/>
+              <a:t>Other pipeline development platforms to build on top of</a:t>
+            </a:r>
+            <a:endParaRPr lang="en-US" dirty="0"/>
+          </a:p>
+        </p:txBody>
+      </p:sp>
+      <p:sp>
+        <p:nvSpPr>
+          <p:cNvPr id="3" name="Content Placeholder 2"/>
+          <p:cNvSpPr>
+            <a:spLocks noGrp="1"/>
+          </p:cNvSpPr>
+          <p:nvPr>
+            <p:ph idx="1"/>
+          </p:nvPr>
+        </p:nvSpPr>
+        <p:spPr/>
+        <p:txBody>
+          <a:bodyPr>
+            <a:normAutofit fontScale="92500" lnSpcReduction="20000"/>
+          </a:bodyPr>
+          <a:lstStyle/>
+          <a:p>
+            <a:r>
+              <a:rPr lang="en-US" dirty="0" err="1" smtClean="0"/>
+              <a:t>Gkno</a:t>
+            </a:r>
+            <a:endParaRPr lang="en-US" dirty="0"/>
+          </a:p>
+          <a:p>
+            <a:pPr lvl="1"/>
+            <a:r>
+              <a:rPr lang="en-US" dirty="0" smtClean="0">
+                <a:hlinkClick r:id="rId2"/>
+              </a:rPr>
+              <a:t>http</a:t>
+            </a:r>
+            <a:r>
+              <a:rPr lang="en-US" dirty="0">
+                <a:hlinkClick r:id="rId2"/>
+              </a:rPr>
+              <a:t>://gkno.me</a:t>
+            </a:r>
+            <a:r>
+              <a:rPr lang="en-US" dirty="0" smtClean="0">
+                <a:hlinkClick r:id="rId2"/>
+              </a:rPr>
+              <a:t>/</a:t>
+            </a:r>
+            <a:r>
+              <a:rPr lang="en-US" dirty="0" smtClean="0"/>
+              <a:t> </a:t>
+            </a:r>
+          </a:p>
+          <a:p>
+            <a:r>
+              <a:rPr lang="en-US" dirty="0" smtClean="0"/>
+              <a:t>Genome Modeling System (GMS)</a:t>
+            </a:r>
+          </a:p>
+          <a:p>
+            <a:pPr lvl="1"/>
+            <a:r>
+              <a:rPr lang="en-US" dirty="0">
+                <a:hlinkClick r:id="rId3"/>
+              </a:rPr>
+              <a:t>https://github.com/genome/</a:t>
+            </a:r>
+            <a:r>
+              <a:rPr lang="en-US" dirty="0" smtClean="0">
+                <a:hlinkClick r:id="rId3"/>
+              </a:rPr>
+              <a:t>gms</a:t>
+            </a:r>
+            <a:r>
+              <a:rPr lang="en-US" dirty="0" smtClean="0"/>
+              <a:t> </a:t>
+            </a:r>
+          </a:p>
+          <a:p>
+            <a:r>
+              <a:rPr lang="en-US" dirty="0" err="1" smtClean="0"/>
+              <a:t>Arvados</a:t>
+            </a:r>
+            <a:endParaRPr lang="en-US" dirty="0" smtClean="0"/>
+          </a:p>
+          <a:p>
+            <a:pPr lvl="1"/>
+            <a:r>
+              <a:rPr lang="en-US" dirty="0">
+                <a:hlinkClick r:id="rId4"/>
+              </a:rPr>
+              <a:t>https://arvados.org</a:t>
+            </a:r>
+            <a:r>
+              <a:rPr lang="en-US" dirty="0" smtClean="0">
+                <a:hlinkClick r:id="rId4"/>
+              </a:rPr>
+              <a:t>/</a:t>
+            </a:r>
+            <a:r>
+              <a:rPr lang="en-US" dirty="0" smtClean="0"/>
+              <a:t> </a:t>
+            </a:r>
+          </a:p>
+          <a:p>
+            <a:r>
+              <a:rPr lang="en-US" dirty="0" err="1" smtClean="0"/>
+              <a:t>Bcbio-nextgen</a:t>
+            </a:r>
+            <a:endParaRPr lang="en-US" dirty="0" smtClean="0"/>
+          </a:p>
+          <a:p>
+            <a:pPr lvl="1"/>
+            <a:r>
+              <a:rPr lang="en-US" dirty="0">
+                <a:hlinkClick r:id="rId5"/>
+              </a:rPr>
+              <a:t>https://bcbio-nextgen.readthedocs.org/en/latest</a:t>
+            </a:r>
+            <a:r>
+              <a:rPr lang="en-US" dirty="0" smtClean="0">
+                <a:hlinkClick r:id="rId5"/>
+              </a:rPr>
+              <a:t>/</a:t>
+            </a:r>
+            <a:endParaRPr lang="en-US" dirty="0" smtClean="0"/>
+          </a:p>
+          <a:p>
+            <a:r>
+              <a:rPr lang="en-US" dirty="0" err="1" smtClean="0"/>
+              <a:t>OmicsPipe</a:t>
+            </a:r>
+            <a:endParaRPr lang="en-US" dirty="0" smtClean="0"/>
+          </a:p>
+          <a:p>
+            <a:pPr lvl="1"/>
+            <a:r>
+              <a:rPr lang="en-US" dirty="0">
+                <a:hlinkClick r:id="rId6"/>
+              </a:rPr>
+              <a:t>http://sulab.org/tools/omics-pipe</a:t>
+            </a:r>
+            <a:r>
+              <a:rPr lang="en-US" dirty="0" smtClean="0">
+                <a:hlinkClick r:id="rId6"/>
+              </a:rPr>
+              <a:t>/</a:t>
+            </a:r>
+            <a:r>
+              <a:rPr lang="en-US" dirty="0" smtClean="0"/>
+              <a:t> </a:t>
+            </a:r>
+          </a:p>
+          <a:p>
+            <a:r>
+              <a:rPr lang="en-US" dirty="0" smtClean="0"/>
+              <a:t>NGSANE</a:t>
+            </a:r>
+          </a:p>
+          <a:p>
+            <a:pPr lvl="1"/>
+            <a:r>
+              <a:rPr lang="en-US" dirty="0" smtClean="0">
+                <a:hlinkClick r:id="rId7"/>
+              </a:rPr>
+              <a:t>https</a:t>
+            </a:r>
+            <a:r>
+              <a:rPr lang="en-US" dirty="0">
+                <a:hlinkClick r:id="rId7"/>
+              </a:rPr>
+              <a:t>://github.com/BauerLab/</a:t>
+            </a:r>
+            <a:r>
+              <a:rPr lang="en-US" dirty="0" smtClean="0">
+                <a:hlinkClick r:id="rId7"/>
+              </a:rPr>
+              <a:t>ngsane</a:t>
+            </a:r>
+            <a:r>
+              <a:rPr lang="en-US" dirty="0" smtClean="0"/>
+              <a:t> </a:t>
+            </a:r>
+            <a:endParaRPr lang="en-US" dirty="0"/>
+          </a:p>
+        </p:txBody>
+      </p:sp>
+    </p:spTree>
+    <p:extLst>
+      <p:ext uri="{BB962C8B-B14F-4D97-AF65-F5344CB8AC3E}">
+        <p14:creationId xmlns:p14="http://schemas.microsoft.com/office/powerpoint/2010/main" val="1741559232"/>
+      </p:ext>
+    </p:extLst>
+  </p:cSld>
+  <p:clrMapOvr>
+    <a:masterClrMapping/>
+  </p:clrMapOvr>
+</p:sld>
+</file>
+
+<file path=ppt/slides/slide19.xml><?xml version="1.0" encoding="utf-8"?>
+<p:sld xmlns:a="http://schemas.openxmlformats.org/drawingml/2006/main" xmlns:r="http://schemas.openxmlformats.org/officeDocument/2006/relationships" xmlns:p="http://schemas.openxmlformats.org/presentationml/2006/main">
+  <p:cSld>
+    <p:spTree>
+      <p:nvGrpSpPr>
+        <p:cNvPr id="1" name=""/>
+        <p:cNvGrpSpPr/>
+        <p:nvPr/>
+      </p:nvGrpSpPr>
+      <p:grpSpPr>
+        <a:xfrm>
+          <a:off x="0" y="0"/>
+          <a:ext cx="0" cy="0"/>
+          <a:chOff x="0" y="0"/>
+          <a:chExt cx="0" cy="0"/>
+        </a:xfrm>
+      </p:grpSpPr>
+      <p:sp>
+        <p:nvSpPr>
+          <p:cNvPr id="2" name="Title 1"/>
+          <p:cNvSpPr>
+            <a:spLocks noGrp="1"/>
+          </p:cNvSpPr>
+          <p:nvPr>
+            <p:ph type="title"/>
+          </p:nvPr>
+        </p:nvSpPr>
         <p:spPr/>
         <p:txBody>
           <a:bodyPr/>
@@ -6135,6 +6386,696 @@
 </file>
 
 <file path=ppt/slides/slide2.xml><?xml version="1.0" encoding="utf-8"?>
+<p:sld xmlns:a="http://schemas.openxmlformats.org/drawingml/2006/main" xmlns:r="http://schemas.openxmlformats.org/officeDocument/2006/relationships" xmlns:p="http://schemas.openxmlformats.org/presentationml/2006/main">
+  <p:cSld>
+    <p:spTree>
+      <p:nvGrpSpPr>
+        <p:cNvPr id="1" name=""/>
+        <p:cNvGrpSpPr/>
+        <p:nvPr/>
+      </p:nvGrpSpPr>
+      <p:grpSpPr>
+        <a:xfrm>
+          <a:off x="0" y="0"/>
+          <a:ext cx="0" cy="0"/>
+          <a:chOff x="0" y="0"/>
+          <a:chExt cx="0" cy="0"/>
+        </a:xfrm>
+      </p:grpSpPr>
+      <p:sp>
+        <p:nvSpPr>
+          <p:cNvPr id="10241" name="Slide Number Placeholder 1"/>
+          <p:cNvSpPr txBox="1">
+            <a:spLocks noGrp="1"/>
+          </p:cNvSpPr>
+          <p:nvPr/>
+        </p:nvSpPr>
+        <p:spPr bwMode="auto">
+          <a:xfrm>
+            <a:off x="6553200" y="6248400"/>
+            <a:ext cx="1905000" cy="457200"/>
+          </a:xfrm>
+          <a:prstGeom prst="rect">
+            <a:avLst/>
+          </a:prstGeom>
+          <a:noFill/>
+          <a:ln>
+            <a:noFill/>
+          </a:ln>
+          <a:extLst>
+            <a:ext uri="{909E8E84-426E-40dd-AFC4-6F175D3DCCD1}">
+              <a14:hiddenFill xmlns:a14="http://schemas.microsoft.com/office/drawing/2010/main">
+                <a:solidFill>
+                  <a:srgbClr val="FFFFFF"/>
+                </a:solidFill>
+              </a14:hiddenFill>
+            </a:ext>
+            <a:ext uri="{91240B29-F687-4f45-9708-019B960494DF}">
+              <a14:hiddenLine xmlns:a14="http://schemas.microsoft.com/office/drawing/2010/main" w="9525">
+                <a:solidFill>
+                  <a:srgbClr val="000000"/>
+                </a:solidFill>
+                <a:miter lim="800000"/>
+                <a:headEnd/>
+                <a:tailEnd/>
+              </a14:hiddenLine>
+            </a:ext>
+          </a:extLst>
+        </p:spPr>
+        <p:txBody>
+          <a:bodyPr/>
+          <a:lstStyle>
+            <a:lvl1pPr eaLnBrk="0" hangingPunct="0">
+              <a:defRPr sz="2400">
+                <a:solidFill>
+                  <a:schemeClr val="tx1"/>
+                </a:solidFill>
+                <a:latin typeface="Arial" charset="0"/>
+                <a:ea typeface="ＭＳ Ｐゴシック" charset="0"/>
+                <a:cs typeface="ＭＳ Ｐゴシック" charset="0"/>
+              </a:defRPr>
+            </a:lvl1pPr>
+            <a:lvl2pPr marL="742950" indent="-285750" eaLnBrk="0" hangingPunct="0">
+              <a:defRPr sz="2400">
+                <a:solidFill>
+                  <a:schemeClr val="tx1"/>
+                </a:solidFill>
+                <a:latin typeface="Arial" charset="0"/>
+                <a:ea typeface="ＭＳ Ｐゴシック" charset="0"/>
+              </a:defRPr>
+            </a:lvl2pPr>
+            <a:lvl3pPr marL="1143000" indent="-228600" eaLnBrk="0" hangingPunct="0">
+              <a:defRPr sz="2400">
+                <a:solidFill>
+                  <a:schemeClr val="tx1"/>
+                </a:solidFill>
+                <a:latin typeface="Arial" charset="0"/>
+                <a:ea typeface="ＭＳ Ｐゴシック" charset="0"/>
+              </a:defRPr>
+            </a:lvl3pPr>
+            <a:lvl4pPr marL="1600200" indent="-228600" eaLnBrk="0" hangingPunct="0">
+              <a:defRPr sz="2400">
+                <a:solidFill>
+                  <a:schemeClr val="tx1"/>
+                </a:solidFill>
+                <a:latin typeface="Arial" charset="0"/>
+                <a:ea typeface="ＭＳ Ｐゴシック" charset="0"/>
+              </a:defRPr>
+            </a:lvl4pPr>
+            <a:lvl5pPr marL="2057400" indent="-228600" eaLnBrk="0" hangingPunct="0">
+              <a:defRPr sz="2400">
+                <a:solidFill>
+                  <a:schemeClr val="tx1"/>
+                </a:solidFill>
+                <a:latin typeface="Arial" charset="0"/>
+                <a:ea typeface="ＭＳ Ｐゴシック" charset="0"/>
+              </a:defRPr>
+            </a:lvl5pPr>
+            <a:lvl6pPr marL="2514600" indent="-228600" eaLnBrk="0" fontAlgn="base" hangingPunct="0">
+              <a:spcBef>
+                <a:spcPct val="0"/>
+              </a:spcBef>
+              <a:spcAft>
+                <a:spcPct val="0"/>
+              </a:spcAft>
+              <a:defRPr sz="2400">
+                <a:solidFill>
+                  <a:schemeClr val="tx1"/>
+                </a:solidFill>
+                <a:latin typeface="Arial" charset="0"/>
+                <a:ea typeface="ＭＳ Ｐゴシック" charset="0"/>
+              </a:defRPr>
+            </a:lvl6pPr>
+            <a:lvl7pPr marL="2971800" indent="-228600" eaLnBrk="0" fontAlgn="base" hangingPunct="0">
+              <a:spcBef>
+                <a:spcPct val="0"/>
+              </a:spcBef>
+              <a:spcAft>
+                <a:spcPct val="0"/>
+              </a:spcAft>
+              <a:defRPr sz="2400">
+                <a:solidFill>
+                  <a:schemeClr val="tx1"/>
+                </a:solidFill>
+                <a:latin typeface="Arial" charset="0"/>
+                <a:ea typeface="ＭＳ Ｐゴシック" charset="0"/>
+              </a:defRPr>
+            </a:lvl7pPr>
+            <a:lvl8pPr marL="3429000" indent="-228600" eaLnBrk="0" fontAlgn="base" hangingPunct="0">
+              <a:spcBef>
+                <a:spcPct val="0"/>
+              </a:spcBef>
+              <a:spcAft>
+                <a:spcPct val="0"/>
+              </a:spcAft>
+              <a:defRPr sz="2400">
+                <a:solidFill>
+                  <a:schemeClr val="tx1"/>
+                </a:solidFill>
+                <a:latin typeface="Arial" charset="0"/>
+                <a:ea typeface="ＭＳ Ｐゴシック" charset="0"/>
+              </a:defRPr>
+            </a:lvl8pPr>
+            <a:lvl9pPr marL="3886200" indent="-228600" eaLnBrk="0" fontAlgn="base" hangingPunct="0">
+              <a:spcBef>
+                <a:spcPct val="0"/>
+              </a:spcBef>
+              <a:spcAft>
+                <a:spcPct val="0"/>
+              </a:spcAft>
+              <a:defRPr sz="2400">
+                <a:solidFill>
+                  <a:schemeClr val="tx1"/>
+                </a:solidFill>
+                <a:latin typeface="Arial" charset="0"/>
+                <a:ea typeface="ＭＳ Ｐゴシック" charset="0"/>
+              </a:defRPr>
+            </a:lvl9pPr>
+          </a:lstStyle>
+          <a:p>
+            <a:pPr algn="r"/>
+            <a:fld id="{06D23BA9-5070-0648-A3DA-E6039966856F}" type="slidenum">
+              <a:rPr lang="en-US" sz="1200"/>
+              <a:pPr algn="r"/>
+              <a:t>2</a:t>
+            </a:fld>
+            <a:endParaRPr lang="en-US" sz="1200"/>
+          </a:p>
+        </p:txBody>
+      </p:sp>
+      <p:sp>
+        <p:nvSpPr>
+          <p:cNvPr id="10242" name="Date Placeholder 2"/>
+          <p:cNvSpPr txBox="1">
+            <a:spLocks noGrp="1"/>
+          </p:cNvSpPr>
+          <p:nvPr/>
+        </p:nvSpPr>
+        <p:spPr bwMode="auto">
+          <a:xfrm>
+            <a:off x="762000" y="6248400"/>
+            <a:ext cx="2057400" cy="457200"/>
+          </a:xfrm>
+          <a:prstGeom prst="rect">
+            <a:avLst/>
+          </a:prstGeom>
+          <a:noFill/>
+          <a:ln>
+            <a:noFill/>
+          </a:ln>
+          <a:extLst>
+            <a:ext uri="{909E8E84-426E-40dd-AFC4-6F175D3DCCD1}">
+              <a14:hiddenFill xmlns:a14="http://schemas.microsoft.com/office/drawing/2010/main">
+                <a:solidFill>
+                  <a:srgbClr val="FFFFFF"/>
+                </a:solidFill>
+              </a14:hiddenFill>
+            </a:ext>
+            <a:ext uri="{91240B29-F687-4f45-9708-019B960494DF}">
+              <a14:hiddenLine xmlns:a14="http://schemas.microsoft.com/office/drawing/2010/main" w="9525">
+                <a:solidFill>
+                  <a:srgbClr val="000000"/>
+                </a:solidFill>
+                <a:miter lim="800000"/>
+                <a:headEnd/>
+                <a:tailEnd/>
+              </a14:hiddenLine>
+            </a:ext>
+          </a:extLst>
+        </p:spPr>
+        <p:txBody>
+          <a:bodyPr/>
+          <a:lstStyle>
+            <a:lvl1pPr eaLnBrk="0" hangingPunct="0">
+              <a:defRPr sz="2400">
+                <a:solidFill>
+                  <a:schemeClr val="tx1"/>
+                </a:solidFill>
+                <a:latin typeface="Arial" charset="0"/>
+                <a:ea typeface="ＭＳ Ｐゴシック" charset="0"/>
+                <a:cs typeface="ＭＳ Ｐゴシック" charset="0"/>
+              </a:defRPr>
+            </a:lvl1pPr>
+            <a:lvl2pPr marL="742950" indent="-285750" eaLnBrk="0" hangingPunct="0">
+              <a:defRPr sz="2400">
+                <a:solidFill>
+                  <a:schemeClr val="tx1"/>
+                </a:solidFill>
+                <a:latin typeface="Arial" charset="0"/>
+                <a:ea typeface="ＭＳ Ｐゴシック" charset="0"/>
+              </a:defRPr>
+            </a:lvl2pPr>
+            <a:lvl3pPr marL="1143000" indent="-228600" eaLnBrk="0" hangingPunct="0">
+              <a:defRPr sz="2400">
+                <a:solidFill>
+                  <a:schemeClr val="tx1"/>
+                </a:solidFill>
+                <a:latin typeface="Arial" charset="0"/>
+                <a:ea typeface="ＭＳ Ｐゴシック" charset="0"/>
+              </a:defRPr>
+            </a:lvl3pPr>
+            <a:lvl4pPr marL="1600200" indent="-228600" eaLnBrk="0" hangingPunct="0">
+              <a:defRPr sz="2400">
+                <a:solidFill>
+                  <a:schemeClr val="tx1"/>
+                </a:solidFill>
+                <a:latin typeface="Arial" charset="0"/>
+                <a:ea typeface="ＭＳ Ｐゴシック" charset="0"/>
+              </a:defRPr>
+            </a:lvl4pPr>
+            <a:lvl5pPr marL="2057400" indent="-228600" eaLnBrk="0" hangingPunct="0">
+              <a:defRPr sz="2400">
+                <a:solidFill>
+                  <a:schemeClr val="tx1"/>
+                </a:solidFill>
+                <a:latin typeface="Arial" charset="0"/>
+                <a:ea typeface="ＭＳ Ｐゴシック" charset="0"/>
+              </a:defRPr>
+            </a:lvl5pPr>
+            <a:lvl6pPr marL="2514600" indent="-228600" eaLnBrk="0" fontAlgn="base" hangingPunct="0">
+              <a:spcBef>
+                <a:spcPct val="0"/>
+              </a:spcBef>
+              <a:spcAft>
+                <a:spcPct val="0"/>
+              </a:spcAft>
+              <a:defRPr sz="2400">
+                <a:solidFill>
+                  <a:schemeClr val="tx1"/>
+                </a:solidFill>
+                <a:latin typeface="Arial" charset="0"/>
+                <a:ea typeface="ＭＳ Ｐゴシック" charset="0"/>
+              </a:defRPr>
+            </a:lvl6pPr>
+            <a:lvl7pPr marL="2971800" indent="-228600" eaLnBrk="0" fontAlgn="base" hangingPunct="0">
+              <a:spcBef>
+                <a:spcPct val="0"/>
+              </a:spcBef>
+              <a:spcAft>
+                <a:spcPct val="0"/>
+              </a:spcAft>
+              <a:defRPr sz="2400">
+                <a:solidFill>
+                  <a:schemeClr val="tx1"/>
+                </a:solidFill>
+                <a:latin typeface="Arial" charset="0"/>
+                <a:ea typeface="ＭＳ Ｐゴシック" charset="0"/>
+              </a:defRPr>
+            </a:lvl7pPr>
+            <a:lvl8pPr marL="3429000" indent="-228600" eaLnBrk="0" fontAlgn="base" hangingPunct="0">
+              <a:spcBef>
+                <a:spcPct val="0"/>
+              </a:spcBef>
+              <a:spcAft>
+                <a:spcPct val="0"/>
+              </a:spcAft>
+              <a:defRPr sz="2400">
+                <a:solidFill>
+                  <a:schemeClr val="tx1"/>
+                </a:solidFill>
+                <a:latin typeface="Arial" charset="0"/>
+                <a:ea typeface="ＭＳ Ｐゴシック" charset="0"/>
+              </a:defRPr>
+            </a:lvl8pPr>
+            <a:lvl9pPr marL="3886200" indent="-228600" eaLnBrk="0" fontAlgn="base" hangingPunct="0">
+              <a:spcBef>
+                <a:spcPct val="0"/>
+              </a:spcBef>
+              <a:spcAft>
+                <a:spcPct val="0"/>
+              </a:spcAft>
+              <a:defRPr sz="2400">
+                <a:solidFill>
+                  <a:schemeClr val="tx1"/>
+                </a:solidFill>
+                <a:latin typeface="Arial" charset="0"/>
+                <a:ea typeface="ＭＳ Ｐゴシック" charset="0"/>
+              </a:defRPr>
+            </a:lvl9pPr>
+          </a:lstStyle>
+          <a:p>
+            <a:r>
+              <a:rPr lang="en-US" sz="1200"/>
+              <a:t>Module #: Title of Module</a:t>
+            </a:r>
+          </a:p>
+        </p:txBody>
+      </p:sp>
+      <p:sp>
+        <p:nvSpPr>
+          <p:cNvPr id="10243" name="Rectangle 5"/>
+          <p:cNvSpPr>
+            <a:spLocks noChangeArrowheads="1"/>
+          </p:cNvSpPr>
+          <p:nvPr/>
+        </p:nvSpPr>
+        <p:spPr bwMode="auto">
+          <a:xfrm>
+            <a:off x="0" y="0"/>
+            <a:ext cx="9144000" cy="6858000"/>
+          </a:xfrm>
+          <a:prstGeom prst="rect">
+            <a:avLst/>
+          </a:prstGeom>
+          <a:solidFill>
+            <a:schemeClr val="tx1"/>
+          </a:solidFill>
+          <a:ln w="9525">
+            <a:solidFill>
+              <a:schemeClr val="tx1"/>
+            </a:solidFill>
+            <a:round/>
+            <a:headEnd/>
+            <a:tailEnd/>
+          </a:ln>
+        </p:spPr>
+        <p:txBody>
+          <a:bodyPr/>
+          <a:lstStyle/>
+          <a:p>
+            <a:pPr eaLnBrk="0" hangingPunct="0"/>
+            <a:endParaRPr lang="en-US"/>
+          </a:p>
+        </p:txBody>
+      </p:sp>
+      <p:pic>
+        <p:nvPicPr>
+          <p:cNvPr id="10244" name="Content Placeholder 9" descr="Picture 1.png"/>
+          <p:cNvPicPr>
+            <a:picLocks noGrp="1" noChangeAspect="1"/>
+          </p:cNvPicPr>
+          <p:nvPr>
+            <p:ph idx="4294967295"/>
+          </p:nvPr>
+        </p:nvPicPr>
+        <p:blipFill>
+          <a:blip r:embed="rId2">
+            <a:extLst>
+              <a:ext uri="{28A0092B-C50C-407E-A947-70E740481C1C}">
+                <a14:useLocalDpi xmlns:a14="http://schemas.microsoft.com/office/drawing/2010/main" val="0"/>
+              </a:ext>
+            </a:extLst>
+          </a:blip>
+          <a:srcRect/>
+          <a:stretch>
+            <a:fillRect/>
+          </a:stretch>
+        </p:blipFill>
+        <p:spPr>
+          <a:xfrm>
+            <a:off x="914400" y="73025"/>
+            <a:ext cx="6858000" cy="6734175"/>
+          </a:xfrm>
+        </p:spPr>
+      </p:pic>
+      <p:sp>
+        <p:nvSpPr>
+          <p:cNvPr id="10245" name="Slide Number Placeholder 3"/>
+          <p:cNvSpPr txBox="1">
+            <a:spLocks noGrp="1"/>
+          </p:cNvSpPr>
+          <p:nvPr/>
+        </p:nvSpPr>
+        <p:spPr bwMode="auto">
+          <a:xfrm>
+            <a:off x="6553200" y="6248400"/>
+            <a:ext cx="1905000" cy="457200"/>
+          </a:xfrm>
+          <a:prstGeom prst="rect">
+            <a:avLst/>
+          </a:prstGeom>
+          <a:noFill/>
+          <a:ln>
+            <a:noFill/>
+          </a:ln>
+          <a:extLst>
+            <a:ext uri="{909E8E84-426E-40dd-AFC4-6F175D3DCCD1}">
+              <a14:hiddenFill xmlns:a14="http://schemas.microsoft.com/office/drawing/2010/main">
+                <a:solidFill>
+                  <a:srgbClr val="FFFFFF"/>
+                </a:solidFill>
+              </a14:hiddenFill>
+            </a:ext>
+            <a:ext uri="{91240B29-F687-4f45-9708-019B960494DF}">
+              <a14:hiddenLine xmlns:a14="http://schemas.microsoft.com/office/drawing/2010/main" w="9525">
+                <a:solidFill>
+                  <a:srgbClr val="000000"/>
+                </a:solidFill>
+                <a:miter lim="800000"/>
+                <a:headEnd/>
+                <a:tailEnd/>
+              </a14:hiddenLine>
+            </a:ext>
+          </a:extLst>
+        </p:spPr>
+        <p:txBody>
+          <a:bodyPr/>
+          <a:lstStyle>
+            <a:lvl1pPr eaLnBrk="0" hangingPunct="0">
+              <a:defRPr sz="2400">
+                <a:solidFill>
+                  <a:schemeClr val="tx1"/>
+                </a:solidFill>
+                <a:latin typeface="Arial" charset="0"/>
+                <a:ea typeface="ＭＳ Ｐゴシック" charset="0"/>
+                <a:cs typeface="ＭＳ Ｐゴシック" charset="0"/>
+              </a:defRPr>
+            </a:lvl1pPr>
+            <a:lvl2pPr marL="742950" indent="-285750" eaLnBrk="0" hangingPunct="0">
+              <a:defRPr sz="2400">
+                <a:solidFill>
+                  <a:schemeClr val="tx1"/>
+                </a:solidFill>
+                <a:latin typeface="Arial" charset="0"/>
+                <a:ea typeface="ＭＳ Ｐゴシック" charset="0"/>
+              </a:defRPr>
+            </a:lvl2pPr>
+            <a:lvl3pPr marL="1143000" indent="-228600" eaLnBrk="0" hangingPunct="0">
+              <a:defRPr sz="2400">
+                <a:solidFill>
+                  <a:schemeClr val="tx1"/>
+                </a:solidFill>
+                <a:latin typeface="Arial" charset="0"/>
+                <a:ea typeface="ＭＳ Ｐゴシック" charset="0"/>
+              </a:defRPr>
+            </a:lvl3pPr>
+            <a:lvl4pPr marL="1600200" indent="-228600" eaLnBrk="0" hangingPunct="0">
+              <a:defRPr sz="2400">
+                <a:solidFill>
+                  <a:schemeClr val="tx1"/>
+                </a:solidFill>
+                <a:latin typeface="Arial" charset="0"/>
+                <a:ea typeface="ＭＳ Ｐゴシック" charset="0"/>
+              </a:defRPr>
+            </a:lvl4pPr>
+            <a:lvl5pPr marL="2057400" indent="-228600" eaLnBrk="0" hangingPunct="0">
+              <a:defRPr sz="2400">
+                <a:solidFill>
+                  <a:schemeClr val="tx1"/>
+                </a:solidFill>
+                <a:latin typeface="Arial" charset="0"/>
+                <a:ea typeface="ＭＳ Ｐゴシック" charset="0"/>
+              </a:defRPr>
+            </a:lvl5pPr>
+            <a:lvl6pPr marL="2514600" indent="-228600" eaLnBrk="0" fontAlgn="base" hangingPunct="0">
+              <a:spcBef>
+                <a:spcPct val="0"/>
+              </a:spcBef>
+              <a:spcAft>
+                <a:spcPct val="0"/>
+              </a:spcAft>
+              <a:defRPr sz="2400">
+                <a:solidFill>
+                  <a:schemeClr val="tx1"/>
+                </a:solidFill>
+                <a:latin typeface="Arial" charset="0"/>
+                <a:ea typeface="ＭＳ Ｐゴシック" charset="0"/>
+              </a:defRPr>
+            </a:lvl6pPr>
+            <a:lvl7pPr marL="2971800" indent="-228600" eaLnBrk="0" fontAlgn="base" hangingPunct="0">
+              <a:spcBef>
+                <a:spcPct val="0"/>
+              </a:spcBef>
+              <a:spcAft>
+                <a:spcPct val="0"/>
+              </a:spcAft>
+              <a:defRPr sz="2400">
+                <a:solidFill>
+                  <a:schemeClr val="tx1"/>
+                </a:solidFill>
+                <a:latin typeface="Arial" charset="0"/>
+                <a:ea typeface="ＭＳ Ｐゴシック" charset="0"/>
+              </a:defRPr>
+            </a:lvl7pPr>
+            <a:lvl8pPr marL="3429000" indent="-228600" eaLnBrk="0" fontAlgn="base" hangingPunct="0">
+              <a:spcBef>
+                <a:spcPct val="0"/>
+              </a:spcBef>
+              <a:spcAft>
+                <a:spcPct val="0"/>
+              </a:spcAft>
+              <a:defRPr sz="2400">
+                <a:solidFill>
+                  <a:schemeClr val="tx1"/>
+                </a:solidFill>
+                <a:latin typeface="Arial" charset="0"/>
+                <a:ea typeface="ＭＳ Ｐゴシック" charset="0"/>
+              </a:defRPr>
+            </a:lvl8pPr>
+            <a:lvl9pPr marL="3886200" indent="-228600" eaLnBrk="0" fontAlgn="base" hangingPunct="0">
+              <a:spcBef>
+                <a:spcPct val="0"/>
+              </a:spcBef>
+              <a:spcAft>
+                <a:spcPct val="0"/>
+              </a:spcAft>
+              <a:defRPr sz="2400">
+                <a:solidFill>
+                  <a:schemeClr val="tx1"/>
+                </a:solidFill>
+                <a:latin typeface="Arial" charset="0"/>
+                <a:ea typeface="ＭＳ Ｐゴシック" charset="0"/>
+              </a:defRPr>
+            </a:lvl9pPr>
+          </a:lstStyle>
+          <a:p>
+            <a:pPr algn="r"/>
+            <a:endParaRPr lang="en-US" sz="1200"/>
+          </a:p>
+        </p:txBody>
+      </p:sp>
+    </p:spTree>
+    <p:extLst>
+      <p:ext uri="{BB962C8B-B14F-4D97-AF65-F5344CB8AC3E}">
+        <p14:creationId xmlns:p14="http://schemas.microsoft.com/office/powerpoint/2010/main" val="2364637537"/>
+      </p:ext>
+    </p:extLst>
+  </p:cSld>
+  <p:clrMapOvr>
+    <a:masterClrMapping/>
+  </p:clrMapOvr>
+  <p:transition xmlns:p14="http://schemas.microsoft.com/office/powerpoint/2010/main"/>
+  <p:timing>
+    <p:tnLst>
+      <p:par>
+        <p:cTn xmlns:p14="http://schemas.microsoft.com/office/powerpoint/2010/main" id="1" dur="indefinite" restart="never" nodeType="tmRoot"/>
+      </p:par>
+    </p:tnLst>
+  </p:timing>
+</p:sld>
+</file>
+
+<file path=ppt/slides/slide20.xml><?xml version="1.0" encoding="utf-8"?>
+<p:sld xmlns:a="http://schemas.openxmlformats.org/drawingml/2006/main" xmlns:r="http://schemas.openxmlformats.org/officeDocument/2006/relationships" xmlns:p="http://schemas.openxmlformats.org/presentationml/2006/main">
+  <p:cSld>
+    <p:spTree>
+      <p:nvGrpSpPr>
+        <p:cNvPr id="1" name=""/>
+        <p:cNvGrpSpPr/>
+        <p:nvPr/>
+      </p:nvGrpSpPr>
+      <p:grpSpPr>
+        <a:xfrm>
+          <a:off x="0" y="0"/>
+          <a:ext cx="0" cy="0"/>
+          <a:chOff x="0" y="0"/>
+          <a:chExt cx="0" cy="0"/>
+        </a:xfrm>
+      </p:grpSpPr>
+      <p:sp>
+        <p:nvSpPr>
+          <p:cNvPr id="15361" name="Content Placeholder 3"/>
+          <p:cNvSpPr>
+            <a:spLocks noGrp="1"/>
+          </p:cNvSpPr>
+          <p:nvPr>
+            <p:ph idx="1"/>
+          </p:nvPr>
+        </p:nvSpPr>
+        <p:spPr>
+          <a:xfrm>
+            <a:off x="0" y="0"/>
+            <a:ext cx="9144000" cy="2535238"/>
+          </a:xfrm>
+          <a:solidFill>
+            <a:schemeClr val="tx1"/>
+          </a:solidFill>
+        </p:spPr>
+        <p:txBody>
+          <a:bodyPr anchor="ctr"/>
+          <a:lstStyle/>
+          <a:p>
+            <a:pPr algn="ctr">
+              <a:buFont typeface="Arial" charset="0"/>
+              <a:buNone/>
+            </a:pPr>
+            <a:r>
+              <a:rPr lang="en-US" sz="4400" dirty="0" smtClean="0">
+                <a:solidFill>
+                  <a:schemeClr val="bg1"/>
+                </a:solidFill>
+                <a:latin typeface="Calibri" charset="0"/>
+                <a:ea typeface="ＭＳ Ｐゴシック" charset="0"/>
+              </a:rPr>
+              <a:t>We </a:t>
+            </a:r>
+            <a:r>
+              <a:rPr lang="en-US" sz="4400" dirty="0">
+                <a:solidFill>
+                  <a:schemeClr val="bg1"/>
+                </a:solidFill>
+                <a:latin typeface="Calibri" charset="0"/>
+                <a:ea typeface="ＭＳ Ｐゴシック" charset="0"/>
+              </a:rPr>
+              <a:t>are on a Coffee Break &amp; Networking Session</a:t>
+            </a:r>
+          </a:p>
+        </p:txBody>
+      </p:sp>
+      <p:pic>
+        <p:nvPicPr>
+          <p:cNvPr id="2" name="Picture 1" descr="bioinformatics-ca.eps"/>
+          <p:cNvPicPr>
+            <a:picLocks noChangeAspect="1"/>
+          </p:cNvPicPr>
+          <p:nvPr/>
+        </p:nvPicPr>
+        <p:blipFill>
+          <a:blip r:embed="rId2">
+            <a:extLst>
+              <a:ext uri="{28A0092B-C50C-407E-A947-70E740481C1C}">
+                <a14:useLocalDpi xmlns:a14="http://schemas.microsoft.com/office/drawing/2010/main" val="0"/>
+              </a:ext>
+            </a:extLst>
+          </a:blip>
+          <a:stretch>
+            <a:fillRect/>
+          </a:stretch>
+        </p:blipFill>
+        <p:spPr>
+          <a:xfrm>
+            <a:off x="3347864" y="3645024"/>
+            <a:ext cx="2823006" cy="1213161"/>
+          </a:xfrm>
+          <a:prstGeom prst="rect">
+            <a:avLst/>
+          </a:prstGeom>
+        </p:spPr>
+      </p:pic>
+    </p:spTree>
+    <p:extLst>
+      <p:ext uri="{BB962C8B-B14F-4D97-AF65-F5344CB8AC3E}">
+        <p14:creationId xmlns:p14="http://schemas.microsoft.com/office/powerpoint/2010/main" val="1186684195"/>
+      </p:ext>
+    </p:extLst>
+  </p:cSld>
+  <p:clrMapOvr>
+    <a:masterClrMapping/>
+  </p:clrMapOvr>
+</p:sld>
+</file>
+
+<file path=ppt/slides/slide3.xml><?xml version="1.0" encoding="utf-8"?>
 <p:sld xmlns:a="http://schemas.openxmlformats.org/drawingml/2006/main" xmlns:r="http://schemas.openxmlformats.org/officeDocument/2006/relationships" xmlns:p="http://schemas.openxmlformats.org/presentationml/2006/main">
   <p:cSld>
     <p:spTree>
@@ -6540,7 +7481,7 @@
               <a:defRPr/>
             </a:pPr>
             <a:r>
-              <a:rPr lang="en-US" sz="1600" dirty="0">
+              <a:rPr lang="en-US" sz="1600" dirty="0" smtClean="0">
                 <a:ln w="1270">
                   <a:solidFill>
                     <a:schemeClr val="tx1">
@@ -6551,8 +7492,19 @@
                 <a:latin typeface="Calibri"/>
                 <a:cs typeface="Calibri"/>
               </a:rPr>
-              <a:t>Advanced Sequencing Technologies &amp; Applications</a:t>
-            </a:r>
+              <a:t>Informatics for RNA-seq analysis</a:t>
+            </a:r>
+            <a:endParaRPr lang="en-US" sz="1600" dirty="0">
+              <a:ln w="1270">
+                <a:solidFill>
+                  <a:schemeClr val="tx1">
+                    <a:alpha val="38000"/>
+                  </a:schemeClr>
+                </a:solidFill>
+              </a:ln>
+              <a:latin typeface="Calibri"/>
+              <a:cs typeface="Calibri"/>
+            </a:endParaRPr>
           </a:p>
           <a:p>
             <a:pPr fontAlgn="auto">
@@ -6561,6 +7513,20 @@
               </a:spcAft>
               <a:defRPr/>
             </a:pPr>
+            <a:r>
+              <a:rPr lang="en-US" sz="1400" dirty="0" smtClean="0">
+                <a:ln w="1270">
+                  <a:solidFill>
+                    <a:schemeClr val="tx1">
+                      <a:alpha val="38000"/>
+                    </a:schemeClr>
+                  </a:solidFill>
+                </a:ln>
+                <a:latin typeface="Calibri"/>
+                <a:cs typeface="Calibri"/>
+              </a:rPr>
+              <a:t>June 16 </a:t>
+            </a:r>
             <a:r>
               <a:rPr lang="en-US" sz="1400" dirty="0">
                 <a:ln w="1270">
@@ -6573,8 +7539,33 @@
                 <a:latin typeface="Calibri"/>
                 <a:cs typeface="Calibri"/>
               </a:rPr>
-              <a:t>November 10 - 22, 2015</a:t>
-            </a:r>
+              <a:t>- </a:t>
+            </a:r>
+            <a:r>
+              <a:rPr lang="en-US" sz="1400" dirty="0" smtClean="0">
+                <a:ln w="1270">
+                  <a:solidFill>
+                    <a:schemeClr val="tx1">
+                      <a:alpha val="38000"/>
+                    </a:schemeClr>
+                  </a:solidFill>
+                </a:ln>
+                <a:latin typeface="Calibri"/>
+                <a:cs typeface="Calibri"/>
+              </a:rPr>
+              <a:t>17, 2016</a:t>
+            </a:r>
+            <a:endParaRPr lang="en-US" sz="1400" dirty="0">
+              <a:ln w="1270">
+                <a:solidFill>
+                  <a:schemeClr val="tx1">
+                    <a:alpha val="38000"/>
+                  </a:schemeClr>
+                </a:solidFill>
+              </a:ln>
+              <a:latin typeface="Calibri"/>
+              <a:cs typeface="Calibri"/>
+            </a:endParaRPr>
           </a:p>
         </p:txBody>
       </p:sp>
@@ -6598,252 +7589,6 @@
 </p:sld>
 </file>
 
-<file path=ppt/slides/slide3.xml><?xml version="1.0" encoding="utf-8"?>
-<p:sld xmlns:a="http://schemas.openxmlformats.org/drawingml/2006/main" xmlns:r="http://schemas.openxmlformats.org/officeDocument/2006/relationships" xmlns:p="http://schemas.openxmlformats.org/presentationml/2006/main">
-  <p:cSld>
-    <p:spTree>
-      <p:nvGrpSpPr>
-        <p:cNvPr id="1" name=""/>
-        <p:cNvGrpSpPr/>
-        <p:nvPr/>
-      </p:nvGrpSpPr>
-      <p:grpSpPr>
-        <a:xfrm>
-          <a:off x="0" y="0"/>
-          <a:ext cx="0" cy="0"/>
-          <a:chOff x="0" y="0"/>
-          <a:chExt cx="0" cy="0"/>
-        </a:xfrm>
-      </p:grpSpPr>
-      <p:sp>
-        <p:nvSpPr>
-          <p:cNvPr id="2" name="Title 1"/>
-          <p:cNvSpPr>
-            <a:spLocks noGrp="1"/>
-          </p:cNvSpPr>
-          <p:nvPr>
-            <p:ph type="title"/>
-          </p:nvPr>
-        </p:nvSpPr>
-        <p:spPr>
-          <a:xfrm>
-            <a:off x="152400" y="44624"/>
-            <a:ext cx="8839200" cy="1143000"/>
-          </a:xfrm>
-        </p:spPr>
-        <p:txBody>
-          <a:bodyPr/>
-          <a:lstStyle/>
-          <a:p>
-            <a:r>
-              <a:rPr lang="en-US" dirty="0" smtClean="0"/>
-              <a:t>What is a genome analysis ‘platform’?</a:t>
-            </a:r>
-            <a:endParaRPr lang="en-US" dirty="0"/>
-          </a:p>
-        </p:txBody>
-      </p:sp>
-      <p:sp>
-        <p:nvSpPr>
-          <p:cNvPr id="3" name="Content Placeholder 2"/>
-          <p:cNvSpPr>
-            <a:spLocks noGrp="1"/>
-          </p:cNvSpPr>
-          <p:nvPr>
-            <p:ph idx="1"/>
-          </p:nvPr>
-        </p:nvSpPr>
-        <p:spPr>
-          <a:xfrm>
-            <a:off x="152400" y="1253480"/>
-            <a:ext cx="8839200" cy="5199856"/>
-          </a:xfrm>
-        </p:spPr>
-        <p:txBody>
-          <a:bodyPr>
-            <a:normAutofit fontScale="77500" lnSpcReduction="20000"/>
-          </a:bodyPr>
-          <a:lstStyle/>
-          <a:p>
-            <a:r>
-              <a:rPr lang="en-US" dirty="0" smtClean="0"/>
-              <a:t>Means different things to different people…</a:t>
-            </a:r>
-          </a:p>
-          <a:p>
-            <a:pPr lvl="1"/>
-            <a:r>
-              <a:rPr lang="en-US" dirty="0" smtClean="0"/>
-              <a:t>Lost of jargon and buzzwords</a:t>
-            </a:r>
-            <a:endParaRPr lang="en-US" dirty="0"/>
-          </a:p>
-          <a:p>
-            <a:r>
-              <a:rPr lang="en-US" dirty="0"/>
-              <a:t>Hardware</a:t>
-            </a:r>
-          </a:p>
-          <a:p>
-            <a:pPr lvl="1"/>
-            <a:r>
-              <a:rPr lang="en-US" dirty="0"/>
-              <a:t>e.g. ‘Dell Genomic Data Analysis Platform</a:t>
-            </a:r>
-            <a:r>
-              <a:rPr lang="en-US" dirty="0" smtClean="0"/>
-              <a:t>’</a:t>
-            </a:r>
-          </a:p>
-          <a:p>
-            <a:r>
-              <a:rPr lang="en-US" dirty="0" smtClean="0"/>
-              <a:t>Pipelines</a:t>
-            </a:r>
-          </a:p>
-          <a:p>
-            <a:r>
-              <a:rPr lang="en-US" dirty="0" smtClean="0"/>
-              <a:t>Cloud computing</a:t>
-            </a:r>
-          </a:p>
-          <a:p>
-            <a:pPr lvl="1"/>
-            <a:r>
-              <a:rPr lang="en-US" dirty="0" smtClean="0"/>
-              <a:t>‘Private clouds’</a:t>
-            </a:r>
-          </a:p>
-          <a:p>
-            <a:pPr lvl="1"/>
-            <a:r>
-              <a:rPr lang="en-US" dirty="0" smtClean="0"/>
-              <a:t>‘Public clouds’ - Amazon AWS, Google Cloud, digital ocean, etc.</a:t>
-            </a:r>
-          </a:p>
-          <a:p>
-            <a:r>
-              <a:rPr lang="en-US" dirty="0" smtClean="0"/>
-              <a:t>Virtualization and virtual machines</a:t>
-            </a:r>
-          </a:p>
-          <a:p>
-            <a:pPr lvl="1"/>
-            <a:r>
-              <a:rPr lang="en-US" dirty="0" err="1" smtClean="0"/>
-              <a:t>VirtualBox</a:t>
-            </a:r>
-            <a:r>
-              <a:rPr lang="en-US" dirty="0" smtClean="0"/>
-              <a:t> (vagrant), </a:t>
-            </a:r>
-            <a:r>
-              <a:rPr lang="en-US" dirty="0" err="1" smtClean="0"/>
-              <a:t>OpenStack</a:t>
-            </a:r>
-            <a:r>
-              <a:rPr lang="en-US" dirty="0" smtClean="0"/>
-              <a:t>, </a:t>
-            </a:r>
-            <a:r>
-              <a:rPr lang="en-US" dirty="0" err="1" smtClean="0"/>
-              <a:t>VMWare</a:t>
-            </a:r>
-            <a:endParaRPr lang="en-US" dirty="0" smtClean="0"/>
-          </a:p>
-          <a:p>
-            <a:r>
-              <a:rPr lang="en-US" dirty="0" smtClean="0"/>
-              <a:t>Workflow management systems</a:t>
-            </a:r>
-          </a:p>
-          <a:p>
-            <a:r>
-              <a:rPr lang="en-US" dirty="0" smtClean="0"/>
-              <a:t>Software development kits (SDKs)</a:t>
-            </a:r>
-          </a:p>
-          <a:p>
-            <a:r>
-              <a:rPr lang="en-US" dirty="0" smtClean="0"/>
-              <a:t>Application programming interfaces (APIs)</a:t>
-            </a:r>
-          </a:p>
-          <a:p>
-            <a:r>
-              <a:rPr lang="en-US" dirty="0" smtClean="0"/>
-              <a:t>Distributed storage and processing (e.g. ‘</a:t>
-            </a:r>
-            <a:r>
-              <a:rPr lang="en-US" dirty="0" err="1" smtClean="0"/>
-              <a:t>Hadoop</a:t>
-            </a:r>
-            <a:r>
-              <a:rPr lang="en-US" dirty="0" smtClean="0"/>
-              <a:t>’)</a:t>
-            </a:r>
-          </a:p>
-          <a:p>
-            <a:r>
-              <a:rPr lang="en-US" dirty="0" smtClean="0"/>
-              <a:t>Job schedulers.  </a:t>
-            </a:r>
-            <a:r>
-              <a:rPr lang="en-US" dirty="0"/>
-              <a:t>e</a:t>
-            </a:r>
-            <a:r>
-              <a:rPr lang="en-US" dirty="0" smtClean="0"/>
-              <a:t>.g. </a:t>
-            </a:r>
-            <a:r>
-              <a:rPr lang="en-US" dirty="0" err="1" smtClean="0"/>
-              <a:t>pbs</a:t>
-            </a:r>
-            <a:r>
-              <a:rPr lang="en-US" dirty="0" smtClean="0"/>
-              <a:t>, </a:t>
-            </a:r>
-            <a:r>
-              <a:rPr lang="en-US" dirty="0" err="1" smtClean="0"/>
-              <a:t>lsf</a:t>
-            </a:r>
-            <a:r>
-              <a:rPr lang="en-US" dirty="0" smtClean="0"/>
-              <a:t>, </a:t>
-            </a:r>
-            <a:r>
-              <a:rPr lang="en-US" dirty="0" err="1" smtClean="0"/>
-              <a:t>sge</a:t>
-            </a:r>
-            <a:r>
-              <a:rPr lang="en-US" dirty="0" smtClean="0"/>
-              <a:t>, </a:t>
-            </a:r>
-            <a:r>
-              <a:rPr lang="en-US" dirty="0" err="1" smtClean="0"/>
-              <a:t>openlava</a:t>
-            </a:r>
-            <a:r>
-              <a:rPr lang="en-US" dirty="0" smtClean="0"/>
-              <a:t>, </a:t>
-            </a:r>
-          </a:p>
-        </p:txBody>
-      </p:sp>
-    </p:spTree>
-    <p:extLst>
-      <p:ext uri="{BB962C8B-B14F-4D97-AF65-F5344CB8AC3E}">
-        <p14:creationId xmlns:p14="http://schemas.microsoft.com/office/powerpoint/2010/main" val="2141439182"/>
-      </p:ext>
-    </p:extLst>
-  </p:cSld>
-  <p:clrMapOvr>
-    <a:masterClrMapping/>
-  </p:clrMapOvr>
-</p:sld>
-</file>
-
 <file path=ppt/slides/slide4.xml><?xml version="1.0" encoding="utf-8"?>
 <p:sld xmlns:a="http://schemas.openxmlformats.org/drawingml/2006/main" xmlns:r="http://schemas.openxmlformats.org/officeDocument/2006/relationships" xmlns:p="http://schemas.openxmlformats.org/presentationml/2006/main">
   <p:cSld>
@@ -6883,7 +7628,7 @@
           <a:p>
             <a:r>
               <a:rPr lang="en-US" dirty="0" smtClean="0"/>
-              <a:t>List of existing genome analysis platforms</a:t>
+              <a:t>What is a genome analysis ‘platform’?</a:t>
             </a:r>
             <a:endParaRPr lang="en-US" dirty="0"/>
           </a:p>
@@ -6899,45 +7644,160 @@
             <p:ph idx="1"/>
           </p:nvPr>
         </p:nvSpPr>
-        <p:spPr/>
+        <p:spPr>
+          <a:xfrm>
+            <a:off x="152400" y="1253480"/>
+            <a:ext cx="8839200" cy="5199856"/>
+          </a:xfrm>
+        </p:spPr>
         <p:txBody>
-          <a:bodyPr/>
+          <a:bodyPr>
+            <a:normAutofit fontScale="77500" lnSpcReduction="20000"/>
+          </a:bodyPr>
           <a:lstStyle/>
           <a:p>
             <a:r>
-              <a:rPr lang="en-US" dirty="0">
-                <a:hlinkClick r:id="rId2"/>
-              </a:rPr>
-              <a:t>https://docs.google.com/spreadsheets/d/1o8iYwYUy0V7IECmu21Und3XALwQihioj23WGv-w0itk/</a:t>
-            </a:r>
-            <a:r>
-              <a:rPr lang="en-US" dirty="0" smtClean="0">
-                <a:hlinkClick r:id="rId2"/>
-              </a:rPr>
-              <a:t>pubhtml</a:t>
+              <a:rPr lang="en-US" dirty="0" smtClean="0"/>
+              <a:t>Means different things to different people…</a:t>
+            </a:r>
+          </a:p>
+          <a:p>
+            <a:pPr lvl="1"/>
+            <a:r>
+              <a:rPr lang="en-US" dirty="0" smtClean="0"/>
+              <a:t>Lost of jargon and buzzwords</a:t>
+            </a:r>
+            <a:endParaRPr lang="en-US" dirty="0"/>
+          </a:p>
+          <a:p>
+            <a:r>
+              <a:rPr lang="en-US" dirty="0"/>
+              <a:t>Hardware</a:t>
+            </a:r>
+          </a:p>
+          <a:p>
+            <a:pPr lvl="1"/>
+            <a:r>
+              <a:rPr lang="en-US" dirty="0"/>
+              <a:t>e.g. ‘Dell Genomic Data Analysis Platform</a:t>
+            </a:r>
+            <a:r>
+              <a:rPr lang="en-US" dirty="0" smtClean="0"/>
+              <a:t>’</a:t>
+            </a:r>
+          </a:p>
+          <a:p>
+            <a:r>
+              <a:rPr lang="en-US" dirty="0" smtClean="0"/>
+              <a:t>Pipelines</a:t>
+            </a:r>
+          </a:p>
+          <a:p>
+            <a:r>
+              <a:rPr lang="en-US" dirty="0" smtClean="0"/>
+              <a:t>Cloud computing</a:t>
+            </a:r>
+          </a:p>
+          <a:p>
+            <a:pPr lvl="1"/>
+            <a:r>
+              <a:rPr lang="en-US" dirty="0" smtClean="0"/>
+              <a:t>‘Private clouds’</a:t>
+            </a:r>
+          </a:p>
+          <a:p>
+            <a:pPr lvl="1"/>
+            <a:r>
+              <a:rPr lang="en-US" dirty="0" smtClean="0"/>
+              <a:t>‘Public clouds’ - Amazon AWS, Google Cloud, digital ocean, etc.</a:t>
+            </a:r>
+          </a:p>
+          <a:p>
+            <a:r>
+              <a:rPr lang="en-US" dirty="0" smtClean="0"/>
+              <a:t>Virtualization and virtual machines</a:t>
+            </a:r>
+          </a:p>
+          <a:p>
+            <a:pPr lvl="1"/>
+            <a:r>
+              <a:rPr lang="en-US" dirty="0" err="1" smtClean="0"/>
+              <a:t>VirtualBox</a:t>
+            </a:r>
+            <a:r>
+              <a:rPr lang="en-US" dirty="0" smtClean="0"/>
+              <a:t> (vagrant), </a:t>
+            </a:r>
+            <a:r>
+              <a:rPr lang="en-US" dirty="0" err="1" smtClean="0"/>
+              <a:t>OpenStack</a:t>
+            </a:r>
+            <a:r>
+              <a:rPr lang="en-US" dirty="0" smtClean="0"/>
+              <a:t>, </a:t>
+            </a:r>
+            <a:r>
+              <a:rPr lang="en-US" dirty="0" err="1" smtClean="0"/>
+              <a:t>VMWare</a:t>
             </a:r>
             <a:endParaRPr lang="en-US" dirty="0" smtClean="0"/>
           </a:p>
           <a:p>
             <a:r>
+              <a:rPr lang="en-US" dirty="0" smtClean="0"/>
+              <a:t>Workflow management systems</a:t>
+            </a:r>
+          </a:p>
+          <a:p>
+            <a:r>
+              <a:rPr lang="en-US" dirty="0" smtClean="0"/>
+              <a:t>Software development kits (SDKs)</a:t>
+            </a:r>
+          </a:p>
+          <a:p>
+            <a:r>
+              <a:rPr lang="en-US" dirty="0" smtClean="0"/>
+              <a:t>Application programming interfaces (APIs)</a:t>
+            </a:r>
+          </a:p>
+          <a:p>
+            <a:r>
+              <a:rPr lang="en-US" dirty="0" smtClean="0"/>
+              <a:t>Distributed storage and processing (e.g. ‘</a:t>
+            </a:r>
+            <a:r>
+              <a:rPr lang="en-US" dirty="0" err="1" smtClean="0"/>
+              <a:t>Hadoop</a:t>
+            </a:r>
+            <a:r>
+              <a:rPr lang="en-US" dirty="0" smtClean="0"/>
+              <a:t>’)</a:t>
+            </a:r>
+          </a:p>
+          <a:p>
+            <a:r>
+              <a:rPr lang="en-US" dirty="0" smtClean="0"/>
+              <a:t>Job schedulers.  </a:t>
+            </a:r>
+            <a:r>
               <a:rPr lang="en-US" dirty="0"/>
-              <a:t>Genome Modeling System (GMS</a:t>
-            </a:r>
-            <a:r>
-              <a:rPr lang="en-US" dirty="0" smtClean="0"/>
-              <a:t>), Galaxy, </a:t>
+              <a:t>e</a:t>
+            </a:r>
+            <a:r>
+              <a:rPr lang="en-US" dirty="0" smtClean="0"/>
+              <a:t>.g. </a:t>
             </a:r>
             <a:r>
               <a:rPr lang="en-US" dirty="0" err="1" smtClean="0"/>
-              <a:t>bcbio</a:t>
-            </a:r>
-            <a:r>
-              <a:rPr lang="en-US" dirty="0" err="1"/>
-              <a:t>-</a:t>
+              <a:t>pbs</a:t>
+            </a:r>
+            <a:r>
+              <a:rPr lang="en-US" dirty="0" smtClean="0"/>
+              <a:t>, </a:t>
             </a:r>
             <a:r>
               <a:rPr lang="en-US" dirty="0" err="1" smtClean="0"/>
-              <a:t>nextgen</a:t>
+              <a:t>lsf</a:t>
             </a:r>
             <a:r>
               <a:rPr lang="en-US" dirty="0" smtClean="0"/>
@@ -6945,136 +7805,27 @@
             </a:r>
             <a:r>
               <a:rPr lang="en-US" dirty="0" err="1" smtClean="0"/>
-              <a:t>Omics</a:t>
-            </a:r>
-            <a:r>
-              <a:rPr lang="en-US" dirty="0" smtClean="0"/>
-              <a:t> Pipe, </a:t>
+              <a:t>sge</a:t>
+            </a:r>
+            <a:r>
+              <a:rPr lang="en-US" dirty="0" smtClean="0"/>
+              <a:t>, </a:t>
             </a:r>
             <a:r>
               <a:rPr lang="en-US" dirty="0" err="1" smtClean="0"/>
-              <a:t>Illumina</a:t>
-            </a:r>
-            <a:r>
-              <a:rPr lang="en-US" dirty="0" smtClean="0"/>
-              <a:t> </a:t>
-            </a:r>
-            <a:r>
-              <a:rPr lang="en-US" dirty="0" err="1" smtClean="0"/>
-              <a:t>BaseSpace</a:t>
-            </a:r>
-            <a:r>
-              <a:rPr lang="en-US" dirty="0" smtClean="0"/>
-              <a:t>, BINA </a:t>
-            </a:r>
-            <a:r>
-              <a:rPr lang="en-US" dirty="0"/>
-              <a:t>Genomic </a:t>
-            </a:r>
-            <a:r>
-              <a:rPr lang="en-US" dirty="0" smtClean="0"/>
-              <a:t>Analysis System, </a:t>
-            </a:r>
-            <a:r>
-              <a:rPr lang="en-US" dirty="0" err="1" smtClean="0"/>
-              <a:t>SeqWare</a:t>
-            </a:r>
-            <a:r>
-              <a:rPr lang="en-US" dirty="0" smtClean="0"/>
-              <a:t>, DNA </a:t>
-            </a:r>
-            <a:r>
-              <a:rPr lang="en-US" dirty="0"/>
-              <a:t>Nexus </a:t>
-            </a:r>
-            <a:r>
-              <a:rPr lang="en-US" dirty="0" smtClean="0"/>
-              <a:t>Platform, </a:t>
-            </a:r>
-            <a:r>
-              <a:rPr lang="en-US" dirty="0" err="1" smtClean="0"/>
-              <a:t>gkno</a:t>
-            </a:r>
-            <a:r>
-              <a:rPr lang="en-US" dirty="0" smtClean="0"/>
-              <a:t>, NGSANE, </a:t>
-            </a:r>
-            <a:r>
-              <a:rPr lang="en-US" dirty="0" err="1" smtClean="0"/>
-              <a:t>Appistry's</a:t>
-            </a:r>
-            <a:r>
-              <a:rPr lang="en-US" dirty="0" smtClean="0"/>
-              <a:t> </a:t>
-            </a:r>
-            <a:r>
-              <a:rPr lang="en-US" dirty="0" err="1" smtClean="0"/>
-              <a:t>Ayrris</a:t>
-            </a:r>
-            <a:r>
-              <a:rPr lang="en-US" dirty="0" smtClean="0"/>
-              <a:t>, GATK's Queue, </a:t>
-            </a:r>
-            <a:r>
-              <a:rPr lang="en-US" dirty="0" err="1" smtClean="0"/>
-              <a:t>Curoverse's</a:t>
-            </a:r>
-            <a:r>
-              <a:rPr lang="en-US" dirty="0" smtClean="0"/>
-              <a:t> </a:t>
-            </a:r>
-            <a:r>
-              <a:rPr lang="en-US" dirty="0" err="1" smtClean="0"/>
-              <a:t>Arvados</a:t>
-            </a:r>
-            <a:r>
-              <a:rPr lang="en-US" dirty="0" smtClean="0"/>
-              <a:t>, CGA's </a:t>
-            </a:r>
-            <a:r>
-              <a:rPr lang="en-US" dirty="0" err="1" smtClean="0"/>
-              <a:t>Firehose</a:t>
-            </a:r>
-            <a:r>
-              <a:rPr lang="en-US" dirty="0" smtClean="0"/>
-              <a:t>, Seven </a:t>
-            </a:r>
-            <a:r>
-              <a:rPr lang="en-US" dirty="0"/>
-              <a:t>Bridges </a:t>
-            </a:r>
-            <a:r>
-              <a:rPr lang="en-US" dirty="0" smtClean="0"/>
-              <a:t>Genomics, MIT STAR, </a:t>
-            </a:r>
-            <a:r>
-              <a:rPr lang="en-US" dirty="0" err="1" smtClean="0"/>
-              <a:t>GenomOncology</a:t>
-            </a:r>
-            <a:r>
-              <a:rPr lang="en-US" dirty="0" smtClean="0"/>
-              <a:t>, ga4gh, IBM's </a:t>
-            </a:r>
-            <a:r>
-              <a:rPr lang="en-US" dirty="0" err="1"/>
-              <a:t>PowerGene</a:t>
-            </a:r>
-            <a:r>
-              <a:rPr lang="en-US" dirty="0"/>
-              <a:t> </a:t>
-            </a:r>
-            <a:r>
-              <a:rPr lang="en-US" dirty="0" smtClean="0"/>
-              <a:t>Orchestrator, etc.</a:t>
-            </a:r>
-            <a:endParaRPr lang="en-US" dirty="0"/>
+              <a:t>openlava</a:t>
+            </a:r>
+            <a:r>
+              <a:rPr lang="en-US" dirty="0" smtClean="0"/>
+              <a:t>, </a:t>
+            </a:r>
           </a:p>
         </p:txBody>
       </p:sp>
     </p:spTree>
     <p:extLst>
       <p:ext uri="{BB962C8B-B14F-4D97-AF65-F5344CB8AC3E}">
-        <p14:creationId xmlns:p14="http://schemas.microsoft.com/office/powerpoint/2010/main" val="1393713150"/>
+        <p14:creationId xmlns:p14="http://schemas.microsoft.com/office/powerpoint/2010/main" val="2141439182"/>
       </p:ext>
     </p:extLst>
   </p:cSld>
@@ -7123,6 +7874,246 @@
           <a:p>
             <a:r>
               <a:rPr lang="en-US" dirty="0" smtClean="0"/>
+              <a:t>List of existing genome analysis platforms</a:t>
+            </a:r>
+            <a:endParaRPr lang="en-US" dirty="0"/>
+          </a:p>
+        </p:txBody>
+      </p:sp>
+      <p:sp>
+        <p:nvSpPr>
+          <p:cNvPr id="3" name="Content Placeholder 2"/>
+          <p:cNvSpPr>
+            <a:spLocks noGrp="1"/>
+          </p:cNvSpPr>
+          <p:nvPr>
+            <p:ph idx="1"/>
+          </p:nvPr>
+        </p:nvSpPr>
+        <p:spPr/>
+        <p:txBody>
+          <a:bodyPr/>
+          <a:lstStyle/>
+          <a:p>
+            <a:r>
+              <a:rPr lang="en-US" dirty="0">
+                <a:hlinkClick r:id="rId2"/>
+              </a:rPr>
+              <a:t>https://docs.google.com/spreadsheets/d/1o8iYwYUy0V7IECmu21Und3XALwQihioj23WGv-w0itk/</a:t>
+            </a:r>
+            <a:r>
+              <a:rPr lang="en-US" dirty="0" smtClean="0">
+                <a:hlinkClick r:id="rId2"/>
+              </a:rPr>
+              <a:t>pubhtml</a:t>
+            </a:r>
+            <a:endParaRPr lang="en-US" dirty="0" smtClean="0"/>
+          </a:p>
+          <a:p>
+            <a:r>
+              <a:rPr lang="en-US" dirty="0"/>
+              <a:t>Genome Modeling System (GMS</a:t>
+            </a:r>
+            <a:r>
+              <a:rPr lang="en-US" dirty="0" smtClean="0"/>
+              <a:t>), Galaxy, </a:t>
+            </a:r>
+            <a:r>
+              <a:rPr lang="en-US" dirty="0" err="1" smtClean="0"/>
+              <a:t>bcbio</a:t>
+            </a:r>
+            <a:r>
+              <a:rPr lang="en-US" dirty="0" err="1"/>
+              <a:t>-</a:t>
+            </a:r>
+            <a:r>
+              <a:rPr lang="en-US" dirty="0" err="1" smtClean="0"/>
+              <a:t>nextgen</a:t>
+            </a:r>
+            <a:r>
+              <a:rPr lang="en-US" dirty="0" smtClean="0"/>
+              <a:t>, </a:t>
+            </a:r>
+            <a:r>
+              <a:rPr lang="en-US" dirty="0" err="1" smtClean="0"/>
+              <a:t>Omics</a:t>
+            </a:r>
+            <a:r>
+              <a:rPr lang="en-US" dirty="0" smtClean="0"/>
+              <a:t> Pipe, </a:t>
+            </a:r>
+            <a:r>
+              <a:rPr lang="en-US" dirty="0" err="1" smtClean="0"/>
+              <a:t>Illumina</a:t>
+            </a:r>
+            <a:r>
+              <a:rPr lang="en-US" dirty="0" smtClean="0"/>
+              <a:t> </a:t>
+            </a:r>
+            <a:r>
+              <a:rPr lang="en-US" dirty="0" err="1" smtClean="0"/>
+              <a:t>BaseSpace</a:t>
+            </a:r>
+            <a:r>
+              <a:rPr lang="en-US" dirty="0" smtClean="0"/>
+              <a:t>, BINA </a:t>
+            </a:r>
+            <a:r>
+              <a:rPr lang="en-US" dirty="0"/>
+              <a:t>Genomic </a:t>
+            </a:r>
+            <a:r>
+              <a:rPr lang="en-US" dirty="0" smtClean="0"/>
+              <a:t>Analysis System, </a:t>
+            </a:r>
+            <a:r>
+              <a:rPr lang="en-US" dirty="0" err="1" smtClean="0"/>
+              <a:t>SeqWare</a:t>
+            </a:r>
+            <a:r>
+              <a:rPr lang="en-US" dirty="0" smtClean="0"/>
+              <a:t>, DNA </a:t>
+            </a:r>
+            <a:r>
+              <a:rPr lang="en-US" dirty="0"/>
+              <a:t>Nexus </a:t>
+            </a:r>
+            <a:r>
+              <a:rPr lang="en-US" dirty="0" smtClean="0"/>
+              <a:t>Platform, </a:t>
+            </a:r>
+            <a:r>
+              <a:rPr lang="en-US" dirty="0" err="1" smtClean="0"/>
+              <a:t>gkno</a:t>
+            </a:r>
+            <a:r>
+              <a:rPr lang="en-US" dirty="0" smtClean="0"/>
+              <a:t>, NGSANE, </a:t>
+            </a:r>
+            <a:r>
+              <a:rPr lang="en-US" dirty="0" err="1" smtClean="0"/>
+              <a:t>Appistry's</a:t>
+            </a:r>
+            <a:r>
+              <a:rPr lang="en-US" dirty="0" smtClean="0"/>
+              <a:t> </a:t>
+            </a:r>
+            <a:r>
+              <a:rPr lang="en-US" dirty="0" err="1" smtClean="0"/>
+              <a:t>Ayrris</a:t>
+            </a:r>
+            <a:r>
+              <a:rPr lang="en-US" dirty="0" smtClean="0"/>
+              <a:t>, GATK's Queue, </a:t>
+            </a:r>
+            <a:r>
+              <a:rPr lang="en-US" dirty="0" err="1" smtClean="0"/>
+              <a:t>Curoverse's</a:t>
+            </a:r>
+            <a:r>
+              <a:rPr lang="en-US" dirty="0" smtClean="0"/>
+              <a:t> </a:t>
+            </a:r>
+            <a:r>
+              <a:rPr lang="en-US" dirty="0" err="1" smtClean="0"/>
+              <a:t>Arvados</a:t>
+            </a:r>
+            <a:r>
+              <a:rPr lang="en-US" dirty="0" smtClean="0"/>
+              <a:t>, CGA's </a:t>
+            </a:r>
+            <a:r>
+              <a:rPr lang="en-US" dirty="0" err="1" smtClean="0"/>
+              <a:t>Firehose</a:t>
+            </a:r>
+            <a:r>
+              <a:rPr lang="en-US" dirty="0" smtClean="0"/>
+              <a:t>, Seven </a:t>
+            </a:r>
+            <a:r>
+              <a:rPr lang="en-US" dirty="0"/>
+              <a:t>Bridges </a:t>
+            </a:r>
+            <a:r>
+              <a:rPr lang="en-US" dirty="0" smtClean="0"/>
+              <a:t>Genomics, MIT STAR, </a:t>
+            </a:r>
+            <a:r>
+              <a:rPr lang="en-US" dirty="0" err="1" smtClean="0"/>
+              <a:t>GenomOncology</a:t>
+            </a:r>
+            <a:r>
+              <a:rPr lang="en-US" dirty="0" smtClean="0"/>
+              <a:t>, ga4gh, IBM's </a:t>
+            </a:r>
+            <a:r>
+              <a:rPr lang="en-US" dirty="0" err="1"/>
+              <a:t>PowerGene</a:t>
+            </a:r>
+            <a:r>
+              <a:rPr lang="en-US" dirty="0"/>
+              <a:t> </a:t>
+            </a:r>
+            <a:r>
+              <a:rPr lang="en-US" dirty="0" smtClean="0"/>
+              <a:t>Orchestrator, etc.</a:t>
+            </a:r>
+            <a:endParaRPr lang="en-US" dirty="0"/>
+          </a:p>
+        </p:txBody>
+      </p:sp>
+    </p:spTree>
+    <p:extLst>
+      <p:ext uri="{BB962C8B-B14F-4D97-AF65-F5344CB8AC3E}">
+        <p14:creationId xmlns:p14="http://schemas.microsoft.com/office/powerpoint/2010/main" val="1393713150"/>
+      </p:ext>
+    </p:extLst>
+  </p:cSld>
+  <p:clrMapOvr>
+    <a:masterClrMapping/>
+  </p:clrMapOvr>
+</p:sld>
+</file>
+
+<file path=ppt/slides/slide6.xml><?xml version="1.0" encoding="utf-8"?>
+<p:sld xmlns:a="http://schemas.openxmlformats.org/drawingml/2006/main" xmlns:r="http://schemas.openxmlformats.org/officeDocument/2006/relationships" xmlns:p="http://schemas.openxmlformats.org/presentationml/2006/main">
+  <p:cSld>
+    <p:spTree>
+      <p:nvGrpSpPr>
+        <p:cNvPr id="1" name=""/>
+        <p:cNvGrpSpPr/>
+        <p:nvPr/>
+      </p:nvGrpSpPr>
+      <p:grpSpPr>
+        <a:xfrm>
+          <a:off x="0" y="0"/>
+          <a:ext cx="0" cy="0"/>
+          <a:chOff x="0" y="0"/>
+          <a:chExt cx="0" cy="0"/>
+        </a:xfrm>
+      </p:grpSpPr>
+      <p:sp>
+        <p:nvSpPr>
+          <p:cNvPr id="2" name="Title 1"/>
+          <p:cNvSpPr>
+            <a:spLocks noGrp="1"/>
+          </p:cNvSpPr>
+          <p:nvPr>
+            <p:ph type="title"/>
+          </p:nvPr>
+        </p:nvSpPr>
+        <p:spPr>
+          <a:xfrm>
+            <a:off x="152400" y="44624"/>
+            <a:ext cx="8839200" cy="1143000"/>
+          </a:xfrm>
+        </p:spPr>
+        <p:txBody>
+          <a:bodyPr/>
+          <a:lstStyle/>
+          <a:p>
+            <a:r>
+              <a:rPr lang="en-US" dirty="0" smtClean="0"/>
               <a:t>What is a job scheduler?</a:t>
             </a:r>
             <a:endParaRPr lang="en-US" dirty="0"/>
@@ -7191,7 +8182,7 @@
 </p:sld>
 </file>
 
-<file path=ppt/slides/slide6.xml><?xml version="1.0" encoding="utf-8"?>
+<file path=ppt/slides/slide7.xml><?xml version="1.0" encoding="utf-8"?>
 <p:sld xmlns:a="http://schemas.openxmlformats.org/drawingml/2006/main" xmlns:r="http://schemas.openxmlformats.org/officeDocument/2006/relationships" xmlns:p="http://schemas.openxmlformats.org/presentationml/2006/main">
   <p:cSld>
     <p:spTree>
@@ -7351,7 +8342,7 @@
 </p:sld>
 </file>
 
-<file path=ppt/slides/slide7.xml><?xml version="1.0" encoding="utf-8"?>
+<file path=ppt/slides/slide8.xml><?xml version="1.0" encoding="utf-8"?>
 <p:sld xmlns:a="http://schemas.openxmlformats.org/drawingml/2006/main" xmlns:r="http://schemas.openxmlformats.org/officeDocument/2006/relationships" xmlns:p="http://schemas.openxmlformats.org/presentationml/2006/main">
   <p:cSld>
     <p:spTree>
@@ -7465,7 +8456,7 @@
 </p:sld>
 </file>
 
-<file path=ppt/slides/slide8.xml><?xml version="1.0" encoding="utf-8"?>
+<file path=ppt/slides/slide9.xml><?xml version="1.0" encoding="utf-8"?>
 <p:sld xmlns:a="http://schemas.openxmlformats.org/drawingml/2006/main" xmlns:r="http://schemas.openxmlformats.org/officeDocument/2006/relationships" xmlns:p="http://schemas.openxmlformats.org/presentationml/2006/main">
   <p:cSld>
     <p:spTree>
@@ -7638,122 +8629,6 @@
     <p:extLst>
       <p:ext uri="{BB962C8B-B14F-4D97-AF65-F5344CB8AC3E}">
         <p14:creationId xmlns:p14="http://schemas.microsoft.com/office/powerpoint/2010/main" val="199754684"/>
-      </p:ext>
-    </p:extLst>
-  </p:cSld>
-  <p:clrMapOvr>
-    <a:masterClrMapping/>
-  </p:clrMapOvr>
-</p:sld>
-</file>
-
-<file path=ppt/slides/slide9.xml><?xml version="1.0" encoding="utf-8"?>
-<p:sld xmlns:a="http://schemas.openxmlformats.org/drawingml/2006/main" xmlns:r="http://schemas.openxmlformats.org/officeDocument/2006/relationships" xmlns:p="http://schemas.openxmlformats.org/presentationml/2006/main">
-  <p:cSld>
-    <p:spTree>
-      <p:nvGrpSpPr>
-        <p:cNvPr id="1" name=""/>
-        <p:cNvGrpSpPr/>
-        <p:nvPr/>
-      </p:nvGrpSpPr>
-      <p:grpSpPr>
-        <a:xfrm>
-          <a:off x="0" y="0"/>
-          <a:ext cx="0" cy="0"/>
-          <a:chOff x="0" y="0"/>
-          <a:chExt cx="0" cy="0"/>
-        </a:xfrm>
-      </p:grpSpPr>
-      <p:sp>
-        <p:nvSpPr>
-          <p:cNvPr id="2" name="Title 1"/>
-          <p:cNvSpPr>
-            <a:spLocks noGrp="1"/>
-          </p:cNvSpPr>
-          <p:nvPr>
-            <p:ph type="title"/>
-          </p:nvPr>
-        </p:nvSpPr>
-        <p:spPr>
-          <a:xfrm>
-            <a:off x="152400" y="44624"/>
-            <a:ext cx="8839200" cy="1143000"/>
-          </a:xfrm>
-        </p:spPr>
-        <p:txBody>
-          <a:bodyPr/>
-          <a:lstStyle/>
-          <a:p>
-            <a:r>
-              <a:rPr lang="en-US" dirty="0" smtClean="0"/>
-              <a:t>What is a software development kit (SDK)?</a:t>
-            </a:r>
-            <a:endParaRPr lang="en-US" dirty="0"/>
-          </a:p>
-        </p:txBody>
-      </p:sp>
-      <p:sp>
-        <p:nvSpPr>
-          <p:cNvPr id="3" name="Content Placeholder 2"/>
-          <p:cNvSpPr>
-            <a:spLocks noGrp="1"/>
-          </p:cNvSpPr>
-          <p:nvPr>
-            <p:ph idx="1"/>
-          </p:nvPr>
-        </p:nvSpPr>
-        <p:spPr/>
-        <p:txBody>
-          <a:bodyPr/>
-          <a:lstStyle/>
-          <a:p>
-            <a:r>
-              <a:rPr lang="en-US" dirty="0"/>
-              <a:t>A software development kit (</a:t>
-            </a:r>
-            <a:r>
-              <a:rPr lang="en-US" dirty="0" smtClean="0"/>
-              <a:t>SDK) </a:t>
-            </a:r>
-            <a:r>
-              <a:rPr lang="en-US" dirty="0"/>
-              <a:t>is </a:t>
-            </a:r>
-            <a:r>
-              <a:rPr lang="en-US" dirty="0" smtClean="0"/>
-              <a:t>a </a:t>
-            </a:r>
-            <a:r>
-              <a:rPr lang="en-US" dirty="0"/>
-              <a:t>set of software development tools that </a:t>
-            </a:r>
-            <a:r>
-              <a:rPr lang="en-US" dirty="0" smtClean="0"/>
-              <a:t>facilitates </a:t>
-            </a:r>
-            <a:r>
-              <a:rPr lang="en-US" dirty="0"/>
-              <a:t>the creation of applications for a certain </a:t>
-            </a:r>
-            <a:r>
-              <a:rPr lang="en-US" dirty="0" smtClean="0"/>
-              <a:t>software framework</a:t>
-            </a:r>
-            <a:endParaRPr lang="en-US" dirty="0"/>
-          </a:p>
-          <a:p>
-            <a:r>
-              <a:rPr lang="en-US" dirty="0" smtClean="0"/>
-              <a:t>E.g. DNA Nexus Platforms provides software development kit with support for several programming languages to help you build pipelines efficiently in their system</a:t>
-            </a:r>
-            <a:endParaRPr lang="en-US" dirty="0"/>
-          </a:p>
-        </p:txBody>
-      </p:sp>
-    </p:spTree>
-    <p:extLst>
-      <p:ext uri="{BB962C8B-B14F-4D97-AF65-F5344CB8AC3E}">
-        <p14:creationId xmlns:p14="http://schemas.microsoft.com/office/powerpoint/2010/main" val="475985231"/>
       </p:ext>
     </p:extLst>
   </p:cSld>
